--- a/zh-tw/Learn-Git-in-30-days.pptx
+++ b/zh-tw/Learn-Git-in-30-days.pptx
@@ -5,33 +5,35 @@
     <p:sldMasterId id="2147483648" r:id="rId2"/>
     <p:sldMasterId id="2147483661" r:id="rId3"/>
     <p:sldMasterId id="2147483674" r:id="rId4"/>
+    <p:sldMasterId id="2147483687" r:id="rId5"/>
+    <p:sldMasterId id="2147483700" r:id="rId6"/>
+    <p:sldMasterId id="2147483713" r:id="rId7"/>
   </p:sldMasterIdLst>
   <p:sldIdLst>
-    <p:sldId id="256" r:id="rId5"/>
-    <p:sldId id="257" r:id="rId6"/>
-    <p:sldId id="258" r:id="rId7"/>
-    <p:sldId id="259" r:id="rId8"/>
-    <p:sldId id="260" r:id="rId9"/>
-    <p:sldId id="261" r:id="rId10"/>
-    <p:sldId id="262" r:id="rId11"/>
-    <p:sldId id="263" r:id="rId12"/>
-    <p:sldId id="264" r:id="rId13"/>
-    <p:sldId id="265" r:id="rId14"/>
-    <p:sldId id="266" r:id="rId15"/>
-    <p:sldId id="267" r:id="rId16"/>
-    <p:sldId id="268" r:id="rId17"/>
-    <p:sldId id="269" r:id="rId18"/>
-    <p:sldId id="270" r:id="rId19"/>
-    <p:sldId id="271" r:id="rId20"/>
-    <p:sldId id="272" r:id="rId21"/>
-    <p:sldId id="273" r:id="rId22"/>
-    <p:sldId id="274" r:id="rId23"/>
-    <p:sldId id="275" r:id="rId24"/>
-    <p:sldId id="276" r:id="rId25"/>
-    <p:sldId id="277" r:id="rId26"/>
-    <p:sldId id="278" r:id="rId27"/>
-    <p:sldId id="279" r:id="rId28"/>
-    <p:sldId id="280" r:id="rId29"/>
+    <p:sldId id="256" r:id="rId8"/>
+    <p:sldId id="257" r:id="rId9"/>
+    <p:sldId id="258" r:id="rId10"/>
+    <p:sldId id="259" r:id="rId11"/>
+    <p:sldId id="260" r:id="rId12"/>
+    <p:sldId id="261" r:id="rId13"/>
+    <p:sldId id="262" r:id="rId14"/>
+    <p:sldId id="263" r:id="rId15"/>
+    <p:sldId id="264" r:id="rId16"/>
+    <p:sldId id="265" r:id="rId17"/>
+    <p:sldId id="266" r:id="rId18"/>
+    <p:sldId id="267" r:id="rId19"/>
+    <p:sldId id="268" r:id="rId20"/>
+    <p:sldId id="269" r:id="rId21"/>
+    <p:sldId id="270" r:id="rId22"/>
+    <p:sldId id="271" r:id="rId23"/>
+    <p:sldId id="272" r:id="rId24"/>
+    <p:sldId id="273" r:id="rId25"/>
+    <p:sldId id="274" r:id="rId26"/>
+    <p:sldId id="275" r:id="rId27"/>
+    <p:sldId id="276" r:id="rId28"/>
+    <p:sldId id="277" r:id="rId29"/>
+    <p:sldId id="278" r:id="rId30"/>
+    <p:sldId id="279" r:id="rId31"/>
   </p:sldIdLst>
   <p:sldSz cx="9144000" cy="6858000"/>
   <p:notesSz cx="7559675" cy="10691812"/>
@@ -3398,6 +3400,189 @@
 </p:sldLayout>
 </file>
 
+<file path=ppt/slideLayouts/slideLayout37.xml><?xml version="1.0" encoding="utf-8"?>
+<p:sldLayout xmlns:a="http://schemas.openxmlformats.org/drawingml/2006/main" xmlns:p="http://schemas.openxmlformats.org/presentationml/2006/main" xmlns:r="http://schemas.openxmlformats.org/officeDocument/2006/relationships" xmlns:p14="http://schemas.microsoft.com/office/powerpoint/2010/main" xmlns:p15="http://schemas.microsoft.com/office/powerpoint/2012/main" xmlns:mc="http://schemas.openxmlformats.org/markup-compatibility/2006" type="blank" preserve="1">
+  <p:cSld name="Blank Slide">
+    <p:spTree>
+      <p:nvGrpSpPr>
+        <p:cNvPr id="1" name=""/>
+        <p:cNvGrpSpPr/>
+        <p:nvPr/>
+      </p:nvGrpSpPr>
+      <p:grpSpPr>
+        <a:xfrm>
+          <a:off x="0" y="0"/>
+          <a:ext cx="0" cy="0"/>
+          <a:chOff x="0" y="0"/>
+          <a:chExt cx="0" cy="0"/>
+        </a:xfrm>
+      </p:grpSpPr>
+    </p:spTree>
+  </p:cSld>
+</p:sldLayout>
+</file>
+
+<file path=ppt/slideLayouts/slideLayout38.xml><?xml version="1.0" encoding="utf-8"?>
+<p:sldLayout xmlns:a="http://schemas.openxmlformats.org/drawingml/2006/main" xmlns:p="http://schemas.openxmlformats.org/presentationml/2006/main" xmlns:r="http://schemas.openxmlformats.org/officeDocument/2006/relationships" xmlns:p14="http://schemas.microsoft.com/office/powerpoint/2010/main" xmlns:p15="http://schemas.microsoft.com/office/powerpoint/2012/main" xmlns:mc="http://schemas.openxmlformats.org/markup-compatibility/2006" type="tx" preserve="1">
+  <p:cSld name="Title Slide">
+    <p:spTree>
+      <p:nvGrpSpPr>
+        <p:cNvPr id="1" name=""/>
+        <p:cNvGrpSpPr/>
+        <p:nvPr/>
+      </p:nvGrpSpPr>
+      <p:grpSpPr>
+        <a:xfrm>
+          <a:off x="0" y="0"/>
+          <a:ext cx="0" cy="0"/>
+          <a:chOff x="0" y="0"/>
+          <a:chExt cx="0" cy="0"/>
+        </a:xfrm>
+      </p:grpSpPr>
+      <p:sp>
+        <p:nvSpPr>
+          <p:cNvPr id="116" name="PlaceHolder 1"/>
+          <p:cNvSpPr>
+            <a:spLocks noGrp="1"/>
+          </p:cNvSpPr>
+          <p:nvPr>
+            <p:ph type="title"/>
+          </p:nvPr>
+        </p:nvSpPr>
+        <p:spPr>
+          <a:xfrm>
+            <a:off x="457200" y="273600"/>
+            <a:ext cx="8229240" cy="1144800"/>
+          </a:xfrm>
+          <a:prstGeom prst="rect">
+            <a:avLst/>
+          </a:prstGeom>
+        </p:spPr>
+        <p:txBody>
+          <a:bodyPr lIns="0" rIns="0" tIns="0" bIns="0" anchor="ctr"/>
+          <a:p>
+            <a:pPr algn="ctr"/>
+            <a:endParaRPr b="0" lang="en-US" sz="4400" spc="-1" strike="noStrike">
+              <a:latin typeface="Arial"/>
+            </a:endParaRPr>
+          </a:p>
+        </p:txBody>
+      </p:sp>
+      <p:sp>
+        <p:nvSpPr>
+          <p:cNvPr id="117" name="PlaceHolder 2"/>
+          <p:cNvSpPr>
+            <a:spLocks noGrp="1"/>
+          </p:cNvSpPr>
+          <p:nvPr>
+            <p:ph type="subTitle"/>
+          </p:nvPr>
+        </p:nvSpPr>
+        <p:spPr>
+          <a:xfrm>
+            <a:off x="457200" y="1604520"/>
+            <a:ext cx="8229240" cy="3977280"/>
+          </a:xfrm>
+          <a:prstGeom prst="rect">
+            <a:avLst/>
+          </a:prstGeom>
+        </p:spPr>
+        <p:txBody>
+          <a:bodyPr lIns="0" rIns="0" tIns="0" bIns="0" anchor="ctr"/>
+          <a:p>
+            <a:pPr algn="ctr"/>
+            <a:endParaRPr b="0" lang="en-US" sz="3200" spc="-1" strike="noStrike">
+              <a:latin typeface="Arial"/>
+            </a:endParaRPr>
+          </a:p>
+        </p:txBody>
+      </p:sp>
+    </p:spTree>
+  </p:cSld>
+</p:sldLayout>
+</file>
+
+<file path=ppt/slideLayouts/slideLayout39.xml><?xml version="1.0" encoding="utf-8"?>
+<p:sldLayout xmlns:a="http://schemas.openxmlformats.org/drawingml/2006/main" xmlns:p="http://schemas.openxmlformats.org/presentationml/2006/main" xmlns:r="http://schemas.openxmlformats.org/officeDocument/2006/relationships" xmlns:p14="http://schemas.microsoft.com/office/powerpoint/2010/main" xmlns:p15="http://schemas.microsoft.com/office/powerpoint/2012/main" xmlns:mc="http://schemas.openxmlformats.org/markup-compatibility/2006" type="obj" preserve="1">
+  <p:cSld name="Title, Content">
+    <p:spTree>
+      <p:nvGrpSpPr>
+        <p:cNvPr id="1" name=""/>
+        <p:cNvGrpSpPr/>
+        <p:nvPr/>
+      </p:nvGrpSpPr>
+      <p:grpSpPr>
+        <a:xfrm>
+          <a:off x="0" y="0"/>
+          <a:ext cx="0" cy="0"/>
+          <a:chOff x="0" y="0"/>
+          <a:chExt cx="0" cy="0"/>
+        </a:xfrm>
+      </p:grpSpPr>
+      <p:sp>
+        <p:nvSpPr>
+          <p:cNvPr id="118" name="PlaceHolder 1"/>
+          <p:cNvSpPr>
+            <a:spLocks noGrp="1"/>
+          </p:cNvSpPr>
+          <p:nvPr>
+            <p:ph type="title"/>
+          </p:nvPr>
+        </p:nvSpPr>
+        <p:spPr>
+          <a:xfrm>
+            <a:off x="457200" y="273600"/>
+            <a:ext cx="8229240" cy="1144800"/>
+          </a:xfrm>
+          <a:prstGeom prst="rect">
+            <a:avLst/>
+          </a:prstGeom>
+        </p:spPr>
+        <p:txBody>
+          <a:bodyPr lIns="0" rIns="0" tIns="0" bIns="0" anchor="ctr"/>
+          <a:p>
+            <a:pPr algn="ctr"/>
+            <a:endParaRPr b="0" lang="en-US" sz="4400" spc="-1" strike="noStrike">
+              <a:latin typeface="Arial"/>
+            </a:endParaRPr>
+          </a:p>
+        </p:txBody>
+      </p:sp>
+      <p:sp>
+        <p:nvSpPr>
+          <p:cNvPr id="119" name="PlaceHolder 2"/>
+          <p:cNvSpPr>
+            <a:spLocks noGrp="1"/>
+          </p:cNvSpPr>
+          <p:nvPr>
+            <p:ph type="body"/>
+          </p:nvPr>
+        </p:nvSpPr>
+        <p:spPr>
+          <a:xfrm>
+            <a:off x="457200" y="1604520"/>
+            <a:ext cx="8229240" cy="3977280"/>
+          </a:xfrm>
+          <a:prstGeom prst="rect">
+            <a:avLst/>
+          </a:prstGeom>
+        </p:spPr>
+        <p:txBody>
+          <a:bodyPr lIns="0" rIns="0" tIns="0" bIns="0">
+            <a:normAutofit/>
+          </a:bodyPr>
+          <a:p>
+            <a:endParaRPr b="0" lang="en-US" sz="3200" spc="-1" strike="noStrike">
+              <a:latin typeface="Arial"/>
+            </a:endParaRPr>
+          </a:p>
+        </p:txBody>
+      </p:sp>
+    </p:spTree>
+  </p:cSld>
+</p:sldLayout>
+</file>
+
 <file path=ppt/slideLayouts/slideLayout4.xml><?xml version="1.0" encoding="utf-8"?>
 <p:sldLayout xmlns:a="http://schemas.openxmlformats.org/drawingml/2006/main" xmlns:p="http://schemas.openxmlformats.org/presentationml/2006/main" xmlns:r="http://schemas.openxmlformats.org/officeDocument/2006/relationships" xmlns:p14="http://schemas.microsoft.com/office/powerpoint/2010/main" xmlns:p15="http://schemas.microsoft.com/office/powerpoint/2012/main" xmlns:mc="http://schemas.openxmlformats.org/markup-compatibility/2006" type="twoObj" preserve="1">
   <p:cSld name="Title, 2 Content">
@@ -3504,6 +3689,1177 @@
           </a:p>
         </p:txBody>
       </p:sp>
+    </p:spTree>
+  </p:cSld>
+</p:sldLayout>
+</file>
+
+<file path=ppt/slideLayouts/slideLayout40.xml><?xml version="1.0" encoding="utf-8"?>
+<p:sldLayout xmlns:a="http://schemas.openxmlformats.org/drawingml/2006/main" xmlns:p="http://schemas.openxmlformats.org/presentationml/2006/main" xmlns:r="http://schemas.openxmlformats.org/officeDocument/2006/relationships" xmlns:p14="http://schemas.microsoft.com/office/powerpoint/2010/main" xmlns:p15="http://schemas.microsoft.com/office/powerpoint/2012/main" xmlns:mc="http://schemas.openxmlformats.org/markup-compatibility/2006" type="twoObj" preserve="1">
+  <p:cSld name="Title, 2 Content">
+    <p:spTree>
+      <p:nvGrpSpPr>
+        <p:cNvPr id="1" name=""/>
+        <p:cNvGrpSpPr/>
+        <p:nvPr/>
+      </p:nvGrpSpPr>
+      <p:grpSpPr>
+        <a:xfrm>
+          <a:off x="0" y="0"/>
+          <a:ext cx="0" cy="0"/>
+          <a:chOff x="0" y="0"/>
+          <a:chExt cx="0" cy="0"/>
+        </a:xfrm>
+      </p:grpSpPr>
+      <p:sp>
+        <p:nvSpPr>
+          <p:cNvPr id="120" name="PlaceHolder 1"/>
+          <p:cNvSpPr>
+            <a:spLocks noGrp="1"/>
+          </p:cNvSpPr>
+          <p:nvPr>
+            <p:ph type="title"/>
+          </p:nvPr>
+        </p:nvSpPr>
+        <p:spPr>
+          <a:xfrm>
+            <a:off x="457200" y="273600"/>
+            <a:ext cx="8229240" cy="1144800"/>
+          </a:xfrm>
+          <a:prstGeom prst="rect">
+            <a:avLst/>
+          </a:prstGeom>
+        </p:spPr>
+        <p:txBody>
+          <a:bodyPr lIns="0" rIns="0" tIns="0" bIns="0" anchor="ctr"/>
+          <a:p>
+            <a:pPr algn="ctr"/>
+            <a:endParaRPr b="0" lang="en-US" sz="4400" spc="-1" strike="noStrike">
+              <a:latin typeface="Arial"/>
+            </a:endParaRPr>
+          </a:p>
+        </p:txBody>
+      </p:sp>
+      <p:sp>
+        <p:nvSpPr>
+          <p:cNvPr id="121" name="PlaceHolder 2"/>
+          <p:cNvSpPr>
+            <a:spLocks noGrp="1"/>
+          </p:cNvSpPr>
+          <p:nvPr>
+            <p:ph type="body"/>
+          </p:nvPr>
+        </p:nvSpPr>
+        <p:spPr>
+          <a:xfrm>
+            <a:off x="457200" y="1604520"/>
+            <a:ext cx="4015800" cy="3977280"/>
+          </a:xfrm>
+          <a:prstGeom prst="rect">
+            <a:avLst/>
+          </a:prstGeom>
+        </p:spPr>
+        <p:txBody>
+          <a:bodyPr lIns="0" rIns="0" tIns="0" bIns="0">
+            <a:normAutofit/>
+          </a:bodyPr>
+          <a:p>
+            <a:endParaRPr b="0" lang="en-US" sz="3200" spc="-1" strike="noStrike">
+              <a:latin typeface="Arial"/>
+            </a:endParaRPr>
+          </a:p>
+        </p:txBody>
+      </p:sp>
+      <p:sp>
+        <p:nvSpPr>
+          <p:cNvPr id="122" name="PlaceHolder 3"/>
+          <p:cNvSpPr>
+            <a:spLocks noGrp="1"/>
+          </p:cNvSpPr>
+          <p:nvPr>
+            <p:ph type="body"/>
+          </p:nvPr>
+        </p:nvSpPr>
+        <p:spPr>
+          <a:xfrm>
+            <a:off x="4674240" y="1604520"/>
+            <a:ext cx="4015800" cy="3977280"/>
+          </a:xfrm>
+          <a:prstGeom prst="rect">
+            <a:avLst/>
+          </a:prstGeom>
+        </p:spPr>
+        <p:txBody>
+          <a:bodyPr lIns="0" rIns="0" tIns="0" bIns="0">
+            <a:normAutofit/>
+          </a:bodyPr>
+          <a:p>
+            <a:endParaRPr b="0" lang="en-US" sz="3200" spc="-1" strike="noStrike">
+              <a:latin typeface="Arial"/>
+            </a:endParaRPr>
+          </a:p>
+        </p:txBody>
+      </p:sp>
+    </p:spTree>
+  </p:cSld>
+</p:sldLayout>
+</file>
+
+<file path=ppt/slideLayouts/slideLayout41.xml><?xml version="1.0" encoding="utf-8"?>
+<p:sldLayout xmlns:a="http://schemas.openxmlformats.org/drawingml/2006/main" xmlns:p="http://schemas.openxmlformats.org/presentationml/2006/main" xmlns:r="http://schemas.openxmlformats.org/officeDocument/2006/relationships" xmlns:p14="http://schemas.microsoft.com/office/powerpoint/2010/main" xmlns:p15="http://schemas.microsoft.com/office/powerpoint/2012/main" xmlns:mc="http://schemas.openxmlformats.org/markup-compatibility/2006" type="titleOnly" preserve="1">
+  <p:cSld name="Title Only">
+    <p:spTree>
+      <p:nvGrpSpPr>
+        <p:cNvPr id="1" name=""/>
+        <p:cNvGrpSpPr/>
+        <p:nvPr/>
+      </p:nvGrpSpPr>
+      <p:grpSpPr>
+        <a:xfrm>
+          <a:off x="0" y="0"/>
+          <a:ext cx="0" cy="0"/>
+          <a:chOff x="0" y="0"/>
+          <a:chExt cx="0" cy="0"/>
+        </a:xfrm>
+      </p:grpSpPr>
+      <p:sp>
+        <p:nvSpPr>
+          <p:cNvPr id="123" name="PlaceHolder 1"/>
+          <p:cNvSpPr>
+            <a:spLocks noGrp="1"/>
+          </p:cNvSpPr>
+          <p:nvPr>
+            <p:ph type="title"/>
+          </p:nvPr>
+        </p:nvSpPr>
+        <p:spPr>
+          <a:xfrm>
+            <a:off x="457200" y="273600"/>
+            <a:ext cx="8229240" cy="1144800"/>
+          </a:xfrm>
+          <a:prstGeom prst="rect">
+            <a:avLst/>
+          </a:prstGeom>
+        </p:spPr>
+        <p:txBody>
+          <a:bodyPr lIns="0" rIns="0" tIns="0" bIns="0" anchor="ctr"/>
+          <a:p>
+            <a:pPr algn="ctr"/>
+            <a:endParaRPr b="0" lang="en-US" sz="4400" spc="-1" strike="noStrike">
+              <a:latin typeface="Arial"/>
+            </a:endParaRPr>
+          </a:p>
+        </p:txBody>
+      </p:sp>
+    </p:spTree>
+  </p:cSld>
+</p:sldLayout>
+</file>
+
+<file path=ppt/slideLayouts/slideLayout42.xml><?xml version="1.0" encoding="utf-8"?>
+<p:sldLayout xmlns:a="http://schemas.openxmlformats.org/drawingml/2006/main" xmlns:p="http://schemas.openxmlformats.org/presentationml/2006/main" xmlns:r="http://schemas.openxmlformats.org/officeDocument/2006/relationships" xmlns:p14="http://schemas.microsoft.com/office/powerpoint/2010/main" xmlns:p15="http://schemas.microsoft.com/office/powerpoint/2012/main" xmlns:mc="http://schemas.openxmlformats.org/markup-compatibility/2006" type="objOnly" preserve="1">
+  <p:cSld name="Centered Text">
+    <p:spTree>
+      <p:nvGrpSpPr>
+        <p:cNvPr id="1" name=""/>
+        <p:cNvGrpSpPr/>
+        <p:nvPr/>
+      </p:nvGrpSpPr>
+      <p:grpSpPr>
+        <a:xfrm>
+          <a:off x="0" y="0"/>
+          <a:ext cx="0" cy="0"/>
+          <a:chOff x="0" y="0"/>
+          <a:chExt cx="0" cy="0"/>
+        </a:xfrm>
+      </p:grpSpPr>
+      <p:sp>
+        <p:nvSpPr>
+          <p:cNvPr id="124" name="PlaceHolder 1"/>
+          <p:cNvSpPr>
+            <a:spLocks noGrp="1"/>
+          </p:cNvSpPr>
+          <p:nvPr>
+            <p:ph type="subTitle"/>
+          </p:nvPr>
+        </p:nvSpPr>
+        <p:spPr>
+          <a:xfrm>
+            <a:off x="457200" y="273600"/>
+            <a:ext cx="8229240" cy="5307840"/>
+          </a:xfrm>
+          <a:prstGeom prst="rect">
+            <a:avLst/>
+          </a:prstGeom>
+        </p:spPr>
+        <p:txBody>
+          <a:bodyPr lIns="0" rIns="0" tIns="0" bIns="0" anchor="ctr"/>
+          <a:p>
+            <a:pPr algn="ctr"/>
+            <a:endParaRPr b="0" lang="en-US" sz="3200" spc="-1" strike="noStrike">
+              <a:latin typeface="Arial"/>
+            </a:endParaRPr>
+          </a:p>
+        </p:txBody>
+      </p:sp>
+    </p:spTree>
+  </p:cSld>
+</p:sldLayout>
+</file>
+
+<file path=ppt/slideLayouts/slideLayout43.xml><?xml version="1.0" encoding="utf-8"?>
+<p:sldLayout xmlns:a="http://schemas.openxmlformats.org/drawingml/2006/main" xmlns:p="http://schemas.openxmlformats.org/presentationml/2006/main" xmlns:r="http://schemas.openxmlformats.org/officeDocument/2006/relationships" xmlns:p14="http://schemas.microsoft.com/office/powerpoint/2010/main" xmlns:p15="http://schemas.microsoft.com/office/powerpoint/2012/main" xmlns:mc="http://schemas.openxmlformats.org/markup-compatibility/2006" type="twoObjAndObj" preserve="1">
+  <p:cSld name="Title, 2 Content and Content">
+    <p:spTree>
+      <p:nvGrpSpPr>
+        <p:cNvPr id="1" name=""/>
+        <p:cNvGrpSpPr/>
+        <p:nvPr/>
+      </p:nvGrpSpPr>
+      <p:grpSpPr>
+        <a:xfrm>
+          <a:off x="0" y="0"/>
+          <a:ext cx="0" cy="0"/>
+          <a:chOff x="0" y="0"/>
+          <a:chExt cx="0" cy="0"/>
+        </a:xfrm>
+      </p:grpSpPr>
+      <p:sp>
+        <p:nvSpPr>
+          <p:cNvPr id="125" name="PlaceHolder 1"/>
+          <p:cNvSpPr>
+            <a:spLocks noGrp="1"/>
+          </p:cNvSpPr>
+          <p:nvPr>
+            <p:ph type="title"/>
+          </p:nvPr>
+        </p:nvSpPr>
+        <p:spPr>
+          <a:xfrm>
+            <a:off x="457200" y="273600"/>
+            <a:ext cx="8229240" cy="1144800"/>
+          </a:xfrm>
+          <a:prstGeom prst="rect">
+            <a:avLst/>
+          </a:prstGeom>
+        </p:spPr>
+        <p:txBody>
+          <a:bodyPr lIns="0" rIns="0" tIns="0" bIns="0" anchor="ctr"/>
+          <a:p>
+            <a:pPr algn="ctr"/>
+            <a:endParaRPr b="0" lang="en-US" sz="4400" spc="-1" strike="noStrike">
+              <a:latin typeface="Arial"/>
+            </a:endParaRPr>
+          </a:p>
+        </p:txBody>
+      </p:sp>
+      <p:sp>
+        <p:nvSpPr>
+          <p:cNvPr id="126" name="PlaceHolder 2"/>
+          <p:cNvSpPr>
+            <a:spLocks noGrp="1"/>
+          </p:cNvSpPr>
+          <p:nvPr>
+            <p:ph type="body"/>
+          </p:nvPr>
+        </p:nvSpPr>
+        <p:spPr>
+          <a:xfrm>
+            <a:off x="457200" y="1604520"/>
+            <a:ext cx="4015800" cy="1896840"/>
+          </a:xfrm>
+          <a:prstGeom prst="rect">
+            <a:avLst/>
+          </a:prstGeom>
+        </p:spPr>
+        <p:txBody>
+          <a:bodyPr lIns="0" rIns="0" tIns="0" bIns="0">
+            <a:normAutofit/>
+          </a:bodyPr>
+          <a:p>
+            <a:endParaRPr b="0" lang="en-US" sz="3200" spc="-1" strike="noStrike">
+              <a:latin typeface="Arial"/>
+            </a:endParaRPr>
+          </a:p>
+        </p:txBody>
+      </p:sp>
+      <p:sp>
+        <p:nvSpPr>
+          <p:cNvPr id="127" name="PlaceHolder 3"/>
+          <p:cNvSpPr>
+            <a:spLocks noGrp="1"/>
+          </p:cNvSpPr>
+          <p:nvPr>
+            <p:ph type="body"/>
+          </p:nvPr>
+        </p:nvSpPr>
+        <p:spPr>
+          <a:xfrm>
+            <a:off x="4674240" y="1604520"/>
+            <a:ext cx="4015800" cy="3977280"/>
+          </a:xfrm>
+          <a:prstGeom prst="rect">
+            <a:avLst/>
+          </a:prstGeom>
+        </p:spPr>
+        <p:txBody>
+          <a:bodyPr lIns="0" rIns="0" tIns="0" bIns="0">
+            <a:normAutofit/>
+          </a:bodyPr>
+          <a:p>
+            <a:endParaRPr b="0" lang="en-US" sz="3200" spc="-1" strike="noStrike">
+              <a:latin typeface="Arial"/>
+            </a:endParaRPr>
+          </a:p>
+        </p:txBody>
+      </p:sp>
+      <p:sp>
+        <p:nvSpPr>
+          <p:cNvPr id="128" name="PlaceHolder 4"/>
+          <p:cNvSpPr>
+            <a:spLocks noGrp="1"/>
+          </p:cNvSpPr>
+          <p:nvPr>
+            <p:ph type="body"/>
+          </p:nvPr>
+        </p:nvSpPr>
+        <p:spPr>
+          <a:xfrm>
+            <a:off x="457200" y="3682080"/>
+            <a:ext cx="4015800" cy="1896840"/>
+          </a:xfrm>
+          <a:prstGeom prst="rect">
+            <a:avLst/>
+          </a:prstGeom>
+        </p:spPr>
+        <p:txBody>
+          <a:bodyPr lIns="0" rIns="0" tIns="0" bIns="0">
+            <a:normAutofit/>
+          </a:bodyPr>
+          <a:p>
+            <a:endParaRPr b="0" lang="en-US" sz="3200" spc="-1" strike="noStrike">
+              <a:latin typeface="Arial"/>
+            </a:endParaRPr>
+          </a:p>
+        </p:txBody>
+      </p:sp>
+    </p:spTree>
+  </p:cSld>
+</p:sldLayout>
+</file>
+
+<file path=ppt/slideLayouts/slideLayout44.xml><?xml version="1.0" encoding="utf-8"?>
+<p:sldLayout xmlns:a="http://schemas.openxmlformats.org/drawingml/2006/main" xmlns:p="http://schemas.openxmlformats.org/presentationml/2006/main" xmlns:r="http://schemas.openxmlformats.org/officeDocument/2006/relationships" xmlns:p14="http://schemas.microsoft.com/office/powerpoint/2010/main" xmlns:p15="http://schemas.microsoft.com/office/powerpoint/2012/main" xmlns:mc="http://schemas.openxmlformats.org/markup-compatibility/2006" type="objAndTwoObj" preserve="1">
+  <p:cSld name="Title Content and 2 Content">
+    <p:spTree>
+      <p:nvGrpSpPr>
+        <p:cNvPr id="1" name=""/>
+        <p:cNvGrpSpPr/>
+        <p:nvPr/>
+      </p:nvGrpSpPr>
+      <p:grpSpPr>
+        <a:xfrm>
+          <a:off x="0" y="0"/>
+          <a:ext cx="0" cy="0"/>
+          <a:chOff x="0" y="0"/>
+          <a:chExt cx="0" cy="0"/>
+        </a:xfrm>
+      </p:grpSpPr>
+      <p:sp>
+        <p:nvSpPr>
+          <p:cNvPr id="129" name="PlaceHolder 1"/>
+          <p:cNvSpPr>
+            <a:spLocks noGrp="1"/>
+          </p:cNvSpPr>
+          <p:nvPr>
+            <p:ph type="title"/>
+          </p:nvPr>
+        </p:nvSpPr>
+        <p:spPr>
+          <a:xfrm>
+            <a:off x="457200" y="273600"/>
+            <a:ext cx="8229240" cy="1144800"/>
+          </a:xfrm>
+          <a:prstGeom prst="rect">
+            <a:avLst/>
+          </a:prstGeom>
+        </p:spPr>
+        <p:txBody>
+          <a:bodyPr lIns="0" rIns="0" tIns="0" bIns="0" anchor="ctr"/>
+          <a:p>
+            <a:pPr algn="ctr"/>
+            <a:endParaRPr b="0" lang="en-US" sz="4400" spc="-1" strike="noStrike">
+              <a:latin typeface="Arial"/>
+            </a:endParaRPr>
+          </a:p>
+        </p:txBody>
+      </p:sp>
+      <p:sp>
+        <p:nvSpPr>
+          <p:cNvPr id="130" name="PlaceHolder 2"/>
+          <p:cNvSpPr>
+            <a:spLocks noGrp="1"/>
+          </p:cNvSpPr>
+          <p:nvPr>
+            <p:ph type="body"/>
+          </p:nvPr>
+        </p:nvSpPr>
+        <p:spPr>
+          <a:xfrm>
+            <a:off x="457200" y="1604520"/>
+            <a:ext cx="4015800" cy="3977280"/>
+          </a:xfrm>
+          <a:prstGeom prst="rect">
+            <a:avLst/>
+          </a:prstGeom>
+        </p:spPr>
+        <p:txBody>
+          <a:bodyPr lIns="0" rIns="0" tIns="0" bIns="0">
+            <a:normAutofit/>
+          </a:bodyPr>
+          <a:p>
+            <a:endParaRPr b="0" lang="en-US" sz="3200" spc="-1" strike="noStrike">
+              <a:latin typeface="Arial"/>
+            </a:endParaRPr>
+          </a:p>
+        </p:txBody>
+      </p:sp>
+      <p:sp>
+        <p:nvSpPr>
+          <p:cNvPr id="131" name="PlaceHolder 3"/>
+          <p:cNvSpPr>
+            <a:spLocks noGrp="1"/>
+          </p:cNvSpPr>
+          <p:nvPr>
+            <p:ph type="body"/>
+          </p:nvPr>
+        </p:nvSpPr>
+        <p:spPr>
+          <a:xfrm>
+            <a:off x="4674240" y="1604520"/>
+            <a:ext cx="4015800" cy="1896840"/>
+          </a:xfrm>
+          <a:prstGeom prst="rect">
+            <a:avLst/>
+          </a:prstGeom>
+        </p:spPr>
+        <p:txBody>
+          <a:bodyPr lIns="0" rIns="0" tIns="0" bIns="0">
+            <a:normAutofit/>
+          </a:bodyPr>
+          <a:p>
+            <a:endParaRPr b="0" lang="en-US" sz="3200" spc="-1" strike="noStrike">
+              <a:latin typeface="Arial"/>
+            </a:endParaRPr>
+          </a:p>
+        </p:txBody>
+      </p:sp>
+      <p:sp>
+        <p:nvSpPr>
+          <p:cNvPr id="132" name="PlaceHolder 4"/>
+          <p:cNvSpPr>
+            <a:spLocks noGrp="1"/>
+          </p:cNvSpPr>
+          <p:nvPr>
+            <p:ph type="body"/>
+          </p:nvPr>
+        </p:nvSpPr>
+        <p:spPr>
+          <a:xfrm>
+            <a:off x="4674240" y="3682080"/>
+            <a:ext cx="4015800" cy="1896840"/>
+          </a:xfrm>
+          <a:prstGeom prst="rect">
+            <a:avLst/>
+          </a:prstGeom>
+        </p:spPr>
+        <p:txBody>
+          <a:bodyPr lIns="0" rIns="0" tIns="0" bIns="0">
+            <a:normAutofit/>
+          </a:bodyPr>
+          <a:p>
+            <a:endParaRPr b="0" lang="en-US" sz="3200" spc="-1" strike="noStrike">
+              <a:latin typeface="Arial"/>
+            </a:endParaRPr>
+          </a:p>
+        </p:txBody>
+      </p:sp>
+    </p:spTree>
+  </p:cSld>
+</p:sldLayout>
+</file>
+
+<file path=ppt/slideLayouts/slideLayout45.xml><?xml version="1.0" encoding="utf-8"?>
+<p:sldLayout xmlns:a="http://schemas.openxmlformats.org/drawingml/2006/main" xmlns:p="http://schemas.openxmlformats.org/presentationml/2006/main" xmlns:r="http://schemas.openxmlformats.org/officeDocument/2006/relationships" xmlns:p14="http://schemas.microsoft.com/office/powerpoint/2010/main" xmlns:p15="http://schemas.microsoft.com/office/powerpoint/2012/main" xmlns:mc="http://schemas.openxmlformats.org/markup-compatibility/2006" type="twoObjOverTx" preserve="1">
+  <p:cSld name="Title, 2 Content over Content">
+    <p:spTree>
+      <p:nvGrpSpPr>
+        <p:cNvPr id="1" name=""/>
+        <p:cNvGrpSpPr/>
+        <p:nvPr/>
+      </p:nvGrpSpPr>
+      <p:grpSpPr>
+        <a:xfrm>
+          <a:off x="0" y="0"/>
+          <a:ext cx="0" cy="0"/>
+          <a:chOff x="0" y="0"/>
+          <a:chExt cx="0" cy="0"/>
+        </a:xfrm>
+      </p:grpSpPr>
+      <p:sp>
+        <p:nvSpPr>
+          <p:cNvPr id="133" name="PlaceHolder 1"/>
+          <p:cNvSpPr>
+            <a:spLocks noGrp="1"/>
+          </p:cNvSpPr>
+          <p:nvPr>
+            <p:ph type="title"/>
+          </p:nvPr>
+        </p:nvSpPr>
+        <p:spPr>
+          <a:xfrm>
+            <a:off x="457200" y="273600"/>
+            <a:ext cx="8229240" cy="1144800"/>
+          </a:xfrm>
+          <a:prstGeom prst="rect">
+            <a:avLst/>
+          </a:prstGeom>
+        </p:spPr>
+        <p:txBody>
+          <a:bodyPr lIns="0" rIns="0" tIns="0" bIns="0" anchor="ctr"/>
+          <a:p>
+            <a:pPr algn="ctr"/>
+            <a:endParaRPr b="0" lang="en-US" sz="4400" spc="-1" strike="noStrike">
+              <a:latin typeface="Arial"/>
+            </a:endParaRPr>
+          </a:p>
+        </p:txBody>
+      </p:sp>
+      <p:sp>
+        <p:nvSpPr>
+          <p:cNvPr id="134" name="PlaceHolder 2"/>
+          <p:cNvSpPr>
+            <a:spLocks noGrp="1"/>
+          </p:cNvSpPr>
+          <p:nvPr>
+            <p:ph type="body"/>
+          </p:nvPr>
+        </p:nvSpPr>
+        <p:spPr>
+          <a:xfrm>
+            <a:off x="457200" y="1604520"/>
+            <a:ext cx="4015800" cy="1896840"/>
+          </a:xfrm>
+          <a:prstGeom prst="rect">
+            <a:avLst/>
+          </a:prstGeom>
+        </p:spPr>
+        <p:txBody>
+          <a:bodyPr lIns="0" rIns="0" tIns="0" bIns="0">
+            <a:normAutofit/>
+          </a:bodyPr>
+          <a:p>
+            <a:endParaRPr b="0" lang="en-US" sz="3200" spc="-1" strike="noStrike">
+              <a:latin typeface="Arial"/>
+            </a:endParaRPr>
+          </a:p>
+        </p:txBody>
+      </p:sp>
+      <p:sp>
+        <p:nvSpPr>
+          <p:cNvPr id="135" name="PlaceHolder 3"/>
+          <p:cNvSpPr>
+            <a:spLocks noGrp="1"/>
+          </p:cNvSpPr>
+          <p:nvPr>
+            <p:ph type="body"/>
+          </p:nvPr>
+        </p:nvSpPr>
+        <p:spPr>
+          <a:xfrm>
+            <a:off x="4674240" y="1604520"/>
+            <a:ext cx="4015800" cy="1896840"/>
+          </a:xfrm>
+          <a:prstGeom prst="rect">
+            <a:avLst/>
+          </a:prstGeom>
+        </p:spPr>
+        <p:txBody>
+          <a:bodyPr lIns="0" rIns="0" tIns="0" bIns="0">
+            <a:normAutofit/>
+          </a:bodyPr>
+          <a:p>
+            <a:endParaRPr b="0" lang="en-US" sz="3200" spc="-1" strike="noStrike">
+              <a:latin typeface="Arial"/>
+            </a:endParaRPr>
+          </a:p>
+        </p:txBody>
+      </p:sp>
+      <p:sp>
+        <p:nvSpPr>
+          <p:cNvPr id="136" name="PlaceHolder 4"/>
+          <p:cNvSpPr>
+            <a:spLocks noGrp="1"/>
+          </p:cNvSpPr>
+          <p:nvPr>
+            <p:ph type="body"/>
+          </p:nvPr>
+        </p:nvSpPr>
+        <p:spPr>
+          <a:xfrm>
+            <a:off x="457200" y="3682080"/>
+            <a:ext cx="8229240" cy="1896840"/>
+          </a:xfrm>
+          <a:prstGeom prst="rect">
+            <a:avLst/>
+          </a:prstGeom>
+        </p:spPr>
+        <p:txBody>
+          <a:bodyPr lIns="0" rIns="0" tIns="0" bIns="0">
+            <a:normAutofit/>
+          </a:bodyPr>
+          <a:p>
+            <a:endParaRPr b="0" lang="en-US" sz="3200" spc="-1" strike="noStrike">
+              <a:latin typeface="Arial"/>
+            </a:endParaRPr>
+          </a:p>
+        </p:txBody>
+      </p:sp>
+    </p:spTree>
+  </p:cSld>
+</p:sldLayout>
+</file>
+
+<file path=ppt/slideLayouts/slideLayout46.xml><?xml version="1.0" encoding="utf-8"?>
+<p:sldLayout xmlns:a="http://schemas.openxmlformats.org/drawingml/2006/main" xmlns:p="http://schemas.openxmlformats.org/presentationml/2006/main" xmlns:r="http://schemas.openxmlformats.org/officeDocument/2006/relationships" xmlns:p14="http://schemas.microsoft.com/office/powerpoint/2010/main" xmlns:p15="http://schemas.microsoft.com/office/powerpoint/2012/main" xmlns:mc="http://schemas.openxmlformats.org/markup-compatibility/2006" type="objOverTx" preserve="1">
+  <p:cSld name="Title, Content over Content">
+    <p:spTree>
+      <p:nvGrpSpPr>
+        <p:cNvPr id="1" name=""/>
+        <p:cNvGrpSpPr/>
+        <p:nvPr/>
+      </p:nvGrpSpPr>
+      <p:grpSpPr>
+        <a:xfrm>
+          <a:off x="0" y="0"/>
+          <a:ext cx="0" cy="0"/>
+          <a:chOff x="0" y="0"/>
+          <a:chExt cx="0" cy="0"/>
+        </a:xfrm>
+      </p:grpSpPr>
+      <p:sp>
+        <p:nvSpPr>
+          <p:cNvPr id="137" name="PlaceHolder 1"/>
+          <p:cNvSpPr>
+            <a:spLocks noGrp="1"/>
+          </p:cNvSpPr>
+          <p:nvPr>
+            <p:ph type="title"/>
+          </p:nvPr>
+        </p:nvSpPr>
+        <p:spPr>
+          <a:xfrm>
+            <a:off x="457200" y="273600"/>
+            <a:ext cx="8229240" cy="1144800"/>
+          </a:xfrm>
+          <a:prstGeom prst="rect">
+            <a:avLst/>
+          </a:prstGeom>
+        </p:spPr>
+        <p:txBody>
+          <a:bodyPr lIns="0" rIns="0" tIns="0" bIns="0" anchor="ctr"/>
+          <a:p>
+            <a:pPr algn="ctr"/>
+            <a:endParaRPr b="0" lang="en-US" sz="4400" spc="-1" strike="noStrike">
+              <a:latin typeface="Arial"/>
+            </a:endParaRPr>
+          </a:p>
+        </p:txBody>
+      </p:sp>
+      <p:sp>
+        <p:nvSpPr>
+          <p:cNvPr id="138" name="PlaceHolder 2"/>
+          <p:cNvSpPr>
+            <a:spLocks noGrp="1"/>
+          </p:cNvSpPr>
+          <p:nvPr>
+            <p:ph type="body"/>
+          </p:nvPr>
+        </p:nvSpPr>
+        <p:spPr>
+          <a:xfrm>
+            <a:off x="457200" y="1604520"/>
+            <a:ext cx="8229240" cy="1896840"/>
+          </a:xfrm>
+          <a:prstGeom prst="rect">
+            <a:avLst/>
+          </a:prstGeom>
+        </p:spPr>
+        <p:txBody>
+          <a:bodyPr lIns="0" rIns="0" tIns="0" bIns="0">
+            <a:normAutofit/>
+          </a:bodyPr>
+          <a:p>
+            <a:endParaRPr b="0" lang="en-US" sz="3200" spc="-1" strike="noStrike">
+              <a:latin typeface="Arial"/>
+            </a:endParaRPr>
+          </a:p>
+        </p:txBody>
+      </p:sp>
+      <p:sp>
+        <p:nvSpPr>
+          <p:cNvPr id="139" name="PlaceHolder 3"/>
+          <p:cNvSpPr>
+            <a:spLocks noGrp="1"/>
+          </p:cNvSpPr>
+          <p:nvPr>
+            <p:ph type="body"/>
+          </p:nvPr>
+        </p:nvSpPr>
+        <p:spPr>
+          <a:xfrm>
+            <a:off x="457200" y="3682080"/>
+            <a:ext cx="8229240" cy="1896840"/>
+          </a:xfrm>
+          <a:prstGeom prst="rect">
+            <a:avLst/>
+          </a:prstGeom>
+        </p:spPr>
+        <p:txBody>
+          <a:bodyPr lIns="0" rIns="0" tIns="0" bIns="0">
+            <a:normAutofit/>
+          </a:bodyPr>
+          <a:p>
+            <a:endParaRPr b="0" lang="en-US" sz="3200" spc="-1" strike="noStrike">
+              <a:latin typeface="Arial"/>
+            </a:endParaRPr>
+          </a:p>
+        </p:txBody>
+      </p:sp>
+    </p:spTree>
+  </p:cSld>
+</p:sldLayout>
+</file>
+
+<file path=ppt/slideLayouts/slideLayout47.xml><?xml version="1.0" encoding="utf-8"?>
+<p:sldLayout xmlns:a="http://schemas.openxmlformats.org/drawingml/2006/main" xmlns:p="http://schemas.openxmlformats.org/presentationml/2006/main" xmlns:r="http://schemas.openxmlformats.org/officeDocument/2006/relationships" xmlns:p14="http://schemas.microsoft.com/office/powerpoint/2010/main" xmlns:p15="http://schemas.microsoft.com/office/powerpoint/2012/main" xmlns:mc="http://schemas.openxmlformats.org/markup-compatibility/2006" type="fourObj" preserve="1">
+  <p:cSld name="Title, 4 Content">
+    <p:spTree>
+      <p:nvGrpSpPr>
+        <p:cNvPr id="1" name=""/>
+        <p:cNvGrpSpPr/>
+        <p:nvPr/>
+      </p:nvGrpSpPr>
+      <p:grpSpPr>
+        <a:xfrm>
+          <a:off x="0" y="0"/>
+          <a:ext cx="0" cy="0"/>
+          <a:chOff x="0" y="0"/>
+          <a:chExt cx="0" cy="0"/>
+        </a:xfrm>
+      </p:grpSpPr>
+      <p:sp>
+        <p:nvSpPr>
+          <p:cNvPr id="140" name="PlaceHolder 1"/>
+          <p:cNvSpPr>
+            <a:spLocks noGrp="1"/>
+          </p:cNvSpPr>
+          <p:nvPr>
+            <p:ph type="title"/>
+          </p:nvPr>
+        </p:nvSpPr>
+        <p:spPr>
+          <a:xfrm>
+            <a:off x="457200" y="273600"/>
+            <a:ext cx="8229240" cy="1144800"/>
+          </a:xfrm>
+          <a:prstGeom prst="rect">
+            <a:avLst/>
+          </a:prstGeom>
+        </p:spPr>
+        <p:txBody>
+          <a:bodyPr lIns="0" rIns="0" tIns="0" bIns="0" anchor="ctr"/>
+          <a:p>
+            <a:pPr algn="ctr"/>
+            <a:endParaRPr b="0" lang="en-US" sz="4400" spc="-1" strike="noStrike">
+              <a:latin typeface="Arial"/>
+            </a:endParaRPr>
+          </a:p>
+        </p:txBody>
+      </p:sp>
+      <p:sp>
+        <p:nvSpPr>
+          <p:cNvPr id="141" name="PlaceHolder 2"/>
+          <p:cNvSpPr>
+            <a:spLocks noGrp="1"/>
+          </p:cNvSpPr>
+          <p:nvPr>
+            <p:ph type="body"/>
+          </p:nvPr>
+        </p:nvSpPr>
+        <p:spPr>
+          <a:xfrm>
+            <a:off x="457200" y="1604520"/>
+            <a:ext cx="4015800" cy="1896840"/>
+          </a:xfrm>
+          <a:prstGeom prst="rect">
+            <a:avLst/>
+          </a:prstGeom>
+        </p:spPr>
+        <p:txBody>
+          <a:bodyPr lIns="0" rIns="0" tIns="0" bIns="0">
+            <a:normAutofit/>
+          </a:bodyPr>
+          <a:p>
+            <a:endParaRPr b="0" lang="en-US" sz="3200" spc="-1" strike="noStrike">
+              <a:latin typeface="Arial"/>
+            </a:endParaRPr>
+          </a:p>
+        </p:txBody>
+      </p:sp>
+      <p:sp>
+        <p:nvSpPr>
+          <p:cNvPr id="142" name="PlaceHolder 3"/>
+          <p:cNvSpPr>
+            <a:spLocks noGrp="1"/>
+          </p:cNvSpPr>
+          <p:nvPr>
+            <p:ph type="body"/>
+          </p:nvPr>
+        </p:nvSpPr>
+        <p:spPr>
+          <a:xfrm>
+            <a:off x="4674240" y="1604520"/>
+            <a:ext cx="4015800" cy="1896840"/>
+          </a:xfrm>
+          <a:prstGeom prst="rect">
+            <a:avLst/>
+          </a:prstGeom>
+        </p:spPr>
+        <p:txBody>
+          <a:bodyPr lIns="0" rIns="0" tIns="0" bIns="0">
+            <a:normAutofit/>
+          </a:bodyPr>
+          <a:p>
+            <a:endParaRPr b="0" lang="en-US" sz="3200" spc="-1" strike="noStrike">
+              <a:latin typeface="Arial"/>
+            </a:endParaRPr>
+          </a:p>
+        </p:txBody>
+      </p:sp>
+      <p:sp>
+        <p:nvSpPr>
+          <p:cNvPr id="143" name="PlaceHolder 4"/>
+          <p:cNvSpPr>
+            <a:spLocks noGrp="1"/>
+          </p:cNvSpPr>
+          <p:nvPr>
+            <p:ph type="body"/>
+          </p:nvPr>
+        </p:nvSpPr>
+        <p:spPr>
+          <a:xfrm>
+            <a:off x="457200" y="3682080"/>
+            <a:ext cx="4015800" cy="1896840"/>
+          </a:xfrm>
+          <a:prstGeom prst="rect">
+            <a:avLst/>
+          </a:prstGeom>
+        </p:spPr>
+        <p:txBody>
+          <a:bodyPr lIns="0" rIns="0" tIns="0" bIns="0">
+            <a:normAutofit/>
+          </a:bodyPr>
+          <a:p>
+            <a:endParaRPr b="0" lang="en-US" sz="3200" spc="-1" strike="noStrike">
+              <a:latin typeface="Arial"/>
+            </a:endParaRPr>
+          </a:p>
+        </p:txBody>
+      </p:sp>
+      <p:sp>
+        <p:nvSpPr>
+          <p:cNvPr id="144" name="PlaceHolder 5"/>
+          <p:cNvSpPr>
+            <a:spLocks noGrp="1"/>
+          </p:cNvSpPr>
+          <p:nvPr>
+            <p:ph type="body"/>
+          </p:nvPr>
+        </p:nvSpPr>
+        <p:spPr>
+          <a:xfrm>
+            <a:off x="4674240" y="3682080"/>
+            <a:ext cx="4015800" cy="1896840"/>
+          </a:xfrm>
+          <a:prstGeom prst="rect">
+            <a:avLst/>
+          </a:prstGeom>
+        </p:spPr>
+        <p:txBody>
+          <a:bodyPr lIns="0" rIns="0" tIns="0" bIns="0">
+            <a:normAutofit/>
+          </a:bodyPr>
+          <a:p>
+            <a:endParaRPr b="0" lang="en-US" sz="3200" spc="-1" strike="noStrike">
+              <a:latin typeface="Arial"/>
+            </a:endParaRPr>
+          </a:p>
+        </p:txBody>
+      </p:sp>
+    </p:spTree>
+  </p:cSld>
+</p:sldLayout>
+</file>
+
+<file path=ppt/slideLayouts/slideLayout48.xml><?xml version="1.0" encoding="utf-8"?>
+<p:sldLayout xmlns:a="http://schemas.openxmlformats.org/drawingml/2006/main" xmlns:p="http://schemas.openxmlformats.org/presentationml/2006/main" xmlns:r="http://schemas.openxmlformats.org/officeDocument/2006/relationships" xmlns:p14="http://schemas.microsoft.com/office/powerpoint/2010/main" xmlns:p15="http://schemas.microsoft.com/office/powerpoint/2012/main" xmlns:mc="http://schemas.openxmlformats.org/markup-compatibility/2006" type="blank" preserve="1">
+  <p:cSld name="Title, 6 Content">
+    <p:spTree>
+      <p:nvGrpSpPr>
+        <p:cNvPr id="1" name=""/>
+        <p:cNvGrpSpPr/>
+        <p:nvPr/>
+      </p:nvGrpSpPr>
+      <p:grpSpPr>
+        <a:xfrm>
+          <a:off x="0" y="0"/>
+          <a:ext cx="0" cy="0"/>
+          <a:chOff x="0" y="0"/>
+          <a:chExt cx="0" cy="0"/>
+        </a:xfrm>
+      </p:grpSpPr>
+      <p:sp>
+        <p:nvSpPr>
+          <p:cNvPr id="145" name="PlaceHolder 1"/>
+          <p:cNvSpPr>
+            <a:spLocks noGrp="1"/>
+          </p:cNvSpPr>
+          <p:nvPr>
+            <p:ph type="title"/>
+          </p:nvPr>
+        </p:nvSpPr>
+        <p:spPr>
+          <a:xfrm>
+            <a:off x="457200" y="273600"/>
+            <a:ext cx="8229240" cy="1144800"/>
+          </a:xfrm>
+          <a:prstGeom prst="rect">
+            <a:avLst/>
+          </a:prstGeom>
+        </p:spPr>
+        <p:txBody>
+          <a:bodyPr lIns="0" rIns="0" tIns="0" bIns="0" anchor="ctr"/>
+          <a:p>
+            <a:pPr algn="ctr"/>
+            <a:endParaRPr b="0" lang="en-US" sz="4400" spc="-1" strike="noStrike">
+              <a:latin typeface="Arial"/>
+            </a:endParaRPr>
+          </a:p>
+        </p:txBody>
+      </p:sp>
+      <p:sp>
+        <p:nvSpPr>
+          <p:cNvPr id="146" name="PlaceHolder 2"/>
+          <p:cNvSpPr>
+            <a:spLocks noGrp="1"/>
+          </p:cNvSpPr>
+          <p:nvPr>
+            <p:ph type="body"/>
+          </p:nvPr>
+        </p:nvSpPr>
+        <p:spPr>
+          <a:xfrm>
+            <a:off x="457200" y="1604520"/>
+            <a:ext cx="2649600" cy="1896840"/>
+          </a:xfrm>
+          <a:prstGeom prst="rect">
+            <a:avLst/>
+          </a:prstGeom>
+        </p:spPr>
+        <p:txBody>
+          <a:bodyPr lIns="0" rIns="0" tIns="0" bIns="0">
+            <a:normAutofit/>
+          </a:bodyPr>
+          <a:p>
+            <a:endParaRPr b="0" lang="en-US" sz="3200" spc="-1" strike="noStrike">
+              <a:latin typeface="Arial"/>
+            </a:endParaRPr>
+          </a:p>
+        </p:txBody>
+      </p:sp>
+      <p:sp>
+        <p:nvSpPr>
+          <p:cNvPr id="147" name="PlaceHolder 3"/>
+          <p:cNvSpPr>
+            <a:spLocks noGrp="1"/>
+          </p:cNvSpPr>
+          <p:nvPr>
+            <p:ph type="body"/>
+          </p:nvPr>
+        </p:nvSpPr>
+        <p:spPr>
+          <a:xfrm>
+            <a:off x="3239640" y="1604520"/>
+            <a:ext cx="2649600" cy="1896840"/>
+          </a:xfrm>
+          <a:prstGeom prst="rect">
+            <a:avLst/>
+          </a:prstGeom>
+        </p:spPr>
+        <p:txBody>
+          <a:bodyPr lIns="0" rIns="0" tIns="0" bIns="0">
+            <a:normAutofit/>
+          </a:bodyPr>
+          <a:p>
+            <a:endParaRPr b="0" lang="en-US" sz="3200" spc="-1" strike="noStrike">
+              <a:latin typeface="Arial"/>
+            </a:endParaRPr>
+          </a:p>
+        </p:txBody>
+      </p:sp>
+      <p:sp>
+        <p:nvSpPr>
+          <p:cNvPr id="148" name="PlaceHolder 4"/>
+          <p:cNvSpPr>
+            <a:spLocks noGrp="1"/>
+          </p:cNvSpPr>
+          <p:nvPr>
+            <p:ph type="body"/>
+          </p:nvPr>
+        </p:nvSpPr>
+        <p:spPr>
+          <a:xfrm>
+            <a:off x="6022080" y="1604520"/>
+            <a:ext cx="2649600" cy="1896840"/>
+          </a:xfrm>
+          <a:prstGeom prst="rect">
+            <a:avLst/>
+          </a:prstGeom>
+        </p:spPr>
+        <p:txBody>
+          <a:bodyPr lIns="0" rIns="0" tIns="0" bIns="0">
+            <a:normAutofit/>
+          </a:bodyPr>
+          <a:p>
+            <a:endParaRPr b="0" lang="en-US" sz="3200" spc="-1" strike="noStrike">
+              <a:latin typeface="Arial"/>
+            </a:endParaRPr>
+          </a:p>
+        </p:txBody>
+      </p:sp>
+      <p:sp>
+        <p:nvSpPr>
+          <p:cNvPr id="149" name="PlaceHolder 5"/>
+          <p:cNvSpPr>
+            <a:spLocks noGrp="1"/>
+          </p:cNvSpPr>
+          <p:nvPr>
+            <p:ph type="body"/>
+          </p:nvPr>
+        </p:nvSpPr>
+        <p:spPr>
+          <a:xfrm>
+            <a:off x="457200" y="3682080"/>
+            <a:ext cx="2649600" cy="1896840"/>
+          </a:xfrm>
+          <a:prstGeom prst="rect">
+            <a:avLst/>
+          </a:prstGeom>
+        </p:spPr>
+        <p:txBody>
+          <a:bodyPr lIns="0" rIns="0" tIns="0" bIns="0">
+            <a:normAutofit/>
+          </a:bodyPr>
+          <a:p>
+            <a:endParaRPr b="0" lang="en-US" sz="3200" spc="-1" strike="noStrike">
+              <a:latin typeface="Arial"/>
+            </a:endParaRPr>
+          </a:p>
+        </p:txBody>
+      </p:sp>
+      <p:sp>
+        <p:nvSpPr>
+          <p:cNvPr id="150" name="PlaceHolder 6"/>
+          <p:cNvSpPr>
+            <a:spLocks noGrp="1"/>
+          </p:cNvSpPr>
+          <p:nvPr>
+            <p:ph type="body"/>
+          </p:nvPr>
+        </p:nvSpPr>
+        <p:spPr>
+          <a:xfrm>
+            <a:off x="3239640" y="3682080"/>
+            <a:ext cx="2649600" cy="1896840"/>
+          </a:xfrm>
+          <a:prstGeom prst="rect">
+            <a:avLst/>
+          </a:prstGeom>
+        </p:spPr>
+        <p:txBody>
+          <a:bodyPr lIns="0" rIns="0" tIns="0" bIns="0">
+            <a:normAutofit/>
+          </a:bodyPr>
+          <a:p>
+            <a:endParaRPr b="0" lang="en-US" sz="3200" spc="-1" strike="noStrike">
+              <a:latin typeface="Arial"/>
+            </a:endParaRPr>
+          </a:p>
+        </p:txBody>
+      </p:sp>
+      <p:sp>
+        <p:nvSpPr>
+          <p:cNvPr id="151" name="PlaceHolder 7"/>
+          <p:cNvSpPr>
+            <a:spLocks noGrp="1"/>
+          </p:cNvSpPr>
+          <p:nvPr>
+            <p:ph type="body"/>
+          </p:nvPr>
+        </p:nvSpPr>
+        <p:spPr>
+          <a:xfrm>
+            <a:off x="6022080" y="3682080"/>
+            <a:ext cx="2649600" cy="1896840"/>
+          </a:xfrm>
+          <a:prstGeom prst="rect">
+            <a:avLst/>
+          </a:prstGeom>
+        </p:spPr>
+        <p:txBody>
+          <a:bodyPr lIns="0" rIns="0" tIns="0" bIns="0">
+            <a:normAutofit/>
+          </a:bodyPr>
+          <a:p>
+            <a:endParaRPr b="0" lang="en-US" sz="3200" spc="-1" strike="noStrike">
+              <a:latin typeface="Arial"/>
+            </a:endParaRPr>
+          </a:p>
+        </p:txBody>
+      </p:sp>
+    </p:spTree>
+  </p:cSld>
+</p:sldLayout>
+</file>
+
+<file path=ppt/slideLayouts/slideLayout49.xml><?xml version="1.0" encoding="utf-8"?>
+<p:sldLayout xmlns:a="http://schemas.openxmlformats.org/drawingml/2006/main" xmlns:p="http://schemas.openxmlformats.org/presentationml/2006/main" xmlns:r="http://schemas.openxmlformats.org/officeDocument/2006/relationships" xmlns:p14="http://schemas.microsoft.com/office/powerpoint/2010/main" xmlns:p15="http://schemas.microsoft.com/office/powerpoint/2012/main" xmlns:mc="http://schemas.openxmlformats.org/markup-compatibility/2006" type="blank" preserve="1">
+  <p:cSld name="Blank Slide">
+    <p:spTree>
+      <p:nvGrpSpPr>
+        <p:cNvPr id="1" name=""/>
+        <p:cNvGrpSpPr/>
+        <p:nvPr/>
+      </p:nvGrpSpPr>
+      <p:grpSpPr>
+        <a:xfrm>
+          <a:off x="0" y="0"/>
+          <a:ext cx="0" cy="0"/>
+          <a:chOff x="0" y="0"/>
+          <a:chExt cx="0" cy="0"/>
+        </a:xfrm>
+      </p:grpSpPr>
     </p:spTree>
   </p:cSld>
 </p:sldLayout>
@@ -3560,6 +4916,1085 @@
 </p:sldLayout>
 </file>
 
+<file path=ppt/slideLayouts/slideLayout50.xml><?xml version="1.0" encoding="utf-8"?>
+<p:sldLayout xmlns:a="http://schemas.openxmlformats.org/drawingml/2006/main" xmlns:p="http://schemas.openxmlformats.org/presentationml/2006/main" xmlns:r="http://schemas.openxmlformats.org/officeDocument/2006/relationships" xmlns:p14="http://schemas.microsoft.com/office/powerpoint/2010/main" xmlns:p15="http://schemas.microsoft.com/office/powerpoint/2012/main" xmlns:mc="http://schemas.openxmlformats.org/markup-compatibility/2006" type="tx" preserve="1">
+  <p:cSld name="Title Slide">
+    <p:spTree>
+      <p:nvGrpSpPr>
+        <p:cNvPr id="1" name=""/>
+        <p:cNvGrpSpPr/>
+        <p:nvPr/>
+      </p:nvGrpSpPr>
+      <p:grpSpPr>
+        <a:xfrm>
+          <a:off x="0" y="0"/>
+          <a:ext cx="0" cy="0"/>
+          <a:chOff x="0" y="0"/>
+          <a:chExt cx="0" cy="0"/>
+        </a:xfrm>
+      </p:grpSpPr>
+      <p:sp>
+        <p:nvSpPr>
+          <p:cNvPr id="154" name="PlaceHolder 1"/>
+          <p:cNvSpPr>
+            <a:spLocks noGrp="1"/>
+          </p:cNvSpPr>
+          <p:nvPr>
+            <p:ph type="title"/>
+          </p:nvPr>
+        </p:nvSpPr>
+        <p:spPr>
+          <a:xfrm>
+            <a:off x="457200" y="273600"/>
+            <a:ext cx="8229240" cy="1144800"/>
+          </a:xfrm>
+          <a:prstGeom prst="rect">
+            <a:avLst/>
+          </a:prstGeom>
+        </p:spPr>
+        <p:txBody>
+          <a:bodyPr lIns="0" rIns="0" tIns="0" bIns="0" anchor="ctr"/>
+          <a:p>
+            <a:pPr algn="ctr"/>
+            <a:endParaRPr b="0" lang="en-US" sz="4400" spc="-1" strike="noStrike">
+              <a:latin typeface="Arial"/>
+            </a:endParaRPr>
+          </a:p>
+        </p:txBody>
+      </p:sp>
+      <p:sp>
+        <p:nvSpPr>
+          <p:cNvPr id="155" name="PlaceHolder 2"/>
+          <p:cNvSpPr>
+            <a:spLocks noGrp="1"/>
+          </p:cNvSpPr>
+          <p:nvPr>
+            <p:ph type="subTitle"/>
+          </p:nvPr>
+        </p:nvSpPr>
+        <p:spPr>
+          <a:xfrm>
+            <a:off x="457200" y="1604520"/>
+            <a:ext cx="8229240" cy="3977280"/>
+          </a:xfrm>
+          <a:prstGeom prst="rect">
+            <a:avLst/>
+          </a:prstGeom>
+        </p:spPr>
+        <p:txBody>
+          <a:bodyPr lIns="0" rIns="0" tIns="0" bIns="0" anchor="ctr"/>
+          <a:p>
+            <a:pPr algn="ctr"/>
+            <a:endParaRPr b="0" lang="en-US" sz="3200" spc="-1" strike="noStrike">
+              <a:latin typeface="Arial"/>
+            </a:endParaRPr>
+          </a:p>
+        </p:txBody>
+      </p:sp>
+    </p:spTree>
+  </p:cSld>
+</p:sldLayout>
+</file>
+
+<file path=ppt/slideLayouts/slideLayout51.xml><?xml version="1.0" encoding="utf-8"?>
+<p:sldLayout xmlns:a="http://schemas.openxmlformats.org/drawingml/2006/main" xmlns:p="http://schemas.openxmlformats.org/presentationml/2006/main" xmlns:r="http://schemas.openxmlformats.org/officeDocument/2006/relationships" xmlns:p14="http://schemas.microsoft.com/office/powerpoint/2010/main" xmlns:p15="http://schemas.microsoft.com/office/powerpoint/2012/main" xmlns:mc="http://schemas.openxmlformats.org/markup-compatibility/2006" type="obj" preserve="1">
+  <p:cSld name="Title, Content">
+    <p:spTree>
+      <p:nvGrpSpPr>
+        <p:cNvPr id="1" name=""/>
+        <p:cNvGrpSpPr/>
+        <p:nvPr/>
+      </p:nvGrpSpPr>
+      <p:grpSpPr>
+        <a:xfrm>
+          <a:off x="0" y="0"/>
+          <a:ext cx="0" cy="0"/>
+          <a:chOff x="0" y="0"/>
+          <a:chExt cx="0" cy="0"/>
+        </a:xfrm>
+      </p:grpSpPr>
+      <p:sp>
+        <p:nvSpPr>
+          <p:cNvPr id="156" name="PlaceHolder 1"/>
+          <p:cNvSpPr>
+            <a:spLocks noGrp="1"/>
+          </p:cNvSpPr>
+          <p:nvPr>
+            <p:ph type="title"/>
+          </p:nvPr>
+        </p:nvSpPr>
+        <p:spPr>
+          <a:xfrm>
+            <a:off x="457200" y="273600"/>
+            <a:ext cx="8229240" cy="1144800"/>
+          </a:xfrm>
+          <a:prstGeom prst="rect">
+            <a:avLst/>
+          </a:prstGeom>
+        </p:spPr>
+        <p:txBody>
+          <a:bodyPr lIns="0" rIns="0" tIns="0" bIns="0" anchor="ctr"/>
+          <a:p>
+            <a:pPr algn="ctr"/>
+            <a:endParaRPr b="0" lang="en-US" sz="4400" spc="-1" strike="noStrike">
+              <a:latin typeface="Arial"/>
+            </a:endParaRPr>
+          </a:p>
+        </p:txBody>
+      </p:sp>
+      <p:sp>
+        <p:nvSpPr>
+          <p:cNvPr id="157" name="PlaceHolder 2"/>
+          <p:cNvSpPr>
+            <a:spLocks noGrp="1"/>
+          </p:cNvSpPr>
+          <p:nvPr>
+            <p:ph type="body"/>
+          </p:nvPr>
+        </p:nvSpPr>
+        <p:spPr>
+          <a:xfrm>
+            <a:off x="457200" y="1604520"/>
+            <a:ext cx="8229240" cy="3977280"/>
+          </a:xfrm>
+          <a:prstGeom prst="rect">
+            <a:avLst/>
+          </a:prstGeom>
+        </p:spPr>
+        <p:txBody>
+          <a:bodyPr lIns="0" rIns="0" tIns="0" bIns="0">
+            <a:normAutofit/>
+          </a:bodyPr>
+          <a:p>
+            <a:endParaRPr b="0" lang="en-US" sz="3200" spc="-1" strike="noStrike">
+              <a:latin typeface="Arial"/>
+            </a:endParaRPr>
+          </a:p>
+        </p:txBody>
+      </p:sp>
+    </p:spTree>
+  </p:cSld>
+</p:sldLayout>
+</file>
+
+<file path=ppt/slideLayouts/slideLayout52.xml><?xml version="1.0" encoding="utf-8"?>
+<p:sldLayout xmlns:a="http://schemas.openxmlformats.org/drawingml/2006/main" xmlns:p="http://schemas.openxmlformats.org/presentationml/2006/main" xmlns:r="http://schemas.openxmlformats.org/officeDocument/2006/relationships" xmlns:p14="http://schemas.microsoft.com/office/powerpoint/2010/main" xmlns:p15="http://schemas.microsoft.com/office/powerpoint/2012/main" xmlns:mc="http://schemas.openxmlformats.org/markup-compatibility/2006" type="twoObj" preserve="1">
+  <p:cSld name="Title, 2 Content">
+    <p:spTree>
+      <p:nvGrpSpPr>
+        <p:cNvPr id="1" name=""/>
+        <p:cNvGrpSpPr/>
+        <p:nvPr/>
+      </p:nvGrpSpPr>
+      <p:grpSpPr>
+        <a:xfrm>
+          <a:off x="0" y="0"/>
+          <a:ext cx="0" cy="0"/>
+          <a:chOff x="0" y="0"/>
+          <a:chExt cx="0" cy="0"/>
+        </a:xfrm>
+      </p:grpSpPr>
+      <p:sp>
+        <p:nvSpPr>
+          <p:cNvPr id="158" name="PlaceHolder 1"/>
+          <p:cNvSpPr>
+            <a:spLocks noGrp="1"/>
+          </p:cNvSpPr>
+          <p:nvPr>
+            <p:ph type="title"/>
+          </p:nvPr>
+        </p:nvSpPr>
+        <p:spPr>
+          <a:xfrm>
+            <a:off x="457200" y="273600"/>
+            <a:ext cx="8229240" cy="1144800"/>
+          </a:xfrm>
+          <a:prstGeom prst="rect">
+            <a:avLst/>
+          </a:prstGeom>
+        </p:spPr>
+        <p:txBody>
+          <a:bodyPr lIns="0" rIns="0" tIns="0" bIns="0" anchor="ctr"/>
+          <a:p>
+            <a:pPr algn="ctr"/>
+            <a:endParaRPr b="0" lang="en-US" sz="4400" spc="-1" strike="noStrike">
+              <a:latin typeface="Arial"/>
+            </a:endParaRPr>
+          </a:p>
+        </p:txBody>
+      </p:sp>
+      <p:sp>
+        <p:nvSpPr>
+          <p:cNvPr id="159" name="PlaceHolder 2"/>
+          <p:cNvSpPr>
+            <a:spLocks noGrp="1"/>
+          </p:cNvSpPr>
+          <p:nvPr>
+            <p:ph type="body"/>
+          </p:nvPr>
+        </p:nvSpPr>
+        <p:spPr>
+          <a:xfrm>
+            <a:off x="457200" y="1604520"/>
+            <a:ext cx="4015800" cy="3977280"/>
+          </a:xfrm>
+          <a:prstGeom prst="rect">
+            <a:avLst/>
+          </a:prstGeom>
+        </p:spPr>
+        <p:txBody>
+          <a:bodyPr lIns="0" rIns="0" tIns="0" bIns="0">
+            <a:normAutofit/>
+          </a:bodyPr>
+          <a:p>
+            <a:endParaRPr b="0" lang="en-US" sz="3200" spc="-1" strike="noStrike">
+              <a:latin typeface="Arial"/>
+            </a:endParaRPr>
+          </a:p>
+        </p:txBody>
+      </p:sp>
+      <p:sp>
+        <p:nvSpPr>
+          <p:cNvPr id="160" name="PlaceHolder 3"/>
+          <p:cNvSpPr>
+            <a:spLocks noGrp="1"/>
+          </p:cNvSpPr>
+          <p:nvPr>
+            <p:ph type="body"/>
+          </p:nvPr>
+        </p:nvSpPr>
+        <p:spPr>
+          <a:xfrm>
+            <a:off x="4674240" y="1604520"/>
+            <a:ext cx="4015800" cy="3977280"/>
+          </a:xfrm>
+          <a:prstGeom prst="rect">
+            <a:avLst/>
+          </a:prstGeom>
+        </p:spPr>
+        <p:txBody>
+          <a:bodyPr lIns="0" rIns="0" tIns="0" bIns="0">
+            <a:normAutofit/>
+          </a:bodyPr>
+          <a:p>
+            <a:endParaRPr b="0" lang="en-US" sz="3200" spc="-1" strike="noStrike">
+              <a:latin typeface="Arial"/>
+            </a:endParaRPr>
+          </a:p>
+        </p:txBody>
+      </p:sp>
+    </p:spTree>
+  </p:cSld>
+</p:sldLayout>
+</file>
+
+<file path=ppt/slideLayouts/slideLayout53.xml><?xml version="1.0" encoding="utf-8"?>
+<p:sldLayout xmlns:a="http://schemas.openxmlformats.org/drawingml/2006/main" xmlns:p="http://schemas.openxmlformats.org/presentationml/2006/main" xmlns:r="http://schemas.openxmlformats.org/officeDocument/2006/relationships" xmlns:p14="http://schemas.microsoft.com/office/powerpoint/2010/main" xmlns:p15="http://schemas.microsoft.com/office/powerpoint/2012/main" xmlns:mc="http://schemas.openxmlformats.org/markup-compatibility/2006" type="titleOnly" preserve="1">
+  <p:cSld name="Title Only">
+    <p:spTree>
+      <p:nvGrpSpPr>
+        <p:cNvPr id="1" name=""/>
+        <p:cNvGrpSpPr/>
+        <p:nvPr/>
+      </p:nvGrpSpPr>
+      <p:grpSpPr>
+        <a:xfrm>
+          <a:off x="0" y="0"/>
+          <a:ext cx="0" cy="0"/>
+          <a:chOff x="0" y="0"/>
+          <a:chExt cx="0" cy="0"/>
+        </a:xfrm>
+      </p:grpSpPr>
+      <p:sp>
+        <p:nvSpPr>
+          <p:cNvPr id="161" name="PlaceHolder 1"/>
+          <p:cNvSpPr>
+            <a:spLocks noGrp="1"/>
+          </p:cNvSpPr>
+          <p:nvPr>
+            <p:ph type="title"/>
+          </p:nvPr>
+        </p:nvSpPr>
+        <p:spPr>
+          <a:xfrm>
+            <a:off x="457200" y="273600"/>
+            <a:ext cx="8229240" cy="1144800"/>
+          </a:xfrm>
+          <a:prstGeom prst="rect">
+            <a:avLst/>
+          </a:prstGeom>
+        </p:spPr>
+        <p:txBody>
+          <a:bodyPr lIns="0" rIns="0" tIns="0" bIns="0" anchor="ctr"/>
+          <a:p>
+            <a:pPr algn="ctr"/>
+            <a:endParaRPr b="0" lang="en-US" sz="4400" spc="-1" strike="noStrike">
+              <a:latin typeface="Arial"/>
+            </a:endParaRPr>
+          </a:p>
+        </p:txBody>
+      </p:sp>
+    </p:spTree>
+  </p:cSld>
+</p:sldLayout>
+</file>
+
+<file path=ppt/slideLayouts/slideLayout54.xml><?xml version="1.0" encoding="utf-8"?>
+<p:sldLayout xmlns:a="http://schemas.openxmlformats.org/drawingml/2006/main" xmlns:p="http://schemas.openxmlformats.org/presentationml/2006/main" xmlns:r="http://schemas.openxmlformats.org/officeDocument/2006/relationships" xmlns:p14="http://schemas.microsoft.com/office/powerpoint/2010/main" xmlns:p15="http://schemas.microsoft.com/office/powerpoint/2012/main" xmlns:mc="http://schemas.openxmlformats.org/markup-compatibility/2006" type="objOnly" preserve="1">
+  <p:cSld name="Centered Text">
+    <p:spTree>
+      <p:nvGrpSpPr>
+        <p:cNvPr id="1" name=""/>
+        <p:cNvGrpSpPr/>
+        <p:nvPr/>
+      </p:nvGrpSpPr>
+      <p:grpSpPr>
+        <a:xfrm>
+          <a:off x="0" y="0"/>
+          <a:ext cx="0" cy="0"/>
+          <a:chOff x="0" y="0"/>
+          <a:chExt cx="0" cy="0"/>
+        </a:xfrm>
+      </p:grpSpPr>
+      <p:sp>
+        <p:nvSpPr>
+          <p:cNvPr id="162" name="PlaceHolder 1"/>
+          <p:cNvSpPr>
+            <a:spLocks noGrp="1"/>
+          </p:cNvSpPr>
+          <p:nvPr>
+            <p:ph type="subTitle"/>
+          </p:nvPr>
+        </p:nvSpPr>
+        <p:spPr>
+          <a:xfrm>
+            <a:off x="457200" y="273600"/>
+            <a:ext cx="8229240" cy="5307840"/>
+          </a:xfrm>
+          <a:prstGeom prst="rect">
+            <a:avLst/>
+          </a:prstGeom>
+        </p:spPr>
+        <p:txBody>
+          <a:bodyPr lIns="0" rIns="0" tIns="0" bIns="0" anchor="ctr"/>
+          <a:p>
+            <a:pPr algn="ctr"/>
+            <a:endParaRPr b="0" lang="en-US" sz="3200" spc="-1" strike="noStrike">
+              <a:latin typeface="Arial"/>
+            </a:endParaRPr>
+          </a:p>
+        </p:txBody>
+      </p:sp>
+    </p:spTree>
+  </p:cSld>
+</p:sldLayout>
+</file>
+
+<file path=ppt/slideLayouts/slideLayout55.xml><?xml version="1.0" encoding="utf-8"?>
+<p:sldLayout xmlns:a="http://schemas.openxmlformats.org/drawingml/2006/main" xmlns:p="http://schemas.openxmlformats.org/presentationml/2006/main" xmlns:r="http://schemas.openxmlformats.org/officeDocument/2006/relationships" xmlns:p14="http://schemas.microsoft.com/office/powerpoint/2010/main" xmlns:p15="http://schemas.microsoft.com/office/powerpoint/2012/main" xmlns:mc="http://schemas.openxmlformats.org/markup-compatibility/2006" type="twoObjAndObj" preserve="1">
+  <p:cSld name="Title, 2 Content and Content">
+    <p:spTree>
+      <p:nvGrpSpPr>
+        <p:cNvPr id="1" name=""/>
+        <p:cNvGrpSpPr/>
+        <p:nvPr/>
+      </p:nvGrpSpPr>
+      <p:grpSpPr>
+        <a:xfrm>
+          <a:off x="0" y="0"/>
+          <a:ext cx="0" cy="0"/>
+          <a:chOff x="0" y="0"/>
+          <a:chExt cx="0" cy="0"/>
+        </a:xfrm>
+      </p:grpSpPr>
+      <p:sp>
+        <p:nvSpPr>
+          <p:cNvPr id="163" name="PlaceHolder 1"/>
+          <p:cNvSpPr>
+            <a:spLocks noGrp="1"/>
+          </p:cNvSpPr>
+          <p:nvPr>
+            <p:ph type="title"/>
+          </p:nvPr>
+        </p:nvSpPr>
+        <p:spPr>
+          <a:xfrm>
+            <a:off x="457200" y="273600"/>
+            <a:ext cx="8229240" cy="1144800"/>
+          </a:xfrm>
+          <a:prstGeom prst="rect">
+            <a:avLst/>
+          </a:prstGeom>
+        </p:spPr>
+        <p:txBody>
+          <a:bodyPr lIns="0" rIns="0" tIns="0" bIns="0" anchor="ctr"/>
+          <a:p>
+            <a:pPr algn="ctr"/>
+            <a:endParaRPr b="0" lang="en-US" sz="4400" spc="-1" strike="noStrike">
+              <a:latin typeface="Arial"/>
+            </a:endParaRPr>
+          </a:p>
+        </p:txBody>
+      </p:sp>
+      <p:sp>
+        <p:nvSpPr>
+          <p:cNvPr id="164" name="PlaceHolder 2"/>
+          <p:cNvSpPr>
+            <a:spLocks noGrp="1"/>
+          </p:cNvSpPr>
+          <p:nvPr>
+            <p:ph type="body"/>
+          </p:nvPr>
+        </p:nvSpPr>
+        <p:spPr>
+          <a:xfrm>
+            <a:off x="457200" y="1604520"/>
+            <a:ext cx="4015800" cy="1896840"/>
+          </a:xfrm>
+          <a:prstGeom prst="rect">
+            <a:avLst/>
+          </a:prstGeom>
+        </p:spPr>
+        <p:txBody>
+          <a:bodyPr lIns="0" rIns="0" tIns="0" bIns="0">
+            <a:normAutofit/>
+          </a:bodyPr>
+          <a:p>
+            <a:endParaRPr b="0" lang="en-US" sz="3200" spc="-1" strike="noStrike">
+              <a:latin typeface="Arial"/>
+            </a:endParaRPr>
+          </a:p>
+        </p:txBody>
+      </p:sp>
+      <p:sp>
+        <p:nvSpPr>
+          <p:cNvPr id="165" name="PlaceHolder 3"/>
+          <p:cNvSpPr>
+            <a:spLocks noGrp="1"/>
+          </p:cNvSpPr>
+          <p:nvPr>
+            <p:ph type="body"/>
+          </p:nvPr>
+        </p:nvSpPr>
+        <p:spPr>
+          <a:xfrm>
+            <a:off x="4674240" y="1604520"/>
+            <a:ext cx="4015800" cy="3977280"/>
+          </a:xfrm>
+          <a:prstGeom prst="rect">
+            <a:avLst/>
+          </a:prstGeom>
+        </p:spPr>
+        <p:txBody>
+          <a:bodyPr lIns="0" rIns="0" tIns="0" bIns="0">
+            <a:normAutofit/>
+          </a:bodyPr>
+          <a:p>
+            <a:endParaRPr b="0" lang="en-US" sz="3200" spc="-1" strike="noStrike">
+              <a:latin typeface="Arial"/>
+            </a:endParaRPr>
+          </a:p>
+        </p:txBody>
+      </p:sp>
+      <p:sp>
+        <p:nvSpPr>
+          <p:cNvPr id="166" name="PlaceHolder 4"/>
+          <p:cNvSpPr>
+            <a:spLocks noGrp="1"/>
+          </p:cNvSpPr>
+          <p:nvPr>
+            <p:ph type="body"/>
+          </p:nvPr>
+        </p:nvSpPr>
+        <p:spPr>
+          <a:xfrm>
+            <a:off x="457200" y="3682080"/>
+            <a:ext cx="4015800" cy="1896840"/>
+          </a:xfrm>
+          <a:prstGeom prst="rect">
+            <a:avLst/>
+          </a:prstGeom>
+        </p:spPr>
+        <p:txBody>
+          <a:bodyPr lIns="0" rIns="0" tIns="0" bIns="0">
+            <a:normAutofit/>
+          </a:bodyPr>
+          <a:p>
+            <a:endParaRPr b="0" lang="en-US" sz="3200" spc="-1" strike="noStrike">
+              <a:latin typeface="Arial"/>
+            </a:endParaRPr>
+          </a:p>
+        </p:txBody>
+      </p:sp>
+    </p:spTree>
+  </p:cSld>
+</p:sldLayout>
+</file>
+
+<file path=ppt/slideLayouts/slideLayout56.xml><?xml version="1.0" encoding="utf-8"?>
+<p:sldLayout xmlns:a="http://schemas.openxmlformats.org/drawingml/2006/main" xmlns:p="http://schemas.openxmlformats.org/presentationml/2006/main" xmlns:r="http://schemas.openxmlformats.org/officeDocument/2006/relationships" xmlns:p14="http://schemas.microsoft.com/office/powerpoint/2010/main" xmlns:p15="http://schemas.microsoft.com/office/powerpoint/2012/main" xmlns:mc="http://schemas.openxmlformats.org/markup-compatibility/2006" type="objAndTwoObj" preserve="1">
+  <p:cSld name="Title Content and 2 Content">
+    <p:spTree>
+      <p:nvGrpSpPr>
+        <p:cNvPr id="1" name=""/>
+        <p:cNvGrpSpPr/>
+        <p:nvPr/>
+      </p:nvGrpSpPr>
+      <p:grpSpPr>
+        <a:xfrm>
+          <a:off x="0" y="0"/>
+          <a:ext cx="0" cy="0"/>
+          <a:chOff x="0" y="0"/>
+          <a:chExt cx="0" cy="0"/>
+        </a:xfrm>
+      </p:grpSpPr>
+      <p:sp>
+        <p:nvSpPr>
+          <p:cNvPr id="167" name="PlaceHolder 1"/>
+          <p:cNvSpPr>
+            <a:spLocks noGrp="1"/>
+          </p:cNvSpPr>
+          <p:nvPr>
+            <p:ph type="title"/>
+          </p:nvPr>
+        </p:nvSpPr>
+        <p:spPr>
+          <a:xfrm>
+            <a:off x="457200" y="273600"/>
+            <a:ext cx="8229240" cy="1144800"/>
+          </a:xfrm>
+          <a:prstGeom prst="rect">
+            <a:avLst/>
+          </a:prstGeom>
+        </p:spPr>
+        <p:txBody>
+          <a:bodyPr lIns="0" rIns="0" tIns="0" bIns="0" anchor="ctr"/>
+          <a:p>
+            <a:pPr algn="ctr"/>
+            <a:endParaRPr b="0" lang="en-US" sz="4400" spc="-1" strike="noStrike">
+              <a:latin typeface="Arial"/>
+            </a:endParaRPr>
+          </a:p>
+        </p:txBody>
+      </p:sp>
+      <p:sp>
+        <p:nvSpPr>
+          <p:cNvPr id="168" name="PlaceHolder 2"/>
+          <p:cNvSpPr>
+            <a:spLocks noGrp="1"/>
+          </p:cNvSpPr>
+          <p:nvPr>
+            <p:ph type="body"/>
+          </p:nvPr>
+        </p:nvSpPr>
+        <p:spPr>
+          <a:xfrm>
+            <a:off x="457200" y="1604520"/>
+            <a:ext cx="4015800" cy="3977280"/>
+          </a:xfrm>
+          <a:prstGeom prst="rect">
+            <a:avLst/>
+          </a:prstGeom>
+        </p:spPr>
+        <p:txBody>
+          <a:bodyPr lIns="0" rIns="0" tIns="0" bIns="0">
+            <a:normAutofit/>
+          </a:bodyPr>
+          <a:p>
+            <a:endParaRPr b="0" lang="en-US" sz="3200" spc="-1" strike="noStrike">
+              <a:latin typeface="Arial"/>
+            </a:endParaRPr>
+          </a:p>
+        </p:txBody>
+      </p:sp>
+      <p:sp>
+        <p:nvSpPr>
+          <p:cNvPr id="169" name="PlaceHolder 3"/>
+          <p:cNvSpPr>
+            <a:spLocks noGrp="1"/>
+          </p:cNvSpPr>
+          <p:nvPr>
+            <p:ph type="body"/>
+          </p:nvPr>
+        </p:nvSpPr>
+        <p:spPr>
+          <a:xfrm>
+            <a:off x="4674240" y="1604520"/>
+            <a:ext cx="4015800" cy="1896840"/>
+          </a:xfrm>
+          <a:prstGeom prst="rect">
+            <a:avLst/>
+          </a:prstGeom>
+        </p:spPr>
+        <p:txBody>
+          <a:bodyPr lIns="0" rIns="0" tIns="0" bIns="0">
+            <a:normAutofit/>
+          </a:bodyPr>
+          <a:p>
+            <a:endParaRPr b="0" lang="en-US" sz="3200" spc="-1" strike="noStrike">
+              <a:latin typeface="Arial"/>
+            </a:endParaRPr>
+          </a:p>
+        </p:txBody>
+      </p:sp>
+      <p:sp>
+        <p:nvSpPr>
+          <p:cNvPr id="170" name="PlaceHolder 4"/>
+          <p:cNvSpPr>
+            <a:spLocks noGrp="1"/>
+          </p:cNvSpPr>
+          <p:nvPr>
+            <p:ph type="body"/>
+          </p:nvPr>
+        </p:nvSpPr>
+        <p:spPr>
+          <a:xfrm>
+            <a:off x="4674240" y="3682080"/>
+            <a:ext cx="4015800" cy="1896840"/>
+          </a:xfrm>
+          <a:prstGeom prst="rect">
+            <a:avLst/>
+          </a:prstGeom>
+        </p:spPr>
+        <p:txBody>
+          <a:bodyPr lIns="0" rIns="0" tIns="0" bIns="0">
+            <a:normAutofit/>
+          </a:bodyPr>
+          <a:p>
+            <a:endParaRPr b="0" lang="en-US" sz="3200" spc="-1" strike="noStrike">
+              <a:latin typeface="Arial"/>
+            </a:endParaRPr>
+          </a:p>
+        </p:txBody>
+      </p:sp>
+    </p:spTree>
+  </p:cSld>
+</p:sldLayout>
+</file>
+
+<file path=ppt/slideLayouts/slideLayout57.xml><?xml version="1.0" encoding="utf-8"?>
+<p:sldLayout xmlns:a="http://schemas.openxmlformats.org/drawingml/2006/main" xmlns:p="http://schemas.openxmlformats.org/presentationml/2006/main" xmlns:r="http://schemas.openxmlformats.org/officeDocument/2006/relationships" xmlns:p14="http://schemas.microsoft.com/office/powerpoint/2010/main" xmlns:p15="http://schemas.microsoft.com/office/powerpoint/2012/main" xmlns:mc="http://schemas.openxmlformats.org/markup-compatibility/2006" type="twoObjOverTx" preserve="1">
+  <p:cSld name="Title, 2 Content over Content">
+    <p:spTree>
+      <p:nvGrpSpPr>
+        <p:cNvPr id="1" name=""/>
+        <p:cNvGrpSpPr/>
+        <p:nvPr/>
+      </p:nvGrpSpPr>
+      <p:grpSpPr>
+        <a:xfrm>
+          <a:off x="0" y="0"/>
+          <a:ext cx="0" cy="0"/>
+          <a:chOff x="0" y="0"/>
+          <a:chExt cx="0" cy="0"/>
+        </a:xfrm>
+      </p:grpSpPr>
+      <p:sp>
+        <p:nvSpPr>
+          <p:cNvPr id="171" name="PlaceHolder 1"/>
+          <p:cNvSpPr>
+            <a:spLocks noGrp="1"/>
+          </p:cNvSpPr>
+          <p:nvPr>
+            <p:ph type="title"/>
+          </p:nvPr>
+        </p:nvSpPr>
+        <p:spPr>
+          <a:xfrm>
+            <a:off x="457200" y="273600"/>
+            <a:ext cx="8229240" cy="1144800"/>
+          </a:xfrm>
+          <a:prstGeom prst="rect">
+            <a:avLst/>
+          </a:prstGeom>
+        </p:spPr>
+        <p:txBody>
+          <a:bodyPr lIns="0" rIns="0" tIns="0" bIns="0" anchor="ctr"/>
+          <a:p>
+            <a:pPr algn="ctr"/>
+            <a:endParaRPr b="0" lang="en-US" sz="4400" spc="-1" strike="noStrike">
+              <a:latin typeface="Arial"/>
+            </a:endParaRPr>
+          </a:p>
+        </p:txBody>
+      </p:sp>
+      <p:sp>
+        <p:nvSpPr>
+          <p:cNvPr id="172" name="PlaceHolder 2"/>
+          <p:cNvSpPr>
+            <a:spLocks noGrp="1"/>
+          </p:cNvSpPr>
+          <p:nvPr>
+            <p:ph type="body"/>
+          </p:nvPr>
+        </p:nvSpPr>
+        <p:spPr>
+          <a:xfrm>
+            <a:off x="457200" y="1604520"/>
+            <a:ext cx="4015800" cy="1896840"/>
+          </a:xfrm>
+          <a:prstGeom prst="rect">
+            <a:avLst/>
+          </a:prstGeom>
+        </p:spPr>
+        <p:txBody>
+          <a:bodyPr lIns="0" rIns="0" tIns="0" bIns="0">
+            <a:normAutofit/>
+          </a:bodyPr>
+          <a:p>
+            <a:endParaRPr b="0" lang="en-US" sz="3200" spc="-1" strike="noStrike">
+              <a:latin typeface="Arial"/>
+            </a:endParaRPr>
+          </a:p>
+        </p:txBody>
+      </p:sp>
+      <p:sp>
+        <p:nvSpPr>
+          <p:cNvPr id="173" name="PlaceHolder 3"/>
+          <p:cNvSpPr>
+            <a:spLocks noGrp="1"/>
+          </p:cNvSpPr>
+          <p:nvPr>
+            <p:ph type="body"/>
+          </p:nvPr>
+        </p:nvSpPr>
+        <p:spPr>
+          <a:xfrm>
+            <a:off x="4674240" y="1604520"/>
+            <a:ext cx="4015800" cy="1896840"/>
+          </a:xfrm>
+          <a:prstGeom prst="rect">
+            <a:avLst/>
+          </a:prstGeom>
+        </p:spPr>
+        <p:txBody>
+          <a:bodyPr lIns="0" rIns="0" tIns="0" bIns="0">
+            <a:normAutofit/>
+          </a:bodyPr>
+          <a:p>
+            <a:endParaRPr b="0" lang="en-US" sz="3200" spc="-1" strike="noStrike">
+              <a:latin typeface="Arial"/>
+            </a:endParaRPr>
+          </a:p>
+        </p:txBody>
+      </p:sp>
+      <p:sp>
+        <p:nvSpPr>
+          <p:cNvPr id="174" name="PlaceHolder 4"/>
+          <p:cNvSpPr>
+            <a:spLocks noGrp="1"/>
+          </p:cNvSpPr>
+          <p:nvPr>
+            <p:ph type="body"/>
+          </p:nvPr>
+        </p:nvSpPr>
+        <p:spPr>
+          <a:xfrm>
+            <a:off x="457200" y="3682080"/>
+            <a:ext cx="8229240" cy="1896840"/>
+          </a:xfrm>
+          <a:prstGeom prst="rect">
+            <a:avLst/>
+          </a:prstGeom>
+        </p:spPr>
+        <p:txBody>
+          <a:bodyPr lIns="0" rIns="0" tIns="0" bIns="0">
+            <a:normAutofit/>
+          </a:bodyPr>
+          <a:p>
+            <a:endParaRPr b="0" lang="en-US" sz="3200" spc="-1" strike="noStrike">
+              <a:latin typeface="Arial"/>
+            </a:endParaRPr>
+          </a:p>
+        </p:txBody>
+      </p:sp>
+    </p:spTree>
+  </p:cSld>
+</p:sldLayout>
+</file>
+
+<file path=ppt/slideLayouts/slideLayout58.xml><?xml version="1.0" encoding="utf-8"?>
+<p:sldLayout xmlns:a="http://schemas.openxmlformats.org/drawingml/2006/main" xmlns:p="http://schemas.openxmlformats.org/presentationml/2006/main" xmlns:r="http://schemas.openxmlformats.org/officeDocument/2006/relationships" xmlns:p14="http://schemas.microsoft.com/office/powerpoint/2010/main" xmlns:p15="http://schemas.microsoft.com/office/powerpoint/2012/main" xmlns:mc="http://schemas.openxmlformats.org/markup-compatibility/2006" type="objOverTx" preserve="1">
+  <p:cSld name="Title, Content over Content">
+    <p:spTree>
+      <p:nvGrpSpPr>
+        <p:cNvPr id="1" name=""/>
+        <p:cNvGrpSpPr/>
+        <p:nvPr/>
+      </p:nvGrpSpPr>
+      <p:grpSpPr>
+        <a:xfrm>
+          <a:off x="0" y="0"/>
+          <a:ext cx="0" cy="0"/>
+          <a:chOff x="0" y="0"/>
+          <a:chExt cx="0" cy="0"/>
+        </a:xfrm>
+      </p:grpSpPr>
+      <p:sp>
+        <p:nvSpPr>
+          <p:cNvPr id="175" name="PlaceHolder 1"/>
+          <p:cNvSpPr>
+            <a:spLocks noGrp="1"/>
+          </p:cNvSpPr>
+          <p:nvPr>
+            <p:ph type="title"/>
+          </p:nvPr>
+        </p:nvSpPr>
+        <p:spPr>
+          <a:xfrm>
+            <a:off x="457200" y="273600"/>
+            <a:ext cx="8229240" cy="1144800"/>
+          </a:xfrm>
+          <a:prstGeom prst="rect">
+            <a:avLst/>
+          </a:prstGeom>
+        </p:spPr>
+        <p:txBody>
+          <a:bodyPr lIns="0" rIns="0" tIns="0" bIns="0" anchor="ctr"/>
+          <a:p>
+            <a:pPr algn="ctr"/>
+            <a:endParaRPr b="0" lang="en-US" sz="4400" spc="-1" strike="noStrike">
+              <a:latin typeface="Arial"/>
+            </a:endParaRPr>
+          </a:p>
+        </p:txBody>
+      </p:sp>
+      <p:sp>
+        <p:nvSpPr>
+          <p:cNvPr id="176" name="PlaceHolder 2"/>
+          <p:cNvSpPr>
+            <a:spLocks noGrp="1"/>
+          </p:cNvSpPr>
+          <p:nvPr>
+            <p:ph type="body"/>
+          </p:nvPr>
+        </p:nvSpPr>
+        <p:spPr>
+          <a:xfrm>
+            <a:off x="457200" y="1604520"/>
+            <a:ext cx="8229240" cy="1896840"/>
+          </a:xfrm>
+          <a:prstGeom prst="rect">
+            <a:avLst/>
+          </a:prstGeom>
+        </p:spPr>
+        <p:txBody>
+          <a:bodyPr lIns="0" rIns="0" tIns="0" bIns="0">
+            <a:normAutofit/>
+          </a:bodyPr>
+          <a:p>
+            <a:endParaRPr b="0" lang="en-US" sz="3200" spc="-1" strike="noStrike">
+              <a:latin typeface="Arial"/>
+            </a:endParaRPr>
+          </a:p>
+        </p:txBody>
+      </p:sp>
+      <p:sp>
+        <p:nvSpPr>
+          <p:cNvPr id="177" name="PlaceHolder 3"/>
+          <p:cNvSpPr>
+            <a:spLocks noGrp="1"/>
+          </p:cNvSpPr>
+          <p:nvPr>
+            <p:ph type="body"/>
+          </p:nvPr>
+        </p:nvSpPr>
+        <p:spPr>
+          <a:xfrm>
+            <a:off x="457200" y="3682080"/>
+            <a:ext cx="8229240" cy="1896840"/>
+          </a:xfrm>
+          <a:prstGeom prst="rect">
+            <a:avLst/>
+          </a:prstGeom>
+        </p:spPr>
+        <p:txBody>
+          <a:bodyPr lIns="0" rIns="0" tIns="0" bIns="0">
+            <a:normAutofit/>
+          </a:bodyPr>
+          <a:p>
+            <a:endParaRPr b="0" lang="en-US" sz="3200" spc="-1" strike="noStrike">
+              <a:latin typeface="Arial"/>
+            </a:endParaRPr>
+          </a:p>
+        </p:txBody>
+      </p:sp>
+    </p:spTree>
+  </p:cSld>
+</p:sldLayout>
+</file>
+
+<file path=ppt/slideLayouts/slideLayout59.xml><?xml version="1.0" encoding="utf-8"?>
+<p:sldLayout xmlns:a="http://schemas.openxmlformats.org/drawingml/2006/main" xmlns:p="http://schemas.openxmlformats.org/presentationml/2006/main" xmlns:r="http://schemas.openxmlformats.org/officeDocument/2006/relationships" xmlns:p14="http://schemas.microsoft.com/office/powerpoint/2010/main" xmlns:p15="http://schemas.microsoft.com/office/powerpoint/2012/main" xmlns:mc="http://schemas.openxmlformats.org/markup-compatibility/2006" type="fourObj" preserve="1">
+  <p:cSld name="Title, 4 Content">
+    <p:spTree>
+      <p:nvGrpSpPr>
+        <p:cNvPr id="1" name=""/>
+        <p:cNvGrpSpPr/>
+        <p:nvPr/>
+      </p:nvGrpSpPr>
+      <p:grpSpPr>
+        <a:xfrm>
+          <a:off x="0" y="0"/>
+          <a:ext cx="0" cy="0"/>
+          <a:chOff x="0" y="0"/>
+          <a:chExt cx="0" cy="0"/>
+        </a:xfrm>
+      </p:grpSpPr>
+      <p:sp>
+        <p:nvSpPr>
+          <p:cNvPr id="178" name="PlaceHolder 1"/>
+          <p:cNvSpPr>
+            <a:spLocks noGrp="1"/>
+          </p:cNvSpPr>
+          <p:nvPr>
+            <p:ph type="title"/>
+          </p:nvPr>
+        </p:nvSpPr>
+        <p:spPr>
+          <a:xfrm>
+            <a:off x="457200" y="273600"/>
+            <a:ext cx="8229240" cy="1144800"/>
+          </a:xfrm>
+          <a:prstGeom prst="rect">
+            <a:avLst/>
+          </a:prstGeom>
+        </p:spPr>
+        <p:txBody>
+          <a:bodyPr lIns="0" rIns="0" tIns="0" bIns="0" anchor="ctr"/>
+          <a:p>
+            <a:pPr algn="ctr"/>
+            <a:endParaRPr b="0" lang="en-US" sz="4400" spc="-1" strike="noStrike">
+              <a:latin typeface="Arial"/>
+            </a:endParaRPr>
+          </a:p>
+        </p:txBody>
+      </p:sp>
+      <p:sp>
+        <p:nvSpPr>
+          <p:cNvPr id="179" name="PlaceHolder 2"/>
+          <p:cNvSpPr>
+            <a:spLocks noGrp="1"/>
+          </p:cNvSpPr>
+          <p:nvPr>
+            <p:ph type="body"/>
+          </p:nvPr>
+        </p:nvSpPr>
+        <p:spPr>
+          <a:xfrm>
+            <a:off x="457200" y="1604520"/>
+            <a:ext cx="4015800" cy="1896840"/>
+          </a:xfrm>
+          <a:prstGeom prst="rect">
+            <a:avLst/>
+          </a:prstGeom>
+        </p:spPr>
+        <p:txBody>
+          <a:bodyPr lIns="0" rIns="0" tIns="0" bIns="0">
+            <a:normAutofit/>
+          </a:bodyPr>
+          <a:p>
+            <a:endParaRPr b="0" lang="en-US" sz="3200" spc="-1" strike="noStrike">
+              <a:latin typeface="Arial"/>
+            </a:endParaRPr>
+          </a:p>
+        </p:txBody>
+      </p:sp>
+      <p:sp>
+        <p:nvSpPr>
+          <p:cNvPr id="180" name="PlaceHolder 3"/>
+          <p:cNvSpPr>
+            <a:spLocks noGrp="1"/>
+          </p:cNvSpPr>
+          <p:nvPr>
+            <p:ph type="body"/>
+          </p:nvPr>
+        </p:nvSpPr>
+        <p:spPr>
+          <a:xfrm>
+            <a:off x="4674240" y="1604520"/>
+            <a:ext cx="4015800" cy="1896840"/>
+          </a:xfrm>
+          <a:prstGeom prst="rect">
+            <a:avLst/>
+          </a:prstGeom>
+        </p:spPr>
+        <p:txBody>
+          <a:bodyPr lIns="0" rIns="0" tIns="0" bIns="0">
+            <a:normAutofit/>
+          </a:bodyPr>
+          <a:p>
+            <a:endParaRPr b="0" lang="en-US" sz="3200" spc="-1" strike="noStrike">
+              <a:latin typeface="Arial"/>
+            </a:endParaRPr>
+          </a:p>
+        </p:txBody>
+      </p:sp>
+      <p:sp>
+        <p:nvSpPr>
+          <p:cNvPr id="181" name="PlaceHolder 4"/>
+          <p:cNvSpPr>
+            <a:spLocks noGrp="1"/>
+          </p:cNvSpPr>
+          <p:nvPr>
+            <p:ph type="body"/>
+          </p:nvPr>
+        </p:nvSpPr>
+        <p:spPr>
+          <a:xfrm>
+            <a:off x="457200" y="3682080"/>
+            <a:ext cx="4015800" cy="1896840"/>
+          </a:xfrm>
+          <a:prstGeom prst="rect">
+            <a:avLst/>
+          </a:prstGeom>
+        </p:spPr>
+        <p:txBody>
+          <a:bodyPr lIns="0" rIns="0" tIns="0" bIns="0">
+            <a:normAutofit/>
+          </a:bodyPr>
+          <a:p>
+            <a:endParaRPr b="0" lang="en-US" sz="3200" spc="-1" strike="noStrike">
+              <a:latin typeface="Arial"/>
+            </a:endParaRPr>
+          </a:p>
+        </p:txBody>
+      </p:sp>
+      <p:sp>
+        <p:nvSpPr>
+          <p:cNvPr id="182" name="PlaceHolder 5"/>
+          <p:cNvSpPr>
+            <a:spLocks noGrp="1"/>
+          </p:cNvSpPr>
+          <p:nvPr>
+            <p:ph type="body"/>
+          </p:nvPr>
+        </p:nvSpPr>
+        <p:spPr>
+          <a:xfrm>
+            <a:off x="4674240" y="3682080"/>
+            <a:ext cx="4015800" cy="1896840"/>
+          </a:xfrm>
+          <a:prstGeom prst="rect">
+            <a:avLst/>
+          </a:prstGeom>
+        </p:spPr>
+        <p:txBody>
+          <a:bodyPr lIns="0" rIns="0" tIns="0" bIns="0">
+            <a:normAutofit/>
+          </a:bodyPr>
+          <a:p>
+            <a:endParaRPr b="0" lang="en-US" sz="3200" spc="-1" strike="noStrike">
+              <a:latin typeface="Arial"/>
+            </a:endParaRPr>
+          </a:p>
+        </p:txBody>
+      </p:sp>
+    </p:spTree>
+  </p:cSld>
+</p:sldLayout>
+</file>
+
 <file path=ppt/slideLayouts/slideLayout6.xml><?xml version="1.0" encoding="utf-8"?>
 <p:sldLayout xmlns:a="http://schemas.openxmlformats.org/drawingml/2006/main" xmlns:p="http://schemas.openxmlformats.org/presentationml/2006/main" xmlns:r="http://schemas.openxmlformats.org/officeDocument/2006/relationships" xmlns:p14="http://schemas.microsoft.com/office/powerpoint/2010/main" xmlns:p15="http://schemas.microsoft.com/office/powerpoint/2012/main" xmlns:mc="http://schemas.openxmlformats.org/markup-compatibility/2006" type="objOnly" preserve="1">
   <p:cSld name="Centered Text">
@@ -3600,6 +6035,1056 @@
           <a:bodyPr lIns="0" rIns="0" tIns="0" bIns="0" anchor="ctr"/>
           <a:p>
             <a:pPr algn="ctr"/>
+            <a:endParaRPr b="0" lang="en-US" sz="3200" spc="-1" strike="noStrike">
+              <a:latin typeface="Arial"/>
+            </a:endParaRPr>
+          </a:p>
+        </p:txBody>
+      </p:sp>
+    </p:spTree>
+  </p:cSld>
+</p:sldLayout>
+</file>
+
+<file path=ppt/slideLayouts/slideLayout60.xml><?xml version="1.0" encoding="utf-8"?>
+<p:sldLayout xmlns:a="http://schemas.openxmlformats.org/drawingml/2006/main" xmlns:p="http://schemas.openxmlformats.org/presentationml/2006/main" xmlns:r="http://schemas.openxmlformats.org/officeDocument/2006/relationships" xmlns:p14="http://schemas.microsoft.com/office/powerpoint/2010/main" xmlns:p15="http://schemas.microsoft.com/office/powerpoint/2012/main" xmlns:mc="http://schemas.openxmlformats.org/markup-compatibility/2006" type="blank" preserve="1">
+  <p:cSld name="Title, 6 Content">
+    <p:spTree>
+      <p:nvGrpSpPr>
+        <p:cNvPr id="1" name=""/>
+        <p:cNvGrpSpPr/>
+        <p:nvPr/>
+      </p:nvGrpSpPr>
+      <p:grpSpPr>
+        <a:xfrm>
+          <a:off x="0" y="0"/>
+          <a:ext cx="0" cy="0"/>
+          <a:chOff x="0" y="0"/>
+          <a:chExt cx="0" cy="0"/>
+        </a:xfrm>
+      </p:grpSpPr>
+      <p:sp>
+        <p:nvSpPr>
+          <p:cNvPr id="183" name="PlaceHolder 1"/>
+          <p:cNvSpPr>
+            <a:spLocks noGrp="1"/>
+          </p:cNvSpPr>
+          <p:nvPr>
+            <p:ph type="title"/>
+          </p:nvPr>
+        </p:nvSpPr>
+        <p:spPr>
+          <a:xfrm>
+            <a:off x="457200" y="273600"/>
+            <a:ext cx="8229240" cy="1144800"/>
+          </a:xfrm>
+          <a:prstGeom prst="rect">
+            <a:avLst/>
+          </a:prstGeom>
+        </p:spPr>
+        <p:txBody>
+          <a:bodyPr lIns="0" rIns="0" tIns="0" bIns="0" anchor="ctr"/>
+          <a:p>
+            <a:pPr algn="ctr"/>
+            <a:endParaRPr b="0" lang="en-US" sz="4400" spc="-1" strike="noStrike">
+              <a:latin typeface="Arial"/>
+            </a:endParaRPr>
+          </a:p>
+        </p:txBody>
+      </p:sp>
+      <p:sp>
+        <p:nvSpPr>
+          <p:cNvPr id="184" name="PlaceHolder 2"/>
+          <p:cNvSpPr>
+            <a:spLocks noGrp="1"/>
+          </p:cNvSpPr>
+          <p:nvPr>
+            <p:ph type="body"/>
+          </p:nvPr>
+        </p:nvSpPr>
+        <p:spPr>
+          <a:xfrm>
+            <a:off x="457200" y="1604520"/>
+            <a:ext cx="2649600" cy="1896840"/>
+          </a:xfrm>
+          <a:prstGeom prst="rect">
+            <a:avLst/>
+          </a:prstGeom>
+        </p:spPr>
+        <p:txBody>
+          <a:bodyPr lIns="0" rIns="0" tIns="0" bIns="0">
+            <a:normAutofit/>
+          </a:bodyPr>
+          <a:p>
+            <a:endParaRPr b="0" lang="en-US" sz="3200" spc="-1" strike="noStrike">
+              <a:latin typeface="Arial"/>
+            </a:endParaRPr>
+          </a:p>
+        </p:txBody>
+      </p:sp>
+      <p:sp>
+        <p:nvSpPr>
+          <p:cNvPr id="185" name="PlaceHolder 3"/>
+          <p:cNvSpPr>
+            <a:spLocks noGrp="1"/>
+          </p:cNvSpPr>
+          <p:nvPr>
+            <p:ph type="body"/>
+          </p:nvPr>
+        </p:nvSpPr>
+        <p:spPr>
+          <a:xfrm>
+            <a:off x="3239640" y="1604520"/>
+            <a:ext cx="2649600" cy="1896840"/>
+          </a:xfrm>
+          <a:prstGeom prst="rect">
+            <a:avLst/>
+          </a:prstGeom>
+        </p:spPr>
+        <p:txBody>
+          <a:bodyPr lIns="0" rIns="0" tIns="0" bIns="0">
+            <a:normAutofit/>
+          </a:bodyPr>
+          <a:p>
+            <a:endParaRPr b="0" lang="en-US" sz="3200" spc="-1" strike="noStrike">
+              <a:latin typeface="Arial"/>
+            </a:endParaRPr>
+          </a:p>
+        </p:txBody>
+      </p:sp>
+      <p:sp>
+        <p:nvSpPr>
+          <p:cNvPr id="186" name="PlaceHolder 4"/>
+          <p:cNvSpPr>
+            <a:spLocks noGrp="1"/>
+          </p:cNvSpPr>
+          <p:nvPr>
+            <p:ph type="body"/>
+          </p:nvPr>
+        </p:nvSpPr>
+        <p:spPr>
+          <a:xfrm>
+            <a:off x="6022080" y="1604520"/>
+            <a:ext cx="2649600" cy="1896840"/>
+          </a:xfrm>
+          <a:prstGeom prst="rect">
+            <a:avLst/>
+          </a:prstGeom>
+        </p:spPr>
+        <p:txBody>
+          <a:bodyPr lIns="0" rIns="0" tIns="0" bIns="0">
+            <a:normAutofit/>
+          </a:bodyPr>
+          <a:p>
+            <a:endParaRPr b="0" lang="en-US" sz="3200" spc="-1" strike="noStrike">
+              <a:latin typeface="Arial"/>
+            </a:endParaRPr>
+          </a:p>
+        </p:txBody>
+      </p:sp>
+      <p:sp>
+        <p:nvSpPr>
+          <p:cNvPr id="187" name="PlaceHolder 5"/>
+          <p:cNvSpPr>
+            <a:spLocks noGrp="1"/>
+          </p:cNvSpPr>
+          <p:nvPr>
+            <p:ph type="body"/>
+          </p:nvPr>
+        </p:nvSpPr>
+        <p:spPr>
+          <a:xfrm>
+            <a:off x="457200" y="3682080"/>
+            <a:ext cx="2649600" cy="1896840"/>
+          </a:xfrm>
+          <a:prstGeom prst="rect">
+            <a:avLst/>
+          </a:prstGeom>
+        </p:spPr>
+        <p:txBody>
+          <a:bodyPr lIns="0" rIns="0" tIns="0" bIns="0">
+            <a:normAutofit/>
+          </a:bodyPr>
+          <a:p>
+            <a:endParaRPr b="0" lang="en-US" sz="3200" spc="-1" strike="noStrike">
+              <a:latin typeface="Arial"/>
+            </a:endParaRPr>
+          </a:p>
+        </p:txBody>
+      </p:sp>
+      <p:sp>
+        <p:nvSpPr>
+          <p:cNvPr id="188" name="PlaceHolder 6"/>
+          <p:cNvSpPr>
+            <a:spLocks noGrp="1"/>
+          </p:cNvSpPr>
+          <p:nvPr>
+            <p:ph type="body"/>
+          </p:nvPr>
+        </p:nvSpPr>
+        <p:spPr>
+          <a:xfrm>
+            <a:off x="3239640" y="3682080"/>
+            <a:ext cx="2649600" cy="1896840"/>
+          </a:xfrm>
+          <a:prstGeom prst="rect">
+            <a:avLst/>
+          </a:prstGeom>
+        </p:spPr>
+        <p:txBody>
+          <a:bodyPr lIns="0" rIns="0" tIns="0" bIns="0">
+            <a:normAutofit/>
+          </a:bodyPr>
+          <a:p>
+            <a:endParaRPr b="0" lang="en-US" sz="3200" spc="-1" strike="noStrike">
+              <a:latin typeface="Arial"/>
+            </a:endParaRPr>
+          </a:p>
+        </p:txBody>
+      </p:sp>
+      <p:sp>
+        <p:nvSpPr>
+          <p:cNvPr id="189" name="PlaceHolder 7"/>
+          <p:cNvSpPr>
+            <a:spLocks noGrp="1"/>
+          </p:cNvSpPr>
+          <p:nvPr>
+            <p:ph type="body"/>
+          </p:nvPr>
+        </p:nvSpPr>
+        <p:spPr>
+          <a:xfrm>
+            <a:off x="6022080" y="3682080"/>
+            <a:ext cx="2649600" cy="1896840"/>
+          </a:xfrm>
+          <a:prstGeom prst="rect">
+            <a:avLst/>
+          </a:prstGeom>
+        </p:spPr>
+        <p:txBody>
+          <a:bodyPr lIns="0" rIns="0" tIns="0" bIns="0">
+            <a:normAutofit/>
+          </a:bodyPr>
+          <a:p>
+            <a:endParaRPr b="0" lang="en-US" sz="3200" spc="-1" strike="noStrike">
+              <a:latin typeface="Arial"/>
+            </a:endParaRPr>
+          </a:p>
+        </p:txBody>
+      </p:sp>
+    </p:spTree>
+  </p:cSld>
+</p:sldLayout>
+</file>
+
+<file path=ppt/slideLayouts/slideLayout61.xml><?xml version="1.0" encoding="utf-8"?>
+<p:sldLayout xmlns:a="http://schemas.openxmlformats.org/drawingml/2006/main" xmlns:p="http://schemas.openxmlformats.org/presentationml/2006/main" xmlns:r="http://schemas.openxmlformats.org/officeDocument/2006/relationships" xmlns:p14="http://schemas.microsoft.com/office/powerpoint/2010/main" xmlns:p15="http://schemas.microsoft.com/office/powerpoint/2012/main" xmlns:mc="http://schemas.openxmlformats.org/markup-compatibility/2006" type="blank" preserve="1">
+  <p:cSld name="Blank Slide">
+    <p:spTree>
+      <p:nvGrpSpPr>
+        <p:cNvPr id="1" name=""/>
+        <p:cNvGrpSpPr/>
+        <p:nvPr/>
+      </p:nvGrpSpPr>
+      <p:grpSpPr>
+        <a:xfrm>
+          <a:off x="0" y="0"/>
+          <a:ext cx="0" cy="0"/>
+          <a:chOff x="0" y="0"/>
+          <a:chExt cx="0" cy="0"/>
+        </a:xfrm>
+      </p:grpSpPr>
+    </p:spTree>
+  </p:cSld>
+</p:sldLayout>
+</file>
+
+<file path=ppt/slideLayouts/slideLayout62.xml><?xml version="1.0" encoding="utf-8"?>
+<p:sldLayout xmlns:a="http://schemas.openxmlformats.org/drawingml/2006/main" xmlns:p="http://schemas.openxmlformats.org/presentationml/2006/main" xmlns:r="http://schemas.openxmlformats.org/officeDocument/2006/relationships" xmlns:p14="http://schemas.microsoft.com/office/powerpoint/2010/main" xmlns:p15="http://schemas.microsoft.com/office/powerpoint/2012/main" xmlns:mc="http://schemas.openxmlformats.org/markup-compatibility/2006" type="tx" preserve="1">
+  <p:cSld name="Title Slide">
+    <p:spTree>
+      <p:nvGrpSpPr>
+        <p:cNvPr id="1" name=""/>
+        <p:cNvGrpSpPr/>
+        <p:nvPr/>
+      </p:nvGrpSpPr>
+      <p:grpSpPr>
+        <a:xfrm>
+          <a:off x="0" y="0"/>
+          <a:ext cx="0" cy="0"/>
+          <a:chOff x="0" y="0"/>
+          <a:chExt cx="0" cy="0"/>
+        </a:xfrm>
+      </p:grpSpPr>
+      <p:sp>
+        <p:nvSpPr>
+          <p:cNvPr id="192" name="PlaceHolder 1"/>
+          <p:cNvSpPr>
+            <a:spLocks noGrp="1"/>
+          </p:cNvSpPr>
+          <p:nvPr>
+            <p:ph type="title"/>
+          </p:nvPr>
+        </p:nvSpPr>
+        <p:spPr>
+          <a:xfrm>
+            <a:off x="457200" y="273600"/>
+            <a:ext cx="8229240" cy="1144800"/>
+          </a:xfrm>
+          <a:prstGeom prst="rect">
+            <a:avLst/>
+          </a:prstGeom>
+        </p:spPr>
+        <p:txBody>
+          <a:bodyPr lIns="0" rIns="0" tIns="0" bIns="0" anchor="ctr"/>
+          <a:p>
+            <a:pPr algn="ctr"/>
+            <a:endParaRPr b="0" lang="en-US" sz="4400" spc="-1" strike="noStrike">
+              <a:latin typeface="Arial"/>
+            </a:endParaRPr>
+          </a:p>
+        </p:txBody>
+      </p:sp>
+      <p:sp>
+        <p:nvSpPr>
+          <p:cNvPr id="193" name="PlaceHolder 2"/>
+          <p:cNvSpPr>
+            <a:spLocks noGrp="1"/>
+          </p:cNvSpPr>
+          <p:nvPr>
+            <p:ph type="subTitle"/>
+          </p:nvPr>
+        </p:nvSpPr>
+        <p:spPr>
+          <a:xfrm>
+            <a:off x="457200" y="1604520"/>
+            <a:ext cx="8229240" cy="3977280"/>
+          </a:xfrm>
+          <a:prstGeom prst="rect">
+            <a:avLst/>
+          </a:prstGeom>
+        </p:spPr>
+        <p:txBody>
+          <a:bodyPr lIns="0" rIns="0" tIns="0" bIns="0" anchor="ctr"/>
+          <a:p>
+            <a:pPr algn="ctr"/>
+            <a:endParaRPr b="0" lang="en-US" sz="3200" spc="-1" strike="noStrike">
+              <a:latin typeface="Arial"/>
+            </a:endParaRPr>
+          </a:p>
+        </p:txBody>
+      </p:sp>
+    </p:spTree>
+  </p:cSld>
+</p:sldLayout>
+</file>
+
+<file path=ppt/slideLayouts/slideLayout63.xml><?xml version="1.0" encoding="utf-8"?>
+<p:sldLayout xmlns:a="http://schemas.openxmlformats.org/drawingml/2006/main" xmlns:p="http://schemas.openxmlformats.org/presentationml/2006/main" xmlns:r="http://schemas.openxmlformats.org/officeDocument/2006/relationships" xmlns:p14="http://schemas.microsoft.com/office/powerpoint/2010/main" xmlns:p15="http://schemas.microsoft.com/office/powerpoint/2012/main" xmlns:mc="http://schemas.openxmlformats.org/markup-compatibility/2006" type="obj" preserve="1">
+  <p:cSld name="Title, Content">
+    <p:spTree>
+      <p:nvGrpSpPr>
+        <p:cNvPr id="1" name=""/>
+        <p:cNvGrpSpPr/>
+        <p:nvPr/>
+      </p:nvGrpSpPr>
+      <p:grpSpPr>
+        <a:xfrm>
+          <a:off x="0" y="0"/>
+          <a:ext cx="0" cy="0"/>
+          <a:chOff x="0" y="0"/>
+          <a:chExt cx="0" cy="0"/>
+        </a:xfrm>
+      </p:grpSpPr>
+      <p:sp>
+        <p:nvSpPr>
+          <p:cNvPr id="194" name="PlaceHolder 1"/>
+          <p:cNvSpPr>
+            <a:spLocks noGrp="1"/>
+          </p:cNvSpPr>
+          <p:nvPr>
+            <p:ph type="title"/>
+          </p:nvPr>
+        </p:nvSpPr>
+        <p:spPr>
+          <a:xfrm>
+            <a:off x="457200" y="273600"/>
+            <a:ext cx="8229240" cy="1144800"/>
+          </a:xfrm>
+          <a:prstGeom prst="rect">
+            <a:avLst/>
+          </a:prstGeom>
+        </p:spPr>
+        <p:txBody>
+          <a:bodyPr lIns="0" rIns="0" tIns="0" bIns="0" anchor="ctr"/>
+          <a:p>
+            <a:pPr algn="ctr"/>
+            <a:endParaRPr b="0" lang="en-US" sz="4400" spc="-1" strike="noStrike">
+              <a:latin typeface="Arial"/>
+            </a:endParaRPr>
+          </a:p>
+        </p:txBody>
+      </p:sp>
+      <p:sp>
+        <p:nvSpPr>
+          <p:cNvPr id="195" name="PlaceHolder 2"/>
+          <p:cNvSpPr>
+            <a:spLocks noGrp="1"/>
+          </p:cNvSpPr>
+          <p:nvPr>
+            <p:ph type="body"/>
+          </p:nvPr>
+        </p:nvSpPr>
+        <p:spPr>
+          <a:xfrm>
+            <a:off x="457200" y="1604520"/>
+            <a:ext cx="8229240" cy="3977280"/>
+          </a:xfrm>
+          <a:prstGeom prst="rect">
+            <a:avLst/>
+          </a:prstGeom>
+        </p:spPr>
+        <p:txBody>
+          <a:bodyPr lIns="0" rIns="0" tIns="0" bIns="0">
+            <a:normAutofit/>
+          </a:bodyPr>
+          <a:p>
+            <a:endParaRPr b="0" lang="en-US" sz="3200" spc="-1" strike="noStrike">
+              <a:latin typeface="Arial"/>
+            </a:endParaRPr>
+          </a:p>
+        </p:txBody>
+      </p:sp>
+    </p:spTree>
+  </p:cSld>
+</p:sldLayout>
+</file>
+
+<file path=ppt/slideLayouts/slideLayout64.xml><?xml version="1.0" encoding="utf-8"?>
+<p:sldLayout xmlns:a="http://schemas.openxmlformats.org/drawingml/2006/main" xmlns:p="http://schemas.openxmlformats.org/presentationml/2006/main" xmlns:r="http://schemas.openxmlformats.org/officeDocument/2006/relationships" xmlns:p14="http://schemas.microsoft.com/office/powerpoint/2010/main" xmlns:p15="http://schemas.microsoft.com/office/powerpoint/2012/main" xmlns:mc="http://schemas.openxmlformats.org/markup-compatibility/2006" type="twoObj" preserve="1">
+  <p:cSld name="Title, 2 Content">
+    <p:spTree>
+      <p:nvGrpSpPr>
+        <p:cNvPr id="1" name=""/>
+        <p:cNvGrpSpPr/>
+        <p:nvPr/>
+      </p:nvGrpSpPr>
+      <p:grpSpPr>
+        <a:xfrm>
+          <a:off x="0" y="0"/>
+          <a:ext cx="0" cy="0"/>
+          <a:chOff x="0" y="0"/>
+          <a:chExt cx="0" cy="0"/>
+        </a:xfrm>
+      </p:grpSpPr>
+      <p:sp>
+        <p:nvSpPr>
+          <p:cNvPr id="196" name="PlaceHolder 1"/>
+          <p:cNvSpPr>
+            <a:spLocks noGrp="1"/>
+          </p:cNvSpPr>
+          <p:nvPr>
+            <p:ph type="title"/>
+          </p:nvPr>
+        </p:nvSpPr>
+        <p:spPr>
+          <a:xfrm>
+            <a:off x="457200" y="273600"/>
+            <a:ext cx="8229240" cy="1144800"/>
+          </a:xfrm>
+          <a:prstGeom prst="rect">
+            <a:avLst/>
+          </a:prstGeom>
+        </p:spPr>
+        <p:txBody>
+          <a:bodyPr lIns="0" rIns="0" tIns="0" bIns="0" anchor="ctr"/>
+          <a:p>
+            <a:pPr algn="ctr"/>
+            <a:endParaRPr b="0" lang="en-US" sz="4400" spc="-1" strike="noStrike">
+              <a:latin typeface="Arial"/>
+            </a:endParaRPr>
+          </a:p>
+        </p:txBody>
+      </p:sp>
+      <p:sp>
+        <p:nvSpPr>
+          <p:cNvPr id="197" name="PlaceHolder 2"/>
+          <p:cNvSpPr>
+            <a:spLocks noGrp="1"/>
+          </p:cNvSpPr>
+          <p:nvPr>
+            <p:ph type="body"/>
+          </p:nvPr>
+        </p:nvSpPr>
+        <p:spPr>
+          <a:xfrm>
+            <a:off x="457200" y="1604520"/>
+            <a:ext cx="4015800" cy="3977280"/>
+          </a:xfrm>
+          <a:prstGeom prst="rect">
+            <a:avLst/>
+          </a:prstGeom>
+        </p:spPr>
+        <p:txBody>
+          <a:bodyPr lIns="0" rIns="0" tIns="0" bIns="0">
+            <a:normAutofit/>
+          </a:bodyPr>
+          <a:p>
+            <a:endParaRPr b="0" lang="en-US" sz="3200" spc="-1" strike="noStrike">
+              <a:latin typeface="Arial"/>
+            </a:endParaRPr>
+          </a:p>
+        </p:txBody>
+      </p:sp>
+      <p:sp>
+        <p:nvSpPr>
+          <p:cNvPr id="198" name="PlaceHolder 3"/>
+          <p:cNvSpPr>
+            <a:spLocks noGrp="1"/>
+          </p:cNvSpPr>
+          <p:nvPr>
+            <p:ph type="body"/>
+          </p:nvPr>
+        </p:nvSpPr>
+        <p:spPr>
+          <a:xfrm>
+            <a:off x="4674240" y="1604520"/>
+            <a:ext cx="4015800" cy="3977280"/>
+          </a:xfrm>
+          <a:prstGeom prst="rect">
+            <a:avLst/>
+          </a:prstGeom>
+        </p:spPr>
+        <p:txBody>
+          <a:bodyPr lIns="0" rIns="0" tIns="0" bIns="0">
+            <a:normAutofit/>
+          </a:bodyPr>
+          <a:p>
+            <a:endParaRPr b="0" lang="en-US" sz="3200" spc="-1" strike="noStrike">
+              <a:latin typeface="Arial"/>
+            </a:endParaRPr>
+          </a:p>
+        </p:txBody>
+      </p:sp>
+    </p:spTree>
+  </p:cSld>
+</p:sldLayout>
+</file>
+
+<file path=ppt/slideLayouts/slideLayout65.xml><?xml version="1.0" encoding="utf-8"?>
+<p:sldLayout xmlns:a="http://schemas.openxmlformats.org/drawingml/2006/main" xmlns:p="http://schemas.openxmlformats.org/presentationml/2006/main" xmlns:r="http://schemas.openxmlformats.org/officeDocument/2006/relationships" xmlns:p14="http://schemas.microsoft.com/office/powerpoint/2010/main" xmlns:p15="http://schemas.microsoft.com/office/powerpoint/2012/main" xmlns:mc="http://schemas.openxmlformats.org/markup-compatibility/2006" type="titleOnly" preserve="1">
+  <p:cSld name="Title Only">
+    <p:spTree>
+      <p:nvGrpSpPr>
+        <p:cNvPr id="1" name=""/>
+        <p:cNvGrpSpPr/>
+        <p:nvPr/>
+      </p:nvGrpSpPr>
+      <p:grpSpPr>
+        <a:xfrm>
+          <a:off x="0" y="0"/>
+          <a:ext cx="0" cy="0"/>
+          <a:chOff x="0" y="0"/>
+          <a:chExt cx="0" cy="0"/>
+        </a:xfrm>
+      </p:grpSpPr>
+      <p:sp>
+        <p:nvSpPr>
+          <p:cNvPr id="199" name="PlaceHolder 1"/>
+          <p:cNvSpPr>
+            <a:spLocks noGrp="1"/>
+          </p:cNvSpPr>
+          <p:nvPr>
+            <p:ph type="title"/>
+          </p:nvPr>
+        </p:nvSpPr>
+        <p:spPr>
+          <a:xfrm>
+            <a:off x="457200" y="273600"/>
+            <a:ext cx="8229240" cy="1144800"/>
+          </a:xfrm>
+          <a:prstGeom prst="rect">
+            <a:avLst/>
+          </a:prstGeom>
+        </p:spPr>
+        <p:txBody>
+          <a:bodyPr lIns="0" rIns="0" tIns="0" bIns="0" anchor="ctr"/>
+          <a:p>
+            <a:pPr algn="ctr"/>
+            <a:endParaRPr b="0" lang="en-US" sz="4400" spc="-1" strike="noStrike">
+              <a:latin typeface="Arial"/>
+            </a:endParaRPr>
+          </a:p>
+        </p:txBody>
+      </p:sp>
+    </p:spTree>
+  </p:cSld>
+</p:sldLayout>
+</file>
+
+<file path=ppt/slideLayouts/slideLayout66.xml><?xml version="1.0" encoding="utf-8"?>
+<p:sldLayout xmlns:a="http://schemas.openxmlformats.org/drawingml/2006/main" xmlns:p="http://schemas.openxmlformats.org/presentationml/2006/main" xmlns:r="http://schemas.openxmlformats.org/officeDocument/2006/relationships" xmlns:p14="http://schemas.microsoft.com/office/powerpoint/2010/main" xmlns:p15="http://schemas.microsoft.com/office/powerpoint/2012/main" xmlns:mc="http://schemas.openxmlformats.org/markup-compatibility/2006" type="objOnly" preserve="1">
+  <p:cSld name="Centered Text">
+    <p:spTree>
+      <p:nvGrpSpPr>
+        <p:cNvPr id="1" name=""/>
+        <p:cNvGrpSpPr/>
+        <p:nvPr/>
+      </p:nvGrpSpPr>
+      <p:grpSpPr>
+        <a:xfrm>
+          <a:off x="0" y="0"/>
+          <a:ext cx="0" cy="0"/>
+          <a:chOff x="0" y="0"/>
+          <a:chExt cx="0" cy="0"/>
+        </a:xfrm>
+      </p:grpSpPr>
+      <p:sp>
+        <p:nvSpPr>
+          <p:cNvPr id="200" name="PlaceHolder 1"/>
+          <p:cNvSpPr>
+            <a:spLocks noGrp="1"/>
+          </p:cNvSpPr>
+          <p:nvPr>
+            <p:ph type="subTitle"/>
+          </p:nvPr>
+        </p:nvSpPr>
+        <p:spPr>
+          <a:xfrm>
+            <a:off x="457200" y="273600"/>
+            <a:ext cx="8229240" cy="5307840"/>
+          </a:xfrm>
+          <a:prstGeom prst="rect">
+            <a:avLst/>
+          </a:prstGeom>
+        </p:spPr>
+        <p:txBody>
+          <a:bodyPr lIns="0" rIns="0" tIns="0" bIns="0" anchor="ctr"/>
+          <a:p>
+            <a:pPr algn="ctr"/>
+            <a:endParaRPr b="0" lang="en-US" sz="3200" spc="-1" strike="noStrike">
+              <a:latin typeface="Arial"/>
+            </a:endParaRPr>
+          </a:p>
+        </p:txBody>
+      </p:sp>
+    </p:spTree>
+  </p:cSld>
+</p:sldLayout>
+</file>
+
+<file path=ppt/slideLayouts/slideLayout67.xml><?xml version="1.0" encoding="utf-8"?>
+<p:sldLayout xmlns:a="http://schemas.openxmlformats.org/drawingml/2006/main" xmlns:p="http://schemas.openxmlformats.org/presentationml/2006/main" xmlns:r="http://schemas.openxmlformats.org/officeDocument/2006/relationships" xmlns:p14="http://schemas.microsoft.com/office/powerpoint/2010/main" xmlns:p15="http://schemas.microsoft.com/office/powerpoint/2012/main" xmlns:mc="http://schemas.openxmlformats.org/markup-compatibility/2006" type="twoObjAndObj" preserve="1">
+  <p:cSld name="Title, 2 Content and Content">
+    <p:spTree>
+      <p:nvGrpSpPr>
+        <p:cNvPr id="1" name=""/>
+        <p:cNvGrpSpPr/>
+        <p:nvPr/>
+      </p:nvGrpSpPr>
+      <p:grpSpPr>
+        <a:xfrm>
+          <a:off x="0" y="0"/>
+          <a:ext cx="0" cy="0"/>
+          <a:chOff x="0" y="0"/>
+          <a:chExt cx="0" cy="0"/>
+        </a:xfrm>
+      </p:grpSpPr>
+      <p:sp>
+        <p:nvSpPr>
+          <p:cNvPr id="201" name="PlaceHolder 1"/>
+          <p:cNvSpPr>
+            <a:spLocks noGrp="1"/>
+          </p:cNvSpPr>
+          <p:nvPr>
+            <p:ph type="title"/>
+          </p:nvPr>
+        </p:nvSpPr>
+        <p:spPr>
+          <a:xfrm>
+            <a:off x="457200" y="273600"/>
+            <a:ext cx="8229240" cy="1144800"/>
+          </a:xfrm>
+          <a:prstGeom prst="rect">
+            <a:avLst/>
+          </a:prstGeom>
+        </p:spPr>
+        <p:txBody>
+          <a:bodyPr lIns="0" rIns="0" tIns="0" bIns="0" anchor="ctr"/>
+          <a:p>
+            <a:pPr algn="ctr"/>
+            <a:endParaRPr b="0" lang="en-US" sz="4400" spc="-1" strike="noStrike">
+              <a:latin typeface="Arial"/>
+            </a:endParaRPr>
+          </a:p>
+        </p:txBody>
+      </p:sp>
+      <p:sp>
+        <p:nvSpPr>
+          <p:cNvPr id="202" name="PlaceHolder 2"/>
+          <p:cNvSpPr>
+            <a:spLocks noGrp="1"/>
+          </p:cNvSpPr>
+          <p:nvPr>
+            <p:ph type="body"/>
+          </p:nvPr>
+        </p:nvSpPr>
+        <p:spPr>
+          <a:xfrm>
+            <a:off x="457200" y="1604520"/>
+            <a:ext cx="4015800" cy="1896840"/>
+          </a:xfrm>
+          <a:prstGeom prst="rect">
+            <a:avLst/>
+          </a:prstGeom>
+        </p:spPr>
+        <p:txBody>
+          <a:bodyPr lIns="0" rIns="0" tIns="0" bIns="0">
+            <a:normAutofit/>
+          </a:bodyPr>
+          <a:p>
+            <a:endParaRPr b="0" lang="en-US" sz="3200" spc="-1" strike="noStrike">
+              <a:latin typeface="Arial"/>
+            </a:endParaRPr>
+          </a:p>
+        </p:txBody>
+      </p:sp>
+      <p:sp>
+        <p:nvSpPr>
+          <p:cNvPr id="203" name="PlaceHolder 3"/>
+          <p:cNvSpPr>
+            <a:spLocks noGrp="1"/>
+          </p:cNvSpPr>
+          <p:nvPr>
+            <p:ph type="body"/>
+          </p:nvPr>
+        </p:nvSpPr>
+        <p:spPr>
+          <a:xfrm>
+            <a:off x="4674240" y="1604520"/>
+            <a:ext cx="4015800" cy="3977280"/>
+          </a:xfrm>
+          <a:prstGeom prst="rect">
+            <a:avLst/>
+          </a:prstGeom>
+        </p:spPr>
+        <p:txBody>
+          <a:bodyPr lIns="0" rIns="0" tIns="0" bIns="0">
+            <a:normAutofit/>
+          </a:bodyPr>
+          <a:p>
+            <a:endParaRPr b="0" lang="en-US" sz="3200" spc="-1" strike="noStrike">
+              <a:latin typeface="Arial"/>
+            </a:endParaRPr>
+          </a:p>
+        </p:txBody>
+      </p:sp>
+      <p:sp>
+        <p:nvSpPr>
+          <p:cNvPr id="204" name="PlaceHolder 4"/>
+          <p:cNvSpPr>
+            <a:spLocks noGrp="1"/>
+          </p:cNvSpPr>
+          <p:nvPr>
+            <p:ph type="body"/>
+          </p:nvPr>
+        </p:nvSpPr>
+        <p:spPr>
+          <a:xfrm>
+            <a:off x="457200" y="3682080"/>
+            <a:ext cx="4015800" cy="1896840"/>
+          </a:xfrm>
+          <a:prstGeom prst="rect">
+            <a:avLst/>
+          </a:prstGeom>
+        </p:spPr>
+        <p:txBody>
+          <a:bodyPr lIns="0" rIns="0" tIns="0" bIns="0">
+            <a:normAutofit/>
+          </a:bodyPr>
+          <a:p>
+            <a:endParaRPr b="0" lang="en-US" sz="3200" spc="-1" strike="noStrike">
+              <a:latin typeface="Arial"/>
+            </a:endParaRPr>
+          </a:p>
+        </p:txBody>
+      </p:sp>
+    </p:spTree>
+  </p:cSld>
+</p:sldLayout>
+</file>
+
+<file path=ppt/slideLayouts/slideLayout68.xml><?xml version="1.0" encoding="utf-8"?>
+<p:sldLayout xmlns:a="http://schemas.openxmlformats.org/drawingml/2006/main" xmlns:p="http://schemas.openxmlformats.org/presentationml/2006/main" xmlns:r="http://schemas.openxmlformats.org/officeDocument/2006/relationships" xmlns:p14="http://schemas.microsoft.com/office/powerpoint/2010/main" xmlns:p15="http://schemas.microsoft.com/office/powerpoint/2012/main" xmlns:mc="http://schemas.openxmlformats.org/markup-compatibility/2006" type="objAndTwoObj" preserve="1">
+  <p:cSld name="Title Content and 2 Content">
+    <p:spTree>
+      <p:nvGrpSpPr>
+        <p:cNvPr id="1" name=""/>
+        <p:cNvGrpSpPr/>
+        <p:nvPr/>
+      </p:nvGrpSpPr>
+      <p:grpSpPr>
+        <a:xfrm>
+          <a:off x="0" y="0"/>
+          <a:ext cx="0" cy="0"/>
+          <a:chOff x="0" y="0"/>
+          <a:chExt cx="0" cy="0"/>
+        </a:xfrm>
+      </p:grpSpPr>
+      <p:sp>
+        <p:nvSpPr>
+          <p:cNvPr id="205" name="PlaceHolder 1"/>
+          <p:cNvSpPr>
+            <a:spLocks noGrp="1"/>
+          </p:cNvSpPr>
+          <p:nvPr>
+            <p:ph type="title"/>
+          </p:nvPr>
+        </p:nvSpPr>
+        <p:spPr>
+          <a:xfrm>
+            <a:off x="457200" y="273600"/>
+            <a:ext cx="8229240" cy="1144800"/>
+          </a:xfrm>
+          <a:prstGeom prst="rect">
+            <a:avLst/>
+          </a:prstGeom>
+        </p:spPr>
+        <p:txBody>
+          <a:bodyPr lIns="0" rIns="0" tIns="0" bIns="0" anchor="ctr"/>
+          <a:p>
+            <a:pPr algn="ctr"/>
+            <a:endParaRPr b="0" lang="en-US" sz="4400" spc="-1" strike="noStrike">
+              <a:latin typeface="Arial"/>
+            </a:endParaRPr>
+          </a:p>
+        </p:txBody>
+      </p:sp>
+      <p:sp>
+        <p:nvSpPr>
+          <p:cNvPr id="206" name="PlaceHolder 2"/>
+          <p:cNvSpPr>
+            <a:spLocks noGrp="1"/>
+          </p:cNvSpPr>
+          <p:nvPr>
+            <p:ph type="body"/>
+          </p:nvPr>
+        </p:nvSpPr>
+        <p:spPr>
+          <a:xfrm>
+            <a:off x="457200" y="1604520"/>
+            <a:ext cx="4015800" cy="3977280"/>
+          </a:xfrm>
+          <a:prstGeom prst="rect">
+            <a:avLst/>
+          </a:prstGeom>
+        </p:spPr>
+        <p:txBody>
+          <a:bodyPr lIns="0" rIns="0" tIns="0" bIns="0">
+            <a:normAutofit/>
+          </a:bodyPr>
+          <a:p>
+            <a:endParaRPr b="0" lang="en-US" sz="3200" spc="-1" strike="noStrike">
+              <a:latin typeface="Arial"/>
+            </a:endParaRPr>
+          </a:p>
+        </p:txBody>
+      </p:sp>
+      <p:sp>
+        <p:nvSpPr>
+          <p:cNvPr id="207" name="PlaceHolder 3"/>
+          <p:cNvSpPr>
+            <a:spLocks noGrp="1"/>
+          </p:cNvSpPr>
+          <p:nvPr>
+            <p:ph type="body"/>
+          </p:nvPr>
+        </p:nvSpPr>
+        <p:spPr>
+          <a:xfrm>
+            <a:off x="4674240" y="1604520"/>
+            <a:ext cx="4015800" cy="1896840"/>
+          </a:xfrm>
+          <a:prstGeom prst="rect">
+            <a:avLst/>
+          </a:prstGeom>
+        </p:spPr>
+        <p:txBody>
+          <a:bodyPr lIns="0" rIns="0" tIns="0" bIns="0">
+            <a:normAutofit/>
+          </a:bodyPr>
+          <a:p>
+            <a:endParaRPr b="0" lang="en-US" sz="3200" spc="-1" strike="noStrike">
+              <a:latin typeface="Arial"/>
+            </a:endParaRPr>
+          </a:p>
+        </p:txBody>
+      </p:sp>
+      <p:sp>
+        <p:nvSpPr>
+          <p:cNvPr id="208" name="PlaceHolder 4"/>
+          <p:cNvSpPr>
+            <a:spLocks noGrp="1"/>
+          </p:cNvSpPr>
+          <p:nvPr>
+            <p:ph type="body"/>
+          </p:nvPr>
+        </p:nvSpPr>
+        <p:spPr>
+          <a:xfrm>
+            <a:off x="4674240" y="3682080"/>
+            <a:ext cx="4015800" cy="1896840"/>
+          </a:xfrm>
+          <a:prstGeom prst="rect">
+            <a:avLst/>
+          </a:prstGeom>
+        </p:spPr>
+        <p:txBody>
+          <a:bodyPr lIns="0" rIns="0" tIns="0" bIns="0">
+            <a:normAutofit/>
+          </a:bodyPr>
+          <a:p>
+            <a:endParaRPr b="0" lang="en-US" sz="3200" spc="-1" strike="noStrike">
+              <a:latin typeface="Arial"/>
+            </a:endParaRPr>
+          </a:p>
+        </p:txBody>
+      </p:sp>
+    </p:spTree>
+  </p:cSld>
+</p:sldLayout>
+</file>
+
+<file path=ppt/slideLayouts/slideLayout69.xml><?xml version="1.0" encoding="utf-8"?>
+<p:sldLayout xmlns:a="http://schemas.openxmlformats.org/drawingml/2006/main" xmlns:p="http://schemas.openxmlformats.org/presentationml/2006/main" xmlns:r="http://schemas.openxmlformats.org/officeDocument/2006/relationships" xmlns:p14="http://schemas.microsoft.com/office/powerpoint/2010/main" xmlns:p15="http://schemas.microsoft.com/office/powerpoint/2012/main" xmlns:mc="http://schemas.openxmlformats.org/markup-compatibility/2006" type="twoObjOverTx" preserve="1">
+  <p:cSld name="Title, 2 Content over Content">
+    <p:spTree>
+      <p:nvGrpSpPr>
+        <p:cNvPr id="1" name=""/>
+        <p:cNvGrpSpPr/>
+        <p:nvPr/>
+      </p:nvGrpSpPr>
+      <p:grpSpPr>
+        <a:xfrm>
+          <a:off x="0" y="0"/>
+          <a:ext cx="0" cy="0"/>
+          <a:chOff x="0" y="0"/>
+          <a:chExt cx="0" cy="0"/>
+        </a:xfrm>
+      </p:grpSpPr>
+      <p:sp>
+        <p:nvSpPr>
+          <p:cNvPr id="209" name="PlaceHolder 1"/>
+          <p:cNvSpPr>
+            <a:spLocks noGrp="1"/>
+          </p:cNvSpPr>
+          <p:nvPr>
+            <p:ph type="title"/>
+          </p:nvPr>
+        </p:nvSpPr>
+        <p:spPr>
+          <a:xfrm>
+            <a:off x="457200" y="273600"/>
+            <a:ext cx="8229240" cy="1144800"/>
+          </a:xfrm>
+          <a:prstGeom prst="rect">
+            <a:avLst/>
+          </a:prstGeom>
+        </p:spPr>
+        <p:txBody>
+          <a:bodyPr lIns="0" rIns="0" tIns="0" bIns="0" anchor="ctr"/>
+          <a:p>
+            <a:pPr algn="ctr"/>
+            <a:endParaRPr b="0" lang="en-US" sz="4400" spc="-1" strike="noStrike">
+              <a:latin typeface="Arial"/>
+            </a:endParaRPr>
+          </a:p>
+        </p:txBody>
+      </p:sp>
+      <p:sp>
+        <p:nvSpPr>
+          <p:cNvPr id="210" name="PlaceHolder 2"/>
+          <p:cNvSpPr>
+            <a:spLocks noGrp="1"/>
+          </p:cNvSpPr>
+          <p:nvPr>
+            <p:ph type="body"/>
+          </p:nvPr>
+        </p:nvSpPr>
+        <p:spPr>
+          <a:xfrm>
+            <a:off x="457200" y="1604520"/>
+            <a:ext cx="4015800" cy="1896840"/>
+          </a:xfrm>
+          <a:prstGeom prst="rect">
+            <a:avLst/>
+          </a:prstGeom>
+        </p:spPr>
+        <p:txBody>
+          <a:bodyPr lIns="0" rIns="0" tIns="0" bIns="0">
+            <a:normAutofit/>
+          </a:bodyPr>
+          <a:p>
+            <a:endParaRPr b="0" lang="en-US" sz="3200" spc="-1" strike="noStrike">
+              <a:latin typeface="Arial"/>
+            </a:endParaRPr>
+          </a:p>
+        </p:txBody>
+      </p:sp>
+      <p:sp>
+        <p:nvSpPr>
+          <p:cNvPr id="211" name="PlaceHolder 3"/>
+          <p:cNvSpPr>
+            <a:spLocks noGrp="1"/>
+          </p:cNvSpPr>
+          <p:nvPr>
+            <p:ph type="body"/>
+          </p:nvPr>
+        </p:nvSpPr>
+        <p:spPr>
+          <a:xfrm>
+            <a:off x="4674240" y="1604520"/>
+            <a:ext cx="4015800" cy="1896840"/>
+          </a:xfrm>
+          <a:prstGeom prst="rect">
+            <a:avLst/>
+          </a:prstGeom>
+        </p:spPr>
+        <p:txBody>
+          <a:bodyPr lIns="0" rIns="0" tIns="0" bIns="0">
+            <a:normAutofit/>
+          </a:bodyPr>
+          <a:p>
+            <a:endParaRPr b="0" lang="en-US" sz="3200" spc="-1" strike="noStrike">
+              <a:latin typeface="Arial"/>
+            </a:endParaRPr>
+          </a:p>
+        </p:txBody>
+      </p:sp>
+      <p:sp>
+        <p:nvSpPr>
+          <p:cNvPr id="212" name="PlaceHolder 4"/>
+          <p:cNvSpPr>
+            <a:spLocks noGrp="1"/>
+          </p:cNvSpPr>
+          <p:nvPr>
+            <p:ph type="body"/>
+          </p:nvPr>
+        </p:nvSpPr>
+        <p:spPr>
+          <a:xfrm>
+            <a:off x="457200" y="3682080"/>
+            <a:ext cx="8229240" cy="1896840"/>
+          </a:xfrm>
+          <a:prstGeom prst="rect">
+            <a:avLst/>
+          </a:prstGeom>
+        </p:spPr>
+        <p:txBody>
+          <a:bodyPr lIns="0" rIns="0" tIns="0" bIns="0">
+            <a:normAutofit/>
+          </a:bodyPr>
+          <a:p>
             <a:endParaRPr b="0" lang="en-US" sz="3200" spc="-1" strike="noStrike">
               <a:latin typeface="Arial"/>
             </a:endParaRPr>
@@ -3731,6 +7216,519 @@
           <a:xfrm>
             <a:off x="457200" y="3682080"/>
             <a:ext cx="4015800" cy="1896840"/>
+          </a:xfrm>
+          <a:prstGeom prst="rect">
+            <a:avLst/>
+          </a:prstGeom>
+        </p:spPr>
+        <p:txBody>
+          <a:bodyPr lIns="0" rIns="0" tIns="0" bIns="0">
+            <a:normAutofit/>
+          </a:bodyPr>
+          <a:p>
+            <a:endParaRPr b="0" lang="en-US" sz="3200" spc="-1" strike="noStrike">
+              <a:latin typeface="Arial"/>
+            </a:endParaRPr>
+          </a:p>
+        </p:txBody>
+      </p:sp>
+    </p:spTree>
+  </p:cSld>
+</p:sldLayout>
+</file>
+
+<file path=ppt/slideLayouts/slideLayout70.xml><?xml version="1.0" encoding="utf-8"?>
+<p:sldLayout xmlns:a="http://schemas.openxmlformats.org/drawingml/2006/main" xmlns:p="http://schemas.openxmlformats.org/presentationml/2006/main" xmlns:r="http://schemas.openxmlformats.org/officeDocument/2006/relationships" xmlns:p14="http://schemas.microsoft.com/office/powerpoint/2010/main" xmlns:p15="http://schemas.microsoft.com/office/powerpoint/2012/main" xmlns:mc="http://schemas.openxmlformats.org/markup-compatibility/2006" type="objOverTx" preserve="1">
+  <p:cSld name="Title, Content over Content">
+    <p:spTree>
+      <p:nvGrpSpPr>
+        <p:cNvPr id="1" name=""/>
+        <p:cNvGrpSpPr/>
+        <p:nvPr/>
+      </p:nvGrpSpPr>
+      <p:grpSpPr>
+        <a:xfrm>
+          <a:off x="0" y="0"/>
+          <a:ext cx="0" cy="0"/>
+          <a:chOff x="0" y="0"/>
+          <a:chExt cx="0" cy="0"/>
+        </a:xfrm>
+      </p:grpSpPr>
+      <p:sp>
+        <p:nvSpPr>
+          <p:cNvPr id="213" name="PlaceHolder 1"/>
+          <p:cNvSpPr>
+            <a:spLocks noGrp="1"/>
+          </p:cNvSpPr>
+          <p:nvPr>
+            <p:ph type="title"/>
+          </p:nvPr>
+        </p:nvSpPr>
+        <p:spPr>
+          <a:xfrm>
+            <a:off x="457200" y="273600"/>
+            <a:ext cx="8229240" cy="1144800"/>
+          </a:xfrm>
+          <a:prstGeom prst="rect">
+            <a:avLst/>
+          </a:prstGeom>
+        </p:spPr>
+        <p:txBody>
+          <a:bodyPr lIns="0" rIns="0" tIns="0" bIns="0" anchor="ctr"/>
+          <a:p>
+            <a:pPr algn="ctr"/>
+            <a:endParaRPr b="0" lang="en-US" sz="4400" spc="-1" strike="noStrike">
+              <a:latin typeface="Arial"/>
+            </a:endParaRPr>
+          </a:p>
+        </p:txBody>
+      </p:sp>
+      <p:sp>
+        <p:nvSpPr>
+          <p:cNvPr id="214" name="PlaceHolder 2"/>
+          <p:cNvSpPr>
+            <a:spLocks noGrp="1"/>
+          </p:cNvSpPr>
+          <p:nvPr>
+            <p:ph type="body"/>
+          </p:nvPr>
+        </p:nvSpPr>
+        <p:spPr>
+          <a:xfrm>
+            <a:off x="457200" y="1604520"/>
+            <a:ext cx="8229240" cy="1896840"/>
+          </a:xfrm>
+          <a:prstGeom prst="rect">
+            <a:avLst/>
+          </a:prstGeom>
+        </p:spPr>
+        <p:txBody>
+          <a:bodyPr lIns="0" rIns="0" tIns="0" bIns="0">
+            <a:normAutofit/>
+          </a:bodyPr>
+          <a:p>
+            <a:endParaRPr b="0" lang="en-US" sz="3200" spc="-1" strike="noStrike">
+              <a:latin typeface="Arial"/>
+            </a:endParaRPr>
+          </a:p>
+        </p:txBody>
+      </p:sp>
+      <p:sp>
+        <p:nvSpPr>
+          <p:cNvPr id="215" name="PlaceHolder 3"/>
+          <p:cNvSpPr>
+            <a:spLocks noGrp="1"/>
+          </p:cNvSpPr>
+          <p:nvPr>
+            <p:ph type="body"/>
+          </p:nvPr>
+        </p:nvSpPr>
+        <p:spPr>
+          <a:xfrm>
+            <a:off x="457200" y="3682080"/>
+            <a:ext cx="8229240" cy="1896840"/>
+          </a:xfrm>
+          <a:prstGeom prst="rect">
+            <a:avLst/>
+          </a:prstGeom>
+        </p:spPr>
+        <p:txBody>
+          <a:bodyPr lIns="0" rIns="0" tIns="0" bIns="0">
+            <a:normAutofit/>
+          </a:bodyPr>
+          <a:p>
+            <a:endParaRPr b="0" lang="en-US" sz="3200" spc="-1" strike="noStrike">
+              <a:latin typeface="Arial"/>
+            </a:endParaRPr>
+          </a:p>
+        </p:txBody>
+      </p:sp>
+    </p:spTree>
+  </p:cSld>
+</p:sldLayout>
+</file>
+
+<file path=ppt/slideLayouts/slideLayout71.xml><?xml version="1.0" encoding="utf-8"?>
+<p:sldLayout xmlns:a="http://schemas.openxmlformats.org/drawingml/2006/main" xmlns:p="http://schemas.openxmlformats.org/presentationml/2006/main" xmlns:r="http://schemas.openxmlformats.org/officeDocument/2006/relationships" xmlns:p14="http://schemas.microsoft.com/office/powerpoint/2010/main" xmlns:p15="http://schemas.microsoft.com/office/powerpoint/2012/main" xmlns:mc="http://schemas.openxmlformats.org/markup-compatibility/2006" type="fourObj" preserve="1">
+  <p:cSld name="Title, 4 Content">
+    <p:spTree>
+      <p:nvGrpSpPr>
+        <p:cNvPr id="1" name=""/>
+        <p:cNvGrpSpPr/>
+        <p:nvPr/>
+      </p:nvGrpSpPr>
+      <p:grpSpPr>
+        <a:xfrm>
+          <a:off x="0" y="0"/>
+          <a:ext cx="0" cy="0"/>
+          <a:chOff x="0" y="0"/>
+          <a:chExt cx="0" cy="0"/>
+        </a:xfrm>
+      </p:grpSpPr>
+      <p:sp>
+        <p:nvSpPr>
+          <p:cNvPr id="216" name="PlaceHolder 1"/>
+          <p:cNvSpPr>
+            <a:spLocks noGrp="1"/>
+          </p:cNvSpPr>
+          <p:nvPr>
+            <p:ph type="title"/>
+          </p:nvPr>
+        </p:nvSpPr>
+        <p:spPr>
+          <a:xfrm>
+            <a:off x="457200" y="273600"/>
+            <a:ext cx="8229240" cy="1144800"/>
+          </a:xfrm>
+          <a:prstGeom prst="rect">
+            <a:avLst/>
+          </a:prstGeom>
+        </p:spPr>
+        <p:txBody>
+          <a:bodyPr lIns="0" rIns="0" tIns="0" bIns="0" anchor="ctr"/>
+          <a:p>
+            <a:pPr algn="ctr"/>
+            <a:endParaRPr b="0" lang="en-US" sz="4400" spc="-1" strike="noStrike">
+              <a:latin typeface="Arial"/>
+            </a:endParaRPr>
+          </a:p>
+        </p:txBody>
+      </p:sp>
+      <p:sp>
+        <p:nvSpPr>
+          <p:cNvPr id="217" name="PlaceHolder 2"/>
+          <p:cNvSpPr>
+            <a:spLocks noGrp="1"/>
+          </p:cNvSpPr>
+          <p:nvPr>
+            <p:ph type="body"/>
+          </p:nvPr>
+        </p:nvSpPr>
+        <p:spPr>
+          <a:xfrm>
+            <a:off x="457200" y="1604520"/>
+            <a:ext cx="4015800" cy="1896840"/>
+          </a:xfrm>
+          <a:prstGeom prst="rect">
+            <a:avLst/>
+          </a:prstGeom>
+        </p:spPr>
+        <p:txBody>
+          <a:bodyPr lIns="0" rIns="0" tIns="0" bIns="0">
+            <a:normAutofit/>
+          </a:bodyPr>
+          <a:p>
+            <a:endParaRPr b="0" lang="en-US" sz="3200" spc="-1" strike="noStrike">
+              <a:latin typeface="Arial"/>
+            </a:endParaRPr>
+          </a:p>
+        </p:txBody>
+      </p:sp>
+      <p:sp>
+        <p:nvSpPr>
+          <p:cNvPr id="218" name="PlaceHolder 3"/>
+          <p:cNvSpPr>
+            <a:spLocks noGrp="1"/>
+          </p:cNvSpPr>
+          <p:nvPr>
+            <p:ph type="body"/>
+          </p:nvPr>
+        </p:nvSpPr>
+        <p:spPr>
+          <a:xfrm>
+            <a:off x="4674240" y="1604520"/>
+            <a:ext cx="4015800" cy="1896840"/>
+          </a:xfrm>
+          <a:prstGeom prst="rect">
+            <a:avLst/>
+          </a:prstGeom>
+        </p:spPr>
+        <p:txBody>
+          <a:bodyPr lIns="0" rIns="0" tIns="0" bIns="0">
+            <a:normAutofit/>
+          </a:bodyPr>
+          <a:p>
+            <a:endParaRPr b="0" lang="en-US" sz="3200" spc="-1" strike="noStrike">
+              <a:latin typeface="Arial"/>
+            </a:endParaRPr>
+          </a:p>
+        </p:txBody>
+      </p:sp>
+      <p:sp>
+        <p:nvSpPr>
+          <p:cNvPr id="219" name="PlaceHolder 4"/>
+          <p:cNvSpPr>
+            <a:spLocks noGrp="1"/>
+          </p:cNvSpPr>
+          <p:nvPr>
+            <p:ph type="body"/>
+          </p:nvPr>
+        </p:nvSpPr>
+        <p:spPr>
+          <a:xfrm>
+            <a:off x="457200" y="3682080"/>
+            <a:ext cx="4015800" cy="1896840"/>
+          </a:xfrm>
+          <a:prstGeom prst="rect">
+            <a:avLst/>
+          </a:prstGeom>
+        </p:spPr>
+        <p:txBody>
+          <a:bodyPr lIns="0" rIns="0" tIns="0" bIns="0">
+            <a:normAutofit/>
+          </a:bodyPr>
+          <a:p>
+            <a:endParaRPr b="0" lang="en-US" sz="3200" spc="-1" strike="noStrike">
+              <a:latin typeface="Arial"/>
+            </a:endParaRPr>
+          </a:p>
+        </p:txBody>
+      </p:sp>
+      <p:sp>
+        <p:nvSpPr>
+          <p:cNvPr id="220" name="PlaceHolder 5"/>
+          <p:cNvSpPr>
+            <a:spLocks noGrp="1"/>
+          </p:cNvSpPr>
+          <p:nvPr>
+            <p:ph type="body"/>
+          </p:nvPr>
+        </p:nvSpPr>
+        <p:spPr>
+          <a:xfrm>
+            <a:off x="4674240" y="3682080"/>
+            <a:ext cx="4015800" cy="1896840"/>
+          </a:xfrm>
+          <a:prstGeom prst="rect">
+            <a:avLst/>
+          </a:prstGeom>
+        </p:spPr>
+        <p:txBody>
+          <a:bodyPr lIns="0" rIns="0" tIns="0" bIns="0">
+            <a:normAutofit/>
+          </a:bodyPr>
+          <a:p>
+            <a:endParaRPr b="0" lang="en-US" sz="3200" spc="-1" strike="noStrike">
+              <a:latin typeface="Arial"/>
+            </a:endParaRPr>
+          </a:p>
+        </p:txBody>
+      </p:sp>
+    </p:spTree>
+  </p:cSld>
+</p:sldLayout>
+</file>
+
+<file path=ppt/slideLayouts/slideLayout72.xml><?xml version="1.0" encoding="utf-8"?>
+<p:sldLayout xmlns:a="http://schemas.openxmlformats.org/drawingml/2006/main" xmlns:p="http://schemas.openxmlformats.org/presentationml/2006/main" xmlns:r="http://schemas.openxmlformats.org/officeDocument/2006/relationships" xmlns:p14="http://schemas.microsoft.com/office/powerpoint/2010/main" xmlns:p15="http://schemas.microsoft.com/office/powerpoint/2012/main" xmlns:mc="http://schemas.openxmlformats.org/markup-compatibility/2006" type="blank" preserve="1">
+  <p:cSld name="Title, 6 Content">
+    <p:spTree>
+      <p:nvGrpSpPr>
+        <p:cNvPr id="1" name=""/>
+        <p:cNvGrpSpPr/>
+        <p:nvPr/>
+      </p:nvGrpSpPr>
+      <p:grpSpPr>
+        <a:xfrm>
+          <a:off x="0" y="0"/>
+          <a:ext cx="0" cy="0"/>
+          <a:chOff x="0" y="0"/>
+          <a:chExt cx="0" cy="0"/>
+        </a:xfrm>
+      </p:grpSpPr>
+      <p:sp>
+        <p:nvSpPr>
+          <p:cNvPr id="221" name="PlaceHolder 1"/>
+          <p:cNvSpPr>
+            <a:spLocks noGrp="1"/>
+          </p:cNvSpPr>
+          <p:nvPr>
+            <p:ph type="title"/>
+          </p:nvPr>
+        </p:nvSpPr>
+        <p:spPr>
+          <a:xfrm>
+            <a:off x="457200" y="273600"/>
+            <a:ext cx="8229240" cy="1144800"/>
+          </a:xfrm>
+          <a:prstGeom prst="rect">
+            <a:avLst/>
+          </a:prstGeom>
+        </p:spPr>
+        <p:txBody>
+          <a:bodyPr lIns="0" rIns="0" tIns="0" bIns="0" anchor="ctr"/>
+          <a:p>
+            <a:pPr algn="ctr"/>
+            <a:endParaRPr b="0" lang="en-US" sz="4400" spc="-1" strike="noStrike">
+              <a:latin typeface="Arial"/>
+            </a:endParaRPr>
+          </a:p>
+        </p:txBody>
+      </p:sp>
+      <p:sp>
+        <p:nvSpPr>
+          <p:cNvPr id="222" name="PlaceHolder 2"/>
+          <p:cNvSpPr>
+            <a:spLocks noGrp="1"/>
+          </p:cNvSpPr>
+          <p:nvPr>
+            <p:ph type="body"/>
+          </p:nvPr>
+        </p:nvSpPr>
+        <p:spPr>
+          <a:xfrm>
+            <a:off x="457200" y="1604520"/>
+            <a:ext cx="2649600" cy="1896840"/>
+          </a:xfrm>
+          <a:prstGeom prst="rect">
+            <a:avLst/>
+          </a:prstGeom>
+        </p:spPr>
+        <p:txBody>
+          <a:bodyPr lIns="0" rIns="0" tIns="0" bIns="0">
+            <a:normAutofit/>
+          </a:bodyPr>
+          <a:p>
+            <a:endParaRPr b="0" lang="en-US" sz="3200" spc="-1" strike="noStrike">
+              <a:latin typeface="Arial"/>
+            </a:endParaRPr>
+          </a:p>
+        </p:txBody>
+      </p:sp>
+      <p:sp>
+        <p:nvSpPr>
+          <p:cNvPr id="223" name="PlaceHolder 3"/>
+          <p:cNvSpPr>
+            <a:spLocks noGrp="1"/>
+          </p:cNvSpPr>
+          <p:nvPr>
+            <p:ph type="body"/>
+          </p:nvPr>
+        </p:nvSpPr>
+        <p:spPr>
+          <a:xfrm>
+            <a:off x="3239640" y="1604520"/>
+            <a:ext cx="2649600" cy="1896840"/>
+          </a:xfrm>
+          <a:prstGeom prst="rect">
+            <a:avLst/>
+          </a:prstGeom>
+        </p:spPr>
+        <p:txBody>
+          <a:bodyPr lIns="0" rIns="0" tIns="0" bIns="0">
+            <a:normAutofit/>
+          </a:bodyPr>
+          <a:p>
+            <a:endParaRPr b="0" lang="en-US" sz="3200" spc="-1" strike="noStrike">
+              <a:latin typeface="Arial"/>
+            </a:endParaRPr>
+          </a:p>
+        </p:txBody>
+      </p:sp>
+      <p:sp>
+        <p:nvSpPr>
+          <p:cNvPr id="224" name="PlaceHolder 4"/>
+          <p:cNvSpPr>
+            <a:spLocks noGrp="1"/>
+          </p:cNvSpPr>
+          <p:nvPr>
+            <p:ph type="body"/>
+          </p:nvPr>
+        </p:nvSpPr>
+        <p:spPr>
+          <a:xfrm>
+            <a:off x="6022080" y="1604520"/>
+            <a:ext cx="2649600" cy="1896840"/>
+          </a:xfrm>
+          <a:prstGeom prst="rect">
+            <a:avLst/>
+          </a:prstGeom>
+        </p:spPr>
+        <p:txBody>
+          <a:bodyPr lIns="0" rIns="0" tIns="0" bIns="0">
+            <a:normAutofit/>
+          </a:bodyPr>
+          <a:p>
+            <a:endParaRPr b="0" lang="en-US" sz="3200" spc="-1" strike="noStrike">
+              <a:latin typeface="Arial"/>
+            </a:endParaRPr>
+          </a:p>
+        </p:txBody>
+      </p:sp>
+      <p:sp>
+        <p:nvSpPr>
+          <p:cNvPr id="225" name="PlaceHolder 5"/>
+          <p:cNvSpPr>
+            <a:spLocks noGrp="1"/>
+          </p:cNvSpPr>
+          <p:nvPr>
+            <p:ph type="body"/>
+          </p:nvPr>
+        </p:nvSpPr>
+        <p:spPr>
+          <a:xfrm>
+            <a:off x="457200" y="3682080"/>
+            <a:ext cx="2649600" cy="1896840"/>
+          </a:xfrm>
+          <a:prstGeom prst="rect">
+            <a:avLst/>
+          </a:prstGeom>
+        </p:spPr>
+        <p:txBody>
+          <a:bodyPr lIns="0" rIns="0" tIns="0" bIns="0">
+            <a:normAutofit/>
+          </a:bodyPr>
+          <a:p>
+            <a:endParaRPr b="0" lang="en-US" sz="3200" spc="-1" strike="noStrike">
+              <a:latin typeface="Arial"/>
+            </a:endParaRPr>
+          </a:p>
+        </p:txBody>
+      </p:sp>
+      <p:sp>
+        <p:nvSpPr>
+          <p:cNvPr id="226" name="PlaceHolder 6"/>
+          <p:cNvSpPr>
+            <a:spLocks noGrp="1"/>
+          </p:cNvSpPr>
+          <p:nvPr>
+            <p:ph type="body"/>
+          </p:nvPr>
+        </p:nvSpPr>
+        <p:spPr>
+          <a:xfrm>
+            <a:off x="3239640" y="3682080"/>
+            <a:ext cx="2649600" cy="1896840"/>
+          </a:xfrm>
+          <a:prstGeom prst="rect">
+            <a:avLst/>
+          </a:prstGeom>
+        </p:spPr>
+        <p:txBody>
+          <a:bodyPr lIns="0" rIns="0" tIns="0" bIns="0">
+            <a:normAutofit/>
+          </a:bodyPr>
+          <a:p>
+            <a:endParaRPr b="0" lang="en-US" sz="3200" spc="-1" strike="noStrike">
+              <a:latin typeface="Arial"/>
+            </a:endParaRPr>
+          </a:p>
+        </p:txBody>
+      </p:sp>
+      <p:sp>
+        <p:nvSpPr>
+          <p:cNvPr id="227" name="PlaceHolder 7"/>
+          <p:cNvSpPr>
+            <a:spLocks noGrp="1"/>
+          </p:cNvSpPr>
+          <p:nvPr>
+            <p:ph type="body"/>
+          </p:nvPr>
+        </p:nvSpPr>
+        <p:spPr>
+          <a:xfrm>
+            <a:off x="6022080" y="3682080"/>
+            <a:ext cx="2649600" cy="1896840"/>
           </a:xfrm>
           <a:prstGeom prst="rect">
             <a:avLst/>
@@ -4070,8 +8068,8 @@
         </p:nvSpPr>
         <p:spPr>
           <a:xfrm>
-            <a:off x="628560" y="365040"/>
-            <a:ext cx="7886160" cy="1324800"/>
+            <a:off x="457200" y="273600"/>
+            <a:ext cx="8228880" cy="1144440"/>
           </a:xfrm>
           <a:prstGeom prst="rect">
             <a:avLst/>
@@ -4105,7 +8103,7 @@
         <p:spPr>
           <a:xfrm>
             <a:off x="457200" y="1604520"/>
-            <a:ext cx="8229240" cy="3977280"/>
+            <a:ext cx="8228880" cy="3976920"/>
           </a:xfrm>
           <a:prstGeom prst="rect">
             <a:avLst/>
@@ -4128,12 +8126,12 @@
               <a:buChar char=""/>
             </a:pPr>
             <a:r>
-              <a:rPr b="0" lang="en-US" sz="3200" spc="-1" strike="noStrike">
+              <a:rPr b="0" lang="en-US" sz="1800" spc="-1" strike="noStrike">
                 <a:latin typeface="Arial"/>
               </a:rPr>
               <a:t>請按這裡編輯大綱文字格式</a:t>
             </a:r>
-            <a:endParaRPr b="0" lang="en-US" sz="3200" spc="-1" strike="noStrike">
+            <a:endParaRPr b="0" lang="en-US" sz="1800" spc="-1" strike="noStrike">
               <a:latin typeface="Arial"/>
             </a:endParaRPr>
           </a:p>
@@ -4150,12 +8148,12 @@
               <a:buChar char=""/>
             </a:pPr>
             <a:r>
-              <a:rPr b="0" lang="en-US" sz="2800" spc="-1" strike="noStrike">
+              <a:rPr b="0" lang="en-US" sz="1800" spc="-1" strike="noStrike">
                 <a:latin typeface="Arial"/>
               </a:rPr>
               <a:t>第二個大綱層次</a:t>
             </a:r>
-            <a:endParaRPr b="0" lang="en-US" sz="2800" spc="-1" strike="noStrike">
+            <a:endParaRPr b="0" lang="en-US" sz="1800" spc="-1" strike="noStrike">
               <a:latin typeface="Arial"/>
             </a:endParaRPr>
           </a:p>
@@ -4172,12 +8170,12 @@
               <a:buChar char=""/>
             </a:pPr>
             <a:r>
-              <a:rPr b="0" lang="en-US" sz="2400" spc="-1" strike="noStrike">
+              <a:rPr b="0" lang="en-US" sz="1800" spc="-1" strike="noStrike">
                 <a:latin typeface="Arial"/>
               </a:rPr>
               <a:t>第三個大綱層次</a:t>
             </a:r>
-            <a:endParaRPr b="0" lang="en-US" sz="2400" spc="-1" strike="noStrike">
+            <a:endParaRPr b="0" lang="en-US" sz="1800" spc="-1" strike="noStrike">
               <a:latin typeface="Arial"/>
             </a:endParaRPr>
           </a:p>
@@ -4194,12 +8192,12 @@
               <a:buChar char=""/>
             </a:pPr>
             <a:r>
-              <a:rPr b="0" lang="en-US" sz="2000" spc="-1" strike="noStrike">
+              <a:rPr b="0" lang="en-US" sz="1800" spc="-1" strike="noStrike">
                 <a:latin typeface="Arial"/>
               </a:rPr>
               <a:t>第四個大綱層次</a:t>
             </a:r>
-            <a:endParaRPr b="0" lang="en-US" sz="2000" spc="-1" strike="noStrike">
+            <a:endParaRPr b="0" lang="en-US" sz="1800" spc="-1" strike="noStrike">
               <a:latin typeface="Arial"/>
             </a:endParaRPr>
           </a:p>
@@ -4216,12 +8214,12 @@
               <a:buChar char=""/>
             </a:pPr>
             <a:r>
-              <a:rPr b="0" lang="en-US" sz="2000" spc="-1" strike="noStrike">
+              <a:rPr b="0" lang="en-US" sz="1800" spc="-1" strike="noStrike">
                 <a:latin typeface="Arial"/>
               </a:rPr>
               <a:t>第五個大綱層次</a:t>
             </a:r>
-            <a:endParaRPr b="0" lang="en-US" sz="2000" spc="-1" strike="noStrike">
+            <a:endParaRPr b="0" lang="en-US" sz="1800" spc="-1" strike="noStrike">
               <a:latin typeface="Arial"/>
             </a:endParaRPr>
           </a:p>
@@ -4238,12 +8236,12 @@
               <a:buChar char=""/>
             </a:pPr>
             <a:r>
-              <a:rPr b="0" lang="en-US" sz="2000" spc="-1" strike="noStrike">
+              <a:rPr b="0" lang="en-US" sz="1800" spc="-1" strike="noStrike">
                 <a:latin typeface="Arial"/>
               </a:rPr>
               <a:t>第六個大綱層次</a:t>
             </a:r>
-            <a:endParaRPr b="0" lang="en-US" sz="2000" spc="-1" strike="noStrike">
+            <a:endParaRPr b="0" lang="en-US" sz="1800" spc="-1" strike="noStrike">
               <a:latin typeface="Arial"/>
             </a:endParaRPr>
           </a:p>
@@ -4260,12 +8258,12 @@
               <a:buChar char=""/>
             </a:pPr>
             <a:r>
-              <a:rPr b="0" lang="en-US" sz="2000" spc="-1" strike="noStrike">
+              <a:rPr b="0" lang="en-US" sz="1800" spc="-1" strike="noStrike">
                 <a:latin typeface="Arial"/>
               </a:rPr>
               <a:t>第七個大綱層次</a:t>
             </a:r>
-            <a:endParaRPr b="0" lang="en-US" sz="2000" spc="-1" strike="noStrike">
+            <a:endParaRPr b="0" lang="en-US" sz="1800" spc="-1" strike="noStrike">
               <a:latin typeface="Arial"/>
             </a:endParaRPr>
           </a:p>
@@ -4807,6 +8805,778 @@
 </p:sldMaster>
 </file>
 
+<file path=ppt/slideMasters/slideMaster4.xml><?xml version="1.0" encoding="utf-8"?>
+<p:sldMaster xmlns:a="http://schemas.openxmlformats.org/drawingml/2006/main" xmlns:p="http://schemas.openxmlformats.org/presentationml/2006/main" xmlns:r="http://schemas.openxmlformats.org/officeDocument/2006/relationships" xmlns:p14="http://schemas.microsoft.com/office/powerpoint/2010/main" xmlns:p15="http://schemas.microsoft.com/office/powerpoint/2012/main" xmlns:mc="http://schemas.openxmlformats.org/markup-compatibility/2006">
+  <p:cSld>
+    <p:bg>
+      <p:bgPr>
+        <a:solidFill>
+          <a:srgbClr val="ffffff"/>
+        </a:solidFill>
+      </p:bgPr>
+    </p:bg>
+    <p:spTree>
+      <p:nvGrpSpPr>
+        <p:cNvPr id="1" name=""/>
+        <p:cNvGrpSpPr/>
+        <p:nvPr/>
+      </p:nvGrpSpPr>
+      <p:grpSpPr>
+        <a:xfrm>
+          <a:off x="0" y="0"/>
+          <a:ext cx="0" cy="0"/>
+          <a:chOff x="0" y="0"/>
+          <a:chExt cx="0" cy="0"/>
+        </a:xfrm>
+      </p:grpSpPr>
+      <p:sp>
+        <p:nvSpPr>
+          <p:cNvPr id="114" name="PlaceHolder 1"/>
+          <p:cNvSpPr>
+            <a:spLocks noGrp="1"/>
+          </p:cNvSpPr>
+          <p:nvPr>
+            <p:ph type="title"/>
+          </p:nvPr>
+        </p:nvSpPr>
+        <p:spPr>
+          <a:xfrm>
+            <a:off x="457200" y="273600"/>
+            <a:ext cx="8229240" cy="1144800"/>
+          </a:xfrm>
+          <a:prstGeom prst="rect">
+            <a:avLst/>
+          </a:prstGeom>
+        </p:spPr>
+        <p:txBody>
+          <a:bodyPr lIns="0" rIns="0" tIns="0" bIns="0" anchor="ctr"/>
+          <a:p>
+            <a:pPr algn="ctr"/>
+            <a:r>
+              <a:rPr b="0" lang="en-US" sz="4400" spc="-1" strike="noStrike">
+                <a:latin typeface="Arial"/>
+              </a:rPr>
+              <a:t>請按這裡編輯題名文字格式</a:t>
+            </a:r>
+            <a:endParaRPr b="0" lang="en-US" sz="4400" spc="-1" strike="noStrike">
+              <a:latin typeface="Arial"/>
+            </a:endParaRPr>
+          </a:p>
+        </p:txBody>
+      </p:sp>
+      <p:sp>
+        <p:nvSpPr>
+          <p:cNvPr id="115" name="PlaceHolder 2"/>
+          <p:cNvSpPr>
+            <a:spLocks noGrp="1"/>
+          </p:cNvSpPr>
+          <p:nvPr>
+            <p:ph type="body"/>
+          </p:nvPr>
+        </p:nvSpPr>
+        <p:spPr>
+          <a:xfrm>
+            <a:off x="457200" y="1604520"/>
+            <a:ext cx="8229240" cy="3977280"/>
+          </a:xfrm>
+          <a:prstGeom prst="rect">
+            <a:avLst/>
+          </a:prstGeom>
+        </p:spPr>
+        <p:txBody>
+          <a:bodyPr lIns="0" rIns="0" tIns="0" bIns="0">
+            <a:normAutofit/>
+          </a:bodyPr>
+          <a:p>
+            <a:pPr marL="432000" indent="-324000">
+              <a:spcBef>
+                <a:spcPts val="1417"/>
+              </a:spcBef>
+              <a:buClr>
+                <a:srgbClr val="000000"/>
+              </a:buClr>
+              <a:buSzPct val="45000"/>
+              <a:buFont typeface="Wingdings" charset="2"/>
+              <a:buChar char=""/>
+            </a:pPr>
+            <a:r>
+              <a:rPr b="0" lang="en-US" sz="3200" spc="-1" strike="noStrike">
+                <a:latin typeface="Arial"/>
+              </a:rPr>
+              <a:t>請按這裡編輯大綱文字格式</a:t>
+            </a:r>
+            <a:endParaRPr b="0" lang="en-US" sz="3200" spc="-1" strike="noStrike">
+              <a:latin typeface="Arial"/>
+            </a:endParaRPr>
+          </a:p>
+          <a:p>
+            <a:pPr lvl="1" marL="864000" indent="-324000">
+              <a:spcBef>
+                <a:spcPts val="1134"/>
+              </a:spcBef>
+              <a:buClr>
+                <a:srgbClr val="000000"/>
+              </a:buClr>
+              <a:buSzPct val="75000"/>
+              <a:buFont typeface="Symbol" charset="2"/>
+              <a:buChar char=""/>
+            </a:pPr>
+            <a:r>
+              <a:rPr b="0" lang="en-US" sz="2800" spc="-1" strike="noStrike">
+                <a:latin typeface="Arial"/>
+              </a:rPr>
+              <a:t>第二個大綱層次</a:t>
+            </a:r>
+            <a:endParaRPr b="0" lang="en-US" sz="2800" spc="-1" strike="noStrike">
+              <a:latin typeface="Arial"/>
+            </a:endParaRPr>
+          </a:p>
+          <a:p>
+            <a:pPr lvl="2" marL="1296000" indent="-288000">
+              <a:spcBef>
+                <a:spcPts val="850"/>
+              </a:spcBef>
+              <a:buClr>
+                <a:srgbClr val="000000"/>
+              </a:buClr>
+              <a:buSzPct val="45000"/>
+              <a:buFont typeface="Wingdings" charset="2"/>
+              <a:buChar char=""/>
+            </a:pPr>
+            <a:r>
+              <a:rPr b="0" lang="en-US" sz="2400" spc="-1" strike="noStrike">
+                <a:latin typeface="Arial"/>
+              </a:rPr>
+              <a:t>第三個大綱層次</a:t>
+            </a:r>
+            <a:endParaRPr b="0" lang="en-US" sz="2400" spc="-1" strike="noStrike">
+              <a:latin typeface="Arial"/>
+            </a:endParaRPr>
+          </a:p>
+          <a:p>
+            <a:pPr lvl="3" marL="1728000" indent="-216000">
+              <a:spcBef>
+                <a:spcPts val="567"/>
+              </a:spcBef>
+              <a:buClr>
+                <a:srgbClr val="000000"/>
+              </a:buClr>
+              <a:buSzPct val="75000"/>
+              <a:buFont typeface="Symbol" charset="2"/>
+              <a:buChar char=""/>
+            </a:pPr>
+            <a:r>
+              <a:rPr b="0" lang="en-US" sz="2000" spc="-1" strike="noStrike">
+                <a:latin typeface="Arial"/>
+              </a:rPr>
+              <a:t>第四個大綱層次</a:t>
+            </a:r>
+            <a:endParaRPr b="0" lang="en-US" sz="2000" spc="-1" strike="noStrike">
+              <a:latin typeface="Arial"/>
+            </a:endParaRPr>
+          </a:p>
+          <a:p>
+            <a:pPr lvl="4" marL="2160000" indent="-216000">
+              <a:spcBef>
+                <a:spcPts val="283"/>
+              </a:spcBef>
+              <a:buClr>
+                <a:srgbClr val="000000"/>
+              </a:buClr>
+              <a:buSzPct val="45000"/>
+              <a:buFont typeface="Wingdings" charset="2"/>
+              <a:buChar char=""/>
+            </a:pPr>
+            <a:r>
+              <a:rPr b="0" lang="en-US" sz="2000" spc="-1" strike="noStrike">
+                <a:latin typeface="Arial"/>
+              </a:rPr>
+              <a:t>第五個大綱層次</a:t>
+            </a:r>
+            <a:endParaRPr b="0" lang="en-US" sz="2000" spc="-1" strike="noStrike">
+              <a:latin typeface="Arial"/>
+            </a:endParaRPr>
+          </a:p>
+          <a:p>
+            <a:pPr lvl="5" marL="2592000" indent="-216000">
+              <a:spcBef>
+                <a:spcPts val="283"/>
+              </a:spcBef>
+              <a:buClr>
+                <a:srgbClr val="000000"/>
+              </a:buClr>
+              <a:buSzPct val="45000"/>
+              <a:buFont typeface="Wingdings" charset="2"/>
+              <a:buChar char=""/>
+            </a:pPr>
+            <a:r>
+              <a:rPr b="0" lang="en-US" sz="2000" spc="-1" strike="noStrike">
+                <a:latin typeface="Arial"/>
+              </a:rPr>
+              <a:t>第六個大綱層次</a:t>
+            </a:r>
+            <a:endParaRPr b="0" lang="en-US" sz="2000" spc="-1" strike="noStrike">
+              <a:latin typeface="Arial"/>
+            </a:endParaRPr>
+          </a:p>
+          <a:p>
+            <a:pPr lvl="6" marL="3024000" indent="-216000">
+              <a:spcBef>
+                <a:spcPts val="283"/>
+              </a:spcBef>
+              <a:buClr>
+                <a:srgbClr val="000000"/>
+              </a:buClr>
+              <a:buSzPct val="45000"/>
+              <a:buFont typeface="Wingdings" charset="2"/>
+              <a:buChar char=""/>
+            </a:pPr>
+            <a:r>
+              <a:rPr b="0" lang="en-US" sz="2000" spc="-1" strike="noStrike">
+                <a:latin typeface="Arial"/>
+              </a:rPr>
+              <a:t>第七個大綱層次</a:t>
+            </a:r>
+            <a:endParaRPr b="0" lang="en-US" sz="2000" spc="-1" strike="noStrike">
+              <a:latin typeface="Arial"/>
+            </a:endParaRPr>
+          </a:p>
+        </p:txBody>
+      </p:sp>
+    </p:spTree>
+  </p:cSld>
+  <p:clrMap bg1="lt1" bg2="lt2" tx1="dk1" tx2="dk2" accent1="accent1" accent2="accent2" accent3="accent3" accent4="accent4" accent5="accent5" accent6="accent6" hlink="hlink" folHlink="folHlink"/>
+  <p:sldLayoutIdLst>
+    <p:sldLayoutId id="2147483688" r:id="rId2"/>
+    <p:sldLayoutId id="2147483689" r:id="rId3"/>
+    <p:sldLayoutId id="2147483690" r:id="rId4"/>
+    <p:sldLayoutId id="2147483691" r:id="rId5"/>
+    <p:sldLayoutId id="2147483692" r:id="rId6"/>
+    <p:sldLayoutId id="2147483693" r:id="rId7"/>
+    <p:sldLayoutId id="2147483694" r:id="rId8"/>
+    <p:sldLayoutId id="2147483695" r:id="rId9"/>
+    <p:sldLayoutId id="2147483696" r:id="rId10"/>
+    <p:sldLayoutId id="2147483697" r:id="rId11"/>
+    <p:sldLayoutId id="2147483698" r:id="rId12"/>
+    <p:sldLayoutId id="2147483699" r:id="rId13"/>
+  </p:sldLayoutIdLst>
+</p:sldMaster>
+</file>
+
+<file path=ppt/slideMasters/slideMaster5.xml><?xml version="1.0" encoding="utf-8"?>
+<p:sldMaster xmlns:a="http://schemas.openxmlformats.org/drawingml/2006/main" xmlns:p="http://schemas.openxmlformats.org/presentationml/2006/main" xmlns:r="http://schemas.openxmlformats.org/officeDocument/2006/relationships" xmlns:p14="http://schemas.microsoft.com/office/powerpoint/2010/main" xmlns:p15="http://schemas.microsoft.com/office/powerpoint/2012/main" xmlns:mc="http://schemas.openxmlformats.org/markup-compatibility/2006">
+  <p:cSld>
+    <p:bg>
+      <p:bgPr>
+        <a:solidFill>
+          <a:srgbClr val="ffffff"/>
+        </a:solidFill>
+      </p:bgPr>
+    </p:bg>
+    <p:spTree>
+      <p:nvGrpSpPr>
+        <p:cNvPr id="1" name=""/>
+        <p:cNvGrpSpPr/>
+        <p:nvPr/>
+      </p:nvGrpSpPr>
+      <p:grpSpPr>
+        <a:xfrm>
+          <a:off x="0" y="0"/>
+          <a:ext cx="0" cy="0"/>
+          <a:chOff x="0" y="0"/>
+          <a:chExt cx="0" cy="0"/>
+        </a:xfrm>
+      </p:grpSpPr>
+      <p:sp>
+        <p:nvSpPr>
+          <p:cNvPr id="152" name="PlaceHolder 1"/>
+          <p:cNvSpPr>
+            <a:spLocks noGrp="1"/>
+          </p:cNvSpPr>
+          <p:nvPr>
+            <p:ph type="title"/>
+          </p:nvPr>
+        </p:nvSpPr>
+        <p:spPr>
+          <a:xfrm>
+            <a:off x="457200" y="273600"/>
+            <a:ext cx="8228880" cy="1144440"/>
+          </a:xfrm>
+          <a:prstGeom prst="rect">
+            <a:avLst/>
+          </a:prstGeom>
+        </p:spPr>
+        <p:txBody>
+          <a:bodyPr lIns="0" rIns="0" tIns="0" bIns="0" anchor="ctr"/>
+          <a:p>
+            <a:r>
+              <a:rPr b="0" lang="en-US" sz="1800" spc="-1" strike="noStrike">
+                <a:latin typeface="Arial"/>
+              </a:rPr>
+              <a:t>請按這裡編輯題名文字格式</a:t>
+            </a:r>
+            <a:endParaRPr b="0" lang="en-US" sz="1800" spc="-1" strike="noStrike">
+              <a:latin typeface="Arial"/>
+            </a:endParaRPr>
+          </a:p>
+        </p:txBody>
+      </p:sp>
+      <p:sp>
+        <p:nvSpPr>
+          <p:cNvPr id="153" name="PlaceHolder 2"/>
+          <p:cNvSpPr>
+            <a:spLocks noGrp="1"/>
+          </p:cNvSpPr>
+          <p:nvPr>
+            <p:ph type="body"/>
+          </p:nvPr>
+        </p:nvSpPr>
+        <p:spPr>
+          <a:xfrm>
+            <a:off x="457200" y="1604520"/>
+            <a:ext cx="8228880" cy="3976920"/>
+          </a:xfrm>
+          <a:prstGeom prst="rect">
+            <a:avLst/>
+          </a:prstGeom>
+        </p:spPr>
+        <p:txBody>
+          <a:bodyPr lIns="0" rIns="0" tIns="0" bIns="0">
+            <a:normAutofit/>
+          </a:bodyPr>
+          <a:p>
+            <a:pPr marL="432000" indent="-324000">
+              <a:spcBef>
+                <a:spcPts val="1417"/>
+              </a:spcBef>
+              <a:buClr>
+                <a:srgbClr val="000000"/>
+              </a:buClr>
+              <a:buSzPct val="45000"/>
+              <a:buFont typeface="Wingdings" charset="2"/>
+              <a:buChar char=""/>
+            </a:pPr>
+            <a:r>
+              <a:rPr b="0" lang="en-US" sz="1800" spc="-1" strike="noStrike">
+                <a:latin typeface="Arial"/>
+              </a:rPr>
+              <a:t>請按這裡編輯大綱文字格式</a:t>
+            </a:r>
+            <a:endParaRPr b="0" lang="en-US" sz="1800" spc="-1" strike="noStrike">
+              <a:latin typeface="Arial"/>
+            </a:endParaRPr>
+          </a:p>
+          <a:p>
+            <a:pPr lvl="1" marL="864000" indent="-324000">
+              <a:spcBef>
+                <a:spcPts val="1134"/>
+              </a:spcBef>
+              <a:buClr>
+                <a:srgbClr val="000000"/>
+              </a:buClr>
+              <a:buSzPct val="75000"/>
+              <a:buFont typeface="Symbol" charset="2"/>
+              <a:buChar char=""/>
+            </a:pPr>
+            <a:r>
+              <a:rPr b="0" lang="en-US" sz="1800" spc="-1" strike="noStrike">
+                <a:latin typeface="Arial"/>
+              </a:rPr>
+              <a:t>第二個大綱層次</a:t>
+            </a:r>
+            <a:endParaRPr b="0" lang="en-US" sz="1800" spc="-1" strike="noStrike">
+              <a:latin typeface="Arial"/>
+            </a:endParaRPr>
+          </a:p>
+          <a:p>
+            <a:pPr lvl="2" marL="1296000" indent="-288000">
+              <a:spcBef>
+                <a:spcPts val="850"/>
+              </a:spcBef>
+              <a:buClr>
+                <a:srgbClr val="000000"/>
+              </a:buClr>
+              <a:buSzPct val="45000"/>
+              <a:buFont typeface="Wingdings" charset="2"/>
+              <a:buChar char=""/>
+            </a:pPr>
+            <a:r>
+              <a:rPr b="0" lang="en-US" sz="1800" spc="-1" strike="noStrike">
+                <a:latin typeface="Arial"/>
+              </a:rPr>
+              <a:t>第三個大綱層次</a:t>
+            </a:r>
+            <a:endParaRPr b="0" lang="en-US" sz="1800" spc="-1" strike="noStrike">
+              <a:latin typeface="Arial"/>
+            </a:endParaRPr>
+          </a:p>
+          <a:p>
+            <a:pPr lvl="3" marL="1728000" indent="-216000">
+              <a:spcBef>
+                <a:spcPts val="567"/>
+              </a:spcBef>
+              <a:buClr>
+                <a:srgbClr val="000000"/>
+              </a:buClr>
+              <a:buSzPct val="75000"/>
+              <a:buFont typeface="Symbol" charset="2"/>
+              <a:buChar char=""/>
+            </a:pPr>
+            <a:r>
+              <a:rPr b="0" lang="en-US" sz="1800" spc="-1" strike="noStrike">
+                <a:latin typeface="Arial"/>
+              </a:rPr>
+              <a:t>第四個大綱層次</a:t>
+            </a:r>
+            <a:endParaRPr b="0" lang="en-US" sz="1800" spc="-1" strike="noStrike">
+              <a:latin typeface="Arial"/>
+            </a:endParaRPr>
+          </a:p>
+          <a:p>
+            <a:pPr lvl="4" marL="2160000" indent="-216000">
+              <a:spcBef>
+                <a:spcPts val="283"/>
+              </a:spcBef>
+              <a:buClr>
+                <a:srgbClr val="000000"/>
+              </a:buClr>
+              <a:buSzPct val="45000"/>
+              <a:buFont typeface="Wingdings" charset="2"/>
+              <a:buChar char=""/>
+            </a:pPr>
+            <a:r>
+              <a:rPr b="0" lang="en-US" sz="1800" spc="-1" strike="noStrike">
+                <a:latin typeface="Arial"/>
+              </a:rPr>
+              <a:t>第五個大綱層次</a:t>
+            </a:r>
+            <a:endParaRPr b="0" lang="en-US" sz="1800" spc="-1" strike="noStrike">
+              <a:latin typeface="Arial"/>
+            </a:endParaRPr>
+          </a:p>
+          <a:p>
+            <a:pPr lvl="5" marL="2592000" indent="-216000">
+              <a:spcBef>
+                <a:spcPts val="283"/>
+              </a:spcBef>
+              <a:buClr>
+                <a:srgbClr val="000000"/>
+              </a:buClr>
+              <a:buSzPct val="45000"/>
+              <a:buFont typeface="Wingdings" charset="2"/>
+              <a:buChar char=""/>
+            </a:pPr>
+            <a:r>
+              <a:rPr b="0" lang="en-US" sz="1800" spc="-1" strike="noStrike">
+                <a:latin typeface="Arial"/>
+              </a:rPr>
+              <a:t>第六個大綱層次</a:t>
+            </a:r>
+            <a:endParaRPr b="0" lang="en-US" sz="1800" spc="-1" strike="noStrike">
+              <a:latin typeface="Arial"/>
+            </a:endParaRPr>
+          </a:p>
+          <a:p>
+            <a:pPr lvl="6" marL="3024000" indent="-216000">
+              <a:spcBef>
+                <a:spcPts val="283"/>
+              </a:spcBef>
+              <a:buClr>
+                <a:srgbClr val="000000"/>
+              </a:buClr>
+              <a:buSzPct val="45000"/>
+              <a:buFont typeface="Wingdings" charset="2"/>
+              <a:buChar char=""/>
+            </a:pPr>
+            <a:r>
+              <a:rPr b="0" lang="en-US" sz="1800" spc="-1" strike="noStrike">
+                <a:latin typeface="Arial"/>
+              </a:rPr>
+              <a:t>第七個大綱層次</a:t>
+            </a:r>
+            <a:endParaRPr b="0" lang="en-US" sz="1800" spc="-1" strike="noStrike">
+              <a:latin typeface="Arial"/>
+            </a:endParaRPr>
+          </a:p>
+        </p:txBody>
+      </p:sp>
+    </p:spTree>
+  </p:cSld>
+  <p:clrMap bg1="lt1" bg2="lt2" tx1="dk1" tx2="dk2" accent1="accent1" accent2="accent2" accent3="accent3" accent4="accent4" accent5="accent5" accent6="accent6" hlink="hlink" folHlink="folHlink"/>
+  <p:sldLayoutIdLst>
+    <p:sldLayoutId id="2147483701" r:id="rId2"/>
+    <p:sldLayoutId id="2147483702" r:id="rId3"/>
+    <p:sldLayoutId id="2147483703" r:id="rId4"/>
+    <p:sldLayoutId id="2147483704" r:id="rId5"/>
+    <p:sldLayoutId id="2147483705" r:id="rId6"/>
+    <p:sldLayoutId id="2147483706" r:id="rId7"/>
+    <p:sldLayoutId id="2147483707" r:id="rId8"/>
+    <p:sldLayoutId id="2147483708" r:id="rId9"/>
+    <p:sldLayoutId id="2147483709" r:id="rId10"/>
+    <p:sldLayoutId id="2147483710" r:id="rId11"/>
+    <p:sldLayoutId id="2147483711" r:id="rId12"/>
+    <p:sldLayoutId id="2147483712" r:id="rId13"/>
+  </p:sldLayoutIdLst>
+</p:sldMaster>
+</file>
+
+<file path=ppt/slideMasters/slideMaster6.xml><?xml version="1.0" encoding="utf-8"?>
+<p:sldMaster xmlns:a="http://schemas.openxmlformats.org/drawingml/2006/main" xmlns:p="http://schemas.openxmlformats.org/presentationml/2006/main" xmlns:r="http://schemas.openxmlformats.org/officeDocument/2006/relationships" xmlns:p14="http://schemas.microsoft.com/office/powerpoint/2010/main" xmlns:p15="http://schemas.microsoft.com/office/powerpoint/2012/main" xmlns:mc="http://schemas.openxmlformats.org/markup-compatibility/2006">
+  <p:cSld>
+    <p:bg>
+      <p:bgPr>
+        <a:solidFill>
+          <a:srgbClr val="ffffff"/>
+        </a:solidFill>
+      </p:bgPr>
+    </p:bg>
+    <p:spTree>
+      <p:nvGrpSpPr>
+        <p:cNvPr id="1" name=""/>
+        <p:cNvGrpSpPr/>
+        <p:nvPr/>
+      </p:nvGrpSpPr>
+      <p:grpSpPr>
+        <a:xfrm>
+          <a:off x="0" y="0"/>
+          <a:ext cx="0" cy="0"/>
+          <a:chOff x="0" y="0"/>
+          <a:chExt cx="0" cy="0"/>
+        </a:xfrm>
+      </p:grpSpPr>
+      <p:sp>
+        <p:nvSpPr>
+          <p:cNvPr id="190" name="PlaceHolder 1"/>
+          <p:cNvSpPr>
+            <a:spLocks noGrp="1"/>
+          </p:cNvSpPr>
+          <p:nvPr>
+            <p:ph type="title"/>
+          </p:nvPr>
+        </p:nvSpPr>
+        <p:spPr>
+          <a:xfrm>
+            <a:off x="457200" y="273600"/>
+            <a:ext cx="8228880" cy="1144440"/>
+          </a:xfrm>
+          <a:prstGeom prst="rect">
+            <a:avLst/>
+          </a:prstGeom>
+        </p:spPr>
+        <p:txBody>
+          <a:bodyPr lIns="0" rIns="0" tIns="0" bIns="0" anchor="ctr"/>
+          <a:p>
+            <a:r>
+              <a:rPr b="0" lang="en-US" sz="1800" spc="-1" strike="noStrike">
+                <a:latin typeface="Arial"/>
+              </a:rPr>
+              <a:t>請按這裡編輯題名文字格式</a:t>
+            </a:r>
+            <a:endParaRPr b="0" lang="en-US" sz="1800" spc="-1" strike="noStrike">
+              <a:latin typeface="Arial"/>
+            </a:endParaRPr>
+          </a:p>
+        </p:txBody>
+      </p:sp>
+      <p:sp>
+        <p:nvSpPr>
+          <p:cNvPr id="191" name="PlaceHolder 2"/>
+          <p:cNvSpPr>
+            <a:spLocks noGrp="1"/>
+          </p:cNvSpPr>
+          <p:nvPr>
+            <p:ph type="body"/>
+          </p:nvPr>
+        </p:nvSpPr>
+        <p:spPr>
+          <a:xfrm>
+            <a:off x="457200" y="1604520"/>
+            <a:ext cx="8228880" cy="3976920"/>
+          </a:xfrm>
+          <a:prstGeom prst="rect">
+            <a:avLst/>
+          </a:prstGeom>
+        </p:spPr>
+        <p:txBody>
+          <a:bodyPr lIns="0" rIns="0" tIns="0" bIns="0">
+            <a:normAutofit/>
+          </a:bodyPr>
+          <a:p>
+            <a:pPr marL="432000" indent="-324000">
+              <a:spcBef>
+                <a:spcPts val="1417"/>
+              </a:spcBef>
+              <a:buClr>
+                <a:srgbClr val="000000"/>
+              </a:buClr>
+              <a:buSzPct val="45000"/>
+              <a:buFont typeface="Wingdings" charset="2"/>
+              <a:buChar char=""/>
+            </a:pPr>
+            <a:r>
+              <a:rPr b="0" lang="en-US" sz="1800" spc="-1" strike="noStrike">
+                <a:latin typeface="Arial"/>
+              </a:rPr>
+              <a:t>請按這裡編輯大綱文字格式</a:t>
+            </a:r>
+            <a:endParaRPr b="0" lang="en-US" sz="1800" spc="-1" strike="noStrike">
+              <a:latin typeface="Arial"/>
+            </a:endParaRPr>
+          </a:p>
+          <a:p>
+            <a:pPr lvl="1" marL="864000" indent="-324000">
+              <a:spcBef>
+                <a:spcPts val="1134"/>
+              </a:spcBef>
+              <a:buClr>
+                <a:srgbClr val="000000"/>
+              </a:buClr>
+              <a:buSzPct val="75000"/>
+              <a:buFont typeface="Symbol" charset="2"/>
+              <a:buChar char=""/>
+            </a:pPr>
+            <a:r>
+              <a:rPr b="0" lang="en-US" sz="1800" spc="-1" strike="noStrike">
+                <a:latin typeface="Arial"/>
+              </a:rPr>
+              <a:t>第二個大綱層次</a:t>
+            </a:r>
+            <a:endParaRPr b="0" lang="en-US" sz="1800" spc="-1" strike="noStrike">
+              <a:latin typeface="Arial"/>
+            </a:endParaRPr>
+          </a:p>
+          <a:p>
+            <a:pPr lvl="2" marL="1296000" indent="-288000">
+              <a:spcBef>
+                <a:spcPts val="850"/>
+              </a:spcBef>
+              <a:buClr>
+                <a:srgbClr val="000000"/>
+              </a:buClr>
+              <a:buSzPct val="45000"/>
+              <a:buFont typeface="Wingdings" charset="2"/>
+              <a:buChar char=""/>
+            </a:pPr>
+            <a:r>
+              <a:rPr b="0" lang="en-US" sz="1800" spc="-1" strike="noStrike">
+                <a:latin typeface="Arial"/>
+              </a:rPr>
+              <a:t>第三個大綱層次</a:t>
+            </a:r>
+            <a:endParaRPr b="0" lang="en-US" sz="1800" spc="-1" strike="noStrike">
+              <a:latin typeface="Arial"/>
+            </a:endParaRPr>
+          </a:p>
+          <a:p>
+            <a:pPr lvl="3" marL="1728000" indent="-216000">
+              <a:spcBef>
+                <a:spcPts val="567"/>
+              </a:spcBef>
+              <a:buClr>
+                <a:srgbClr val="000000"/>
+              </a:buClr>
+              <a:buSzPct val="75000"/>
+              <a:buFont typeface="Symbol" charset="2"/>
+              <a:buChar char=""/>
+            </a:pPr>
+            <a:r>
+              <a:rPr b="0" lang="en-US" sz="1800" spc="-1" strike="noStrike">
+                <a:latin typeface="Arial"/>
+              </a:rPr>
+              <a:t>第四個大綱層次</a:t>
+            </a:r>
+            <a:endParaRPr b="0" lang="en-US" sz="1800" spc="-1" strike="noStrike">
+              <a:latin typeface="Arial"/>
+            </a:endParaRPr>
+          </a:p>
+          <a:p>
+            <a:pPr lvl="4" marL="2160000" indent="-216000">
+              <a:spcBef>
+                <a:spcPts val="283"/>
+              </a:spcBef>
+              <a:buClr>
+                <a:srgbClr val="000000"/>
+              </a:buClr>
+              <a:buSzPct val="45000"/>
+              <a:buFont typeface="Wingdings" charset="2"/>
+              <a:buChar char=""/>
+            </a:pPr>
+            <a:r>
+              <a:rPr b="0" lang="en-US" sz="1800" spc="-1" strike="noStrike">
+                <a:latin typeface="Arial"/>
+              </a:rPr>
+              <a:t>第五個大綱層次</a:t>
+            </a:r>
+            <a:endParaRPr b="0" lang="en-US" sz="1800" spc="-1" strike="noStrike">
+              <a:latin typeface="Arial"/>
+            </a:endParaRPr>
+          </a:p>
+          <a:p>
+            <a:pPr lvl="5" marL="2592000" indent="-216000">
+              <a:spcBef>
+                <a:spcPts val="283"/>
+              </a:spcBef>
+              <a:buClr>
+                <a:srgbClr val="000000"/>
+              </a:buClr>
+              <a:buSzPct val="45000"/>
+              <a:buFont typeface="Wingdings" charset="2"/>
+              <a:buChar char=""/>
+            </a:pPr>
+            <a:r>
+              <a:rPr b="0" lang="en-US" sz="1800" spc="-1" strike="noStrike">
+                <a:latin typeface="Arial"/>
+              </a:rPr>
+              <a:t>第六個大綱層次</a:t>
+            </a:r>
+            <a:endParaRPr b="0" lang="en-US" sz="1800" spc="-1" strike="noStrike">
+              <a:latin typeface="Arial"/>
+            </a:endParaRPr>
+          </a:p>
+          <a:p>
+            <a:pPr lvl="6" marL="3024000" indent="-216000">
+              <a:spcBef>
+                <a:spcPts val="283"/>
+              </a:spcBef>
+              <a:buClr>
+                <a:srgbClr val="000000"/>
+              </a:buClr>
+              <a:buSzPct val="45000"/>
+              <a:buFont typeface="Wingdings" charset="2"/>
+              <a:buChar char=""/>
+            </a:pPr>
+            <a:r>
+              <a:rPr b="0" lang="en-US" sz="1800" spc="-1" strike="noStrike">
+                <a:latin typeface="Arial"/>
+              </a:rPr>
+              <a:t>第七個大綱層次</a:t>
+            </a:r>
+            <a:endParaRPr b="0" lang="en-US" sz="1800" spc="-1" strike="noStrike">
+              <a:latin typeface="Arial"/>
+            </a:endParaRPr>
+          </a:p>
+        </p:txBody>
+      </p:sp>
+    </p:spTree>
+  </p:cSld>
+  <p:clrMap bg1="lt1" bg2="lt2" tx1="dk1" tx2="dk2" accent1="accent1" accent2="accent2" accent3="accent3" accent4="accent4" accent5="accent5" accent6="accent6" hlink="hlink" folHlink="folHlink"/>
+  <p:sldLayoutIdLst>
+    <p:sldLayoutId id="2147483714" r:id="rId2"/>
+    <p:sldLayoutId id="2147483715" r:id="rId3"/>
+    <p:sldLayoutId id="2147483716" r:id="rId4"/>
+    <p:sldLayoutId id="2147483717" r:id="rId5"/>
+    <p:sldLayoutId id="2147483718" r:id="rId6"/>
+    <p:sldLayoutId id="2147483719" r:id="rId7"/>
+    <p:sldLayoutId id="2147483720" r:id="rId8"/>
+    <p:sldLayoutId id="2147483721" r:id="rId9"/>
+    <p:sldLayoutId id="2147483722" r:id="rId10"/>
+    <p:sldLayoutId id="2147483723" r:id="rId11"/>
+    <p:sldLayoutId id="2147483724" r:id="rId12"/>
+    <p:sldLayoutId id="2147483725" r:id="rId13"/>
+  </p:sldLayoutIdLst>
+</p:sldMaster>
+</file>
+
 <file path=ppt/slides/slide1.xml><?xml version="1.0" encoding="utf-8"?>
 <p:sld xmlns:a="http://schemas.openxmlformats.org/drawingml/2006/main" xmlns:p="http://schemas.openxmlformats.org/presentationml/2006/main" xmlns:r="http://schemas.openxmlformats.org/officeDocument/2006/relationships" xmlns:p14="http://schemas.microsoft.com/office/powerpoint/2010/main" xmlns:p15="http://schemas.microsoft.com/office/powerpoint/2012/main" xmlns:mc="http://schemas.openxmlformats.org/markup-compatibility/2006">
   <p:cSld>
@@ -4826,14 +9596,14 @@
       </p:grpSpPr>
       <p:sp>
         <p:nvSpPr>
-          <p:cNvPr id="114" name="CustomShape 1"/>
+          <p:cNvPr id="228" name="CustomShape 1"/>
           <p:cNvSpPr/>
           <p:nvPr/>
         </p:nvSpPr>
         <p:spPr>
           <a:xfrm>
             <a:off x="685800" y="1122480"/>
-            <a:ext cx="7771680" cy="2386800"/>
+            <a:ext cx="7771320" cy="2386440"/>
           </a:xfrm>
           <a:prstGeom prst="rect">
             <a:avLst/>
@@ -4863,6 +9633,7 @@
                   <a:srgbClr val="000000"/>
                 </a:solidFill>
                 <a:latin typeface="Noto Sans CJK TC Regular"/>
+                <a:ea typeface="DejaVu Sans"/>
               </a:rPr>
               <a:t>Git</a:t>
             </a:r>
@@ -4874,14 +9645,14 @@
       </p:sp>
       <p:sp>
         <p:nvSpPr>
-          <p:cNvPr id="115" name="CustomShape 2"/>
+          <p:cNvPr id="229" name="CustomShape 2"/>
           <p:cNvSpPr/>
           <p:nvPr/>
         </p:nvSpPr>
         <p:spPr>
           <a:xfrm>
             <a:off x="1143000" y="3602160"/>
-            <a:ext cx="6857280" cy="1654920"/>
+            <a:ext cx="6856920" cy="1654560"/>
           </a:xfrm>
           <a:prstGeom prst="rect">
             <a:avLst/>
@@ -4949,14 +9720,14 @@
       </p:grpSpPr>
       <p:sp>
         <p:nvSpPr>
-          <p:cNvPr id="131" name="TextShape 1"/>
-          <p:cNvSpPr txBox="1"/>
+          <p:cNvPr id="245" name="CustomShape 1"/>
+          <p:cNvSpPr/>
           <p:nvPr/>
         </p:nvSpPr>
         <p:spPr>
           <a:xfrm>
             <a:off x="457200" y="273600"/>
-            <a:ext cx="8229240" cy="1144800"/>
+            <a:ext cx="8228880" cy="1144440"/>
           </a:xfrm>
           <a:prstGeom prst="rect">
             <a:avLst/>
@@ -4966,9 +9737,20 @@
             <a:noFill/>
           </a:ln>
         </p:spPr>
+        <p:style>
+          <a:lnRef idx="0"/>
+          <a:fillRef idx="0"/>
+          <a:effectRef idx="0"/>
+          <a:fontRef idx="minor"/>
+        </p:style>
         <p:txBody>
           <a:bodyPr lIns="0" rIns="0" tIns="0" bIns="0" anchor="ctr"/>
           <a:p>
+            <a:pPr>
+              <a:lnSpc>
+                <a:spcPct val="100000"/>
+              </a:lnSpc>
+            </a:pPr>
             <a:r>
               <a:rPr b="0" lang="en-US" sz="4400" spc="-1" strike="noStrike">
                 <a:latin typeface="Arial"/>
@@ -4983,14 +9765,14 @@
       </p:sp>
       <p:sp>
         <p:nvSpPr>
-          <p:cNvPr id="132" name="TextShape 2"/>
-          <p:cNvSpPr txBox="1"/>
+          <p:cNvPr id="246" name="CustomShape 2"/>
+          <p:cNvSpPr/>
           <p:nvPr/>
         </p:nvSpPr>
         <p:spPr>
           <a:xfrm>
             <a:off x="457200" y="1532520"/>
-            <a:ext cx="8229240" cy="5883480"/>
+            <a:ext cx="8228880" cy="5883120"/>
           </a:xfrm>
           <a:prstGeom prst="rect">
             <a:avLst/>
@@ -5000,12 +9782,21 @@
             <a:noFill/>
           </a:ln>
         </p:spPr>
+        <p:style>
+          <a:lnRef idx="0"/>
+          <a:fillRef idx="0"/>
+          <a:effectRef idx="0"/>
+          <a:fontRef idx="minor"/>
+        </p:style>
         <p:txBody>
           <a:bodyPr lIns="0" rIns="0" tIns="0" bIns="0">
             <a:normAutofit/>
           </a:bodyPr>
           <a:p>
-            <a:pPr marL="432000" indent="-324000">
+            <a:pPr marL="432000" indent="-323640">
+              <a:lnSpc>
+                <a:spcPct val="100000"/>
+              </a:lnSpc>
               <a:spcBef>
                 <a:spcPts val="1417"/>
               </a:spcBef>
@@ -5027,7 +9818,10 @@
             </a:endParaRPr>
           </a:p>
           <a:p>
-            <a:pPr marL="432000" indent="-324000">
+            <a:pPr marL="432000" indent="-323640">
+              <a:lnSpc>
+                <a:spcPct val="100000"/>
+              </a:lnSpc>
               <a:spcBef>
                 <a:spcPts val="1417"/>
               </a:spcBef>
@@ -5049,7 +9843,10 @@
             </a:endParaRPr>
           </a:p>
           <a:p>
-            <a:pPr marL="432000" indent="-324000">
+            <a:pPr marL="432000" indent="-323640">
+              <a:lnSpc>
+                <a:spcPct val="100000"/>
+              </a:lnSpc>
               <a:spcBef>
                 <a:spcPts val="1417"/>
               </a:spcBef>
@@ -5071,7 +9868,10 @@
             </a:endParaRPr>
           </a:p>
           <a:p>
-            <a:pPr marL="432000" indent="-324000">
+            <a:pPr marL="432000" indent="-323640">
+              <a:lnSpc>
+                <a:spcPct val="100000"/>
+              </a:lnSpc>
               <a:spcBef>
                 <a:spcPts val="1417"/>
               </a:spcBef>
@@ -5093,7 +9893,10 @@
             </a:endParaRPr>
           </a:p>
           <a:p>
-            <a:pPr marL="432000" indent="-324000">
+            <a:pPr marL="432000" indent="-323640">
+              <a:lnSpc>
+                <a:spcPct val="100000"/>
+              </a:lnSpc>
               <a:spcBef>
                 <a:spcPts val="1417"/>
               </a:spcBef>
@@ -5167,14 +9970,14 @@
       </p:grpSpPr>
       <p:sp>
         <p:nvSpPr>
-          <p:cNvPr id="133" name="TextShape 1"/>
-          <p:cNvSpPr txBox="1"/>
+          <p:cNvPr id="247" name="CustomShape 1"/>
+          <p:cNvSpPr/>
           <p:nvPr/>
         </p:nvSpPr>
         <p:spPr>
           <a:xfrm>
             <a:off x="457200" y="273600"/>
-            <a:ext cx="8229240" cy="1144800"/>
+            <a:ext cx="8228880" cy="1144440"/>
           </a:xfrm>
           <a:prstGeom prst="rect">
             <a:avLst/>
@@ -5184,9 +9987,20 @@
             <a:noFill/>
           </a:ln>
         </p:spPr>
+        <p:style>
+          <a:lnRef idx="0"/>
+          <a:fillRef idx="0"/>
+          <a:effectRef idx="0"/>
+          <a:fontRef idx="minor"/>
+        </p:style>
         <p:txBody>
           <a:bodyPr lIns="0" rIns="0" tIns="0" bIns="0" anchor="ctr"/>
           <a:p>
+            <a:pPr>
+              <a:lnSpc>
+                <a:spcPct val="100000"/>
+              </a:lnSpc>
+            </a:pPr>
             <a:r>
               <a:rPr b="0" lang="en-US" sz="4400" spc="-1" strike="noStrike">
                 <a:latin typeface="Arial"/>
@@ -5201,14 +10015,14 @@
       </p:sp>
       <p:sp>
         <p:nvSpPr>
-          <p:cNvPr id="134" name="TextShape 2"/>
-          <p:cNvSpPr txBox="1"/>
+          <p:cNvPr id="248" name="CustomShape 2"/>
+          <p:cNvSpPr/>
           <p:nvPr/>
         </p:nvSpPr>
         <p:spPr>
           <a:xfrm>
             <a:off x="457200" y="1532520"/>
-            <a:ext cx="8229240" cy="5883480"/>
+            <a:ext cx="8228880" cy="5883120"/>
           </a:xfrm>
           <a:prstGeom prst="rect">
             <a:avLst/>
@@ -5218,12 +10032,21 @@
             <a:noFill/>
           </a:ln>
         </p:spPr>
+        <p:style>
+          <a:lnRef idx="0"/>
+          <a:fillRef idx="0"/>
+          <a:effectRef idx="0"/>
+          <a:fontRef idx="minor"/>
+        </p:style>
         <p:txBody>
           <a:bodyPr lIns="0" rIns="0" tIns="0" bIns="0">
             <a:normAutofit/>
           </a:bodyPr>
           <a:p>
-            <a:pPr marL="432000" indent="-324000">
+            <a:pPr marL="432000" indent="-323640">
+              <a:lnSpc>
+                <a:spcPct val="100000"/>
+              </a:lnSpc>
               <a:spcBef>
                 <a:spcPts val="1417"/>
               </a:spcBef>
@@ -5238,14 +10061,17 @@
               <a:rPr b="0" lang="en-US" sz="3200" spc="-1" strike="noStrike">
                 <a:latin typeface="Arial"/>
               </a:rPr>
-              <a:t>歷史紀錄保護</a:t>
-            </a:r>
-            <a:endParaRPr b="0" lang="en-US" sz="3200" spc="-1" strike="noStrike">
-              <a:latin typeface="Arial"/>
-            </a:endParaRPr>
-          </a:p>
-          <a:p>
-            <a:pPr marL="432000" indent="-324000">
+              <a:t>工具集架構</a:t>
+            </a:r>
+            <a:endParaRPr b="0" lang="en-US" sz="3200" spc="-1" strike="noStrike">
+              <a:latin typeface="Arial"/>
+            </a:endParaRPr>
+          </a:p>
+          <a:p>
+            <a:pPr marL="432000" indent="-323640">
+              <a:lnSpc>
+                <a:spcPct val="100000"/>
+              </a:lnSpc>
               <a:spcBef>
                 <a:spcPts val="1417"/>
               </a:spcBef>
@@ -5260,14 +10086,17 @@
               <a:rPr b="0" lang="en-US" sz="3200" spc="-1" strike="noStrike">
                 <a:latin typeface="Arial"/>
               </a:rPr>
-              <a:t>工具集架構</a:t>
-            </a:r>
-            <a:endParaRPr b="0" lang="en-US" sz="3200" spc="-1" strike="noStrike">
-              <a:latin typeface="Arial"/>
-            </a:endParaRPr>
-          </a:p>
-          <a:p>
-            <a:pPr marL="432000" indent="-324000">
+              <a:t>彈性合併策略</a:t>
+            </a:r>
+            <a:endParaRPr b="0" lang="en-US" sz="3200" spc="-1" strike="noStrike">
+              <a:latin typeface="Arial"/>
+            </a:endParaRPr>
+          </a:p>
+          <a:p>
+            <a:pPr marL="432000" indent="-323640">
+              <a:lnSpc>
+                <a:spcPct val="100000"/>
+              </a:lnSpc>
               <a:spcBef>
                 <a:spcPts val="1417"/>
               </a:spcBef>
@@ -5282,28 +10111,6 @@
               <a:rPr b="0" lang="en-US" sz="3200" spc="-1" strike="noStrike">
                 <a:latin typeface="Arial"/>
               </a:rPr>
-              <a:t>彈性合併策略</a:t>
-            </a:r>
-            <a:endParaRPr b="0" lang="en-US" sz="3200" spc="-1" strike="noStrike">
-              <a:latin typeface="Arial"/>
-            </a:endParaRPr>
-          </a:p>
-          <a:p>
-            <a:pPr marL="432000" indent="-324000">
-              <a:spcBef>
-                <a:spcPts val="1417"/>
-              </a:spcBef>
-              <a:buClr>
-                <a:srgbClr val="000000"/>
-              </a:buClr>
-              <a:buSzPct val="45000"/>
-              <a:buFont typeface="Wingdings" charset="2"/>
-              <a:buChar char=""/>
-            </a:pPr>
-            <a:r>
-              <a:rPr b="0" lang="en-US" sz="3200" spc="-1" strike="noStrike">
-                <a:latin typeface="Arial"/>
-              </a:rPr>
               <a:t>被動垃圾回收機制</a:t>
             </a:r>
             <a:endParaRPr b="0" lang="en-US" sz="3200" spc="-1" strike="noStrike">
@@ -5311,7 +10118,10 @@
             </a:endParaRPr>
           </a:p>
           <a:p>
-            <a:pPr marL="432000" indent="-324000">
+            <a:pPr marL="432000" indent="-323640">
+              <a:lnSpc>
+                <a:spcPct val="100000"/>
+              </a:lnSpc>
               <a:spcBef>
                 <a:spcPts val="1417"/>
               </a:spcBef>
@@ -5385,14 +10195,14 @@
       </p:grpSpPr>
       <p:sp>
         <p:nvSpPr>
-          <p:cNvPr id="135" name="TextShape 1"/>
-          <p:cNvSpPr txBox="1"/>
+          <p:cNvPr id="249" name="CustomShape 1"/>
+          <p:cNvSpPr/>
           <p:nvPr/>
         </p:nvSpPr>
         <p:spPr>
           <a:xfrm>
             <a:off x="457200" y="273600"/>
-            <a:ext cx="8229240" cy="1144800"/>
+            <a:ext cx="8228880" cy="1144440"/>
           </a:xfrm>
           <a:prstGeom prst="rect">
             <a:avLst/>
@@ -5402,9 +10212,20 @@
             <a:noFill/>
           </a:ln>
         </p:spPr>
+        <p:style>
+          <a:lnRef idx="0"/>
+          <a:fillRef idx="0"/>
+          <a:effectRef idx="0"/>
+          <a:fontRef idx="minor"/>
+        </p:style>
         <p:txBody>
           <a:bodyPr lIns="0" rIns="0" tIns="0" bIns="0" anchor="ctr"/>
           <a:p>
+            <a:pPr>
+              <a:lnSpc>
+                <a:spcPct val="100000"/>
+              </a:lnSpc>
+            </a:pPr>
             <a:r>
               <a:rPr b="0" lang="en-US" sz="4400" spc="-1" strike="noStrike">
                 <a:latin typeface="Arial"/>
@@ -5419,14 +10240,14 @@
       </p:sp>
       <p:sp>
         <p:nvSpPr>
-          <p:cNvPr id="136" name="TextShape 2"/>
-          <p:cNvSpPr txBox="1"/>
+          <p:cNvPr id="250" name="CustomShape 2"/>
+          <p:cNvSpPr/>
           <p:nvPr/>
         </p:nvSpPr>
         <p:spPr>
           <a:xfrm>
             <a:off x="457200" y="1604520"/>
-            <a:ext cx="8229240" cy="3977280"/>
+            <a:ext cx="8228880" cy="3976920"/>
           </a:xfrm>
           <a:prstGeom prst="rect">
             <a:avLst/>
@@ -5436,12 +10257,21 @@
             <a:noFill/>
           </a:ln>
         </p:spPr>
+        <p:style>
+          <a:lnRef idx="0"/>
+          <a:fillRef idx="0"/>
+          <a:effectRef idx="0"/>
+          <a:fontRef idx="minor"/>
+        </p:style>
         <p:txBody>
           <a:bodyPr lIns="0" rIns="0" tIns="0" bIns="0">
             <a:normAutofit/>
           </a:bodyPr>
           <a:p>
-            <a:pPr marL="432000" indent="-324000">
+            <a:pPr marL="432000" indent="-323640">
+              <a:lnSpc>
+                <a:spcPct val="100000"/>
+              </a:lnSpc>
               <a:spcBef>
                 <a:spcPts val="1417"/>
               </a:spcBef>
@@ -5463,7 +10293,10 @@
             </a:endParaRPr>
           </a:p>
           <a:p>
-            <a:pPr marL="432000" indent="-324000">
+            <a:pPr marL="432000" indent="-323640">
+              <a:lnSpc>
+                <a:spcPct val="100000"/>
+              </a:lnSpc>
               <a:spcBef>
                 <a:spcPts val="1417"/>
               </a:spcBef>
@@ -5485,7 +10318,10 @@
             </a:endParaRPr>
           </a:p>
           <a:p>
-            <a:pPr marL="432000" indent="-324000">
+            <a:pPr marL="432000" indent="-323640">
+              <a:lnSpc>
+                <a:spcPct val="100000"/>
+              </a:lnSpc>
               <a:spcBef>
                 <a:spcPts val="1417"/>
               </a:spcBef>
@@ -5507,7 +10343,10 @@
             </a:endParaRPr>
           </a:p>
           <a:p>
-            <a:pPr marL="432000" indent="-324000">
+            <a:pPr marL="432000" indent="-323640">
+              <a:lnSpc>
+                <a:spcPct val="100000"/>
+              </a:lnSpc>
               <a:spcBef>
                 <a:spcPts val="1417"/>
               </a:spcBef>
@@ -5529,7 +10368,10 @@
             </a:endParaRPr>
           </a:p>
           <a:p>
-            <a:pPr marL="432000" indent="-324000">
+            <a:pPr marL="432000" indent="-323640">
+              <a:lnSpc>
+                <a:spcPct val="100000"/>
+              </a:lnSpc>
               <a:spcBef>
                 <a:spcPts val="1417"/>
               </a:spcBef>
@@ -5603,14 +10445,14 @@
       </p:grpSpPr>
       <p:sp>
         <p:nvSpPr>
-          <p:cNvPr id="137" name="CustomShape 1"/>
+          <p:cNvPr id="251" name="CustomShape 1"/>
           <p:cNvSpPr/>
           <p:nvPr/>
         </p:nvSpPr>
         <p:spPr>
           <a:xfrm>
             <a:off x="623880" y="1709640"/>
-            <a:ext cx="8520120" cy="2851920"/>
+            <a:ext cx="8519760" cy="2851560"/>
           </a:xfrm>
           <a:prstGeom prst="rect">
             <a:avLst/>
@@ -5640,6 +10482,7 @@
                   <a:srgbClr val="000000"/>
                 </a:solidFill>
                 <a:latin typeface="Noto Sans CJK TC Regular"/>
+                <a:ea typeface="DejaVu Sans"/>
               </a:rPr>
               <a:t>第二天</a:t>
             </a:r>
@@ -5659,8 +10502,9 @@
                   <a:srgbClr val="000000"/>
                 </a:solidFill>
                 <a:latin typeface="Noto Sans CJK TC Regular"/>
-              </a:rPr>
-              <a:t>Windows</a:t>
+                <a:ea typeface="DejaVu Sans"/>
+              </a:rPr>
+              <a:t>Windows Git</a:t>
             </a:r>
             <a:r>
               <a:rPr b="0" lang="en-US" sz="6000" spc="-1" strike="noStrike">
@@ -5668,108 +10512,76 @@
                   <a:srgbClr val="000000"/>
                 </a:solidFill>
                 <a:latin typeface="Noto Sans CJK TC Regular"/>
-              </a:rPr>
-              <a:t>三套</a:t>
-            </a:r>
+                <a:ea typeface="DejaVu Sans"/>
+              </a:rPr>
+              <a:t>工具</a:t>
+            </a:r>
+            <a:endParaRPr b="0" lang="en-US" sz="6000" spc="-1" strike="noStrike">
+              <a:latin typeface="Arial"/>
+            </a:endParaRPr>
+          </a:p>
+          <a:p>
+            <a:pPr>
+              <a:lnSpc>
+                <a:spcPct val="90000"/>
+              </a:lnSpc>
+            </a:pPr>
             <a:r>
               <a:rPr b="0" lang="en-US" sz="6000" spc="-1" strike="noStrike">
                 <a:solidFill>
                   <a:srgbClr val="000000"/>
                 </a:solidFill>
                 <a:latin typeface="Noto Sans CJK TC Regular"/>
-              </a:rPr>
-              <a:t>Git</a:t>
-            </a:r>
+                <a:ea typeface="DejaVu Sans"/>
+              </a:rPr>
+              <a:t>與</a:t>
+            </a:r>
+            <a:endParaRPr b="0" lang="en-US" sz="6000" spc="-1" strike="noStrike">
+              <a:latin typeface="Arial"/>
+            </a:endParaRPr>
+          </a:p>
+          <a:p>
+            <a:pPr>
+              <a:lnSpc>
+                <a:spcPct val="90000"/>
+              </a:lnSpc>
+            </a:pPr>
             <a:r>
               <a:rPr b="0" lang="en-US" sz="6000" spc="-1" strike="noStrike">
                 <a:solidFill>
                   <a:srgbClr val="000000"/>
                 </a:solidFill>
                 <a:latin typeface="Noto Sans CJK TC Regular"/>
-              </a:rPr>
-              <a:t>工具</a:t>
-            </a:r>
-            <a:endParaRPr b="0" lang="en-US" sz="6000" spc="-1" strike="noStrike">
-              <a:latin typeface="Arial"/>
-            </a:endParaRPr>
-          </a:p>
-          <a:p>
-            <a:pPr>
-              <a:lnSpc>
-                <a:spcPct val="90000"/>
-              </a:lnSpc>
-            </a:pPr>
+                <a:ea typeface="DejaVu Sans"/>
+              </a:rPr>
+              <a:t>Linux Git</a:t>
+            </a:r>
             <a:r>
               <a:rPr b="0" lang="en-US" sz="6000" spc="-1" strike="noStrike">
                 <a:solidFill>
                   <a:srgbClr val="000000"/>
                 </a:solidFill>
                 <a:latin typeface="Noto Sans CJK TC Regular"/>
-              </a:rPr>
-              <a:t>與</a:t>
+                <a:ea typeface="DejaVu Sans"/>
+              </a:rPr>
+              <a:t>工具</a:t>
             </a:r>
             <a:endParaRPr b="0" lang="en-US" sz="6000" spc="-1" strike="noStrike">
               <a:latin typeface="Arial"/>
             </a:endParaRPr>
           </a:p>
-          <a:p>
-            <a:pPr>
-              <a:lnSpc>
-                <a:spcPct val="90000"/>
-              </a:lnSpc>
-            </a:pPr>
-            <a:r>
-              <a:rPr b="0" lang="en-US" sz="6000" spc="-1" strike="noStrike">
-                <a:solidFill>
-                  <a:srgbClr val="000000"/>
-                </a:solidFill>
-                <a:latin typeface="Noto Sans CJK TC Regular"/>
-              </a:rPr>
-              <a:t>Linux</a:t>
-            </a:r>
-            <a:r>
-              <a:rPr b="0" lang="en-US" sz="6000" spc="-1" strike="noStrike">
-                <a:solidFill>
-                  <a:srgbClr val="000000"/>
-                </a:solidFill>
-                <a:latin typeface="Noto Sans CJK TC Regular"/>
-              </a:rPr>
-              <a:t>三套</a:t>
-            </a:r>
-            <a:r>
-              <a:rPr b="0" lang="en-US" sz="6000" spc="-1" strike="noStrike">
-                <a:solidFill>
-                  <a:srgbClr val="000000"/>
-                </a:solidFill>
-                <a:latin typeface="Noto Sans CJK TC Regular"/>
-              </a:rPr>
-              <a:t>Git</a:t>
-            </a:r>
-            <a:r>
-              <a:rPr b="0" lang="en-US" sz="6000" spc="-1" strike="noStrike">
-                <a:solidFill>
-                  <a:srgbClr val="000000"/>
-                </a:solidFill>
-                <a:latin typeface="Noto Sans CJK TC Regular"/>
-              </a:rPr>
-              <a:t>工具</a:t>
-            </a:r>
-            <a:endParaRPr b="0" lang="en-US" sz="6000" spc="-1" strike="noStrike">
-              <a:latin typeface="Arial"/>
-            </a:endParaRPr>
-          </a:p>
-        </p:txBody>
-      </p:sp>
-      <p:sp>
-        <p:nvSpPr>
-          <p:cNvPr id="138" name="CustomShape 2"/>
+        </p:txBody>
+      </p:sp>
+      <p:sp>
+        <p:nvSpPr>
+          <p:cNvPr id="252" name="CustomShape 2"/>
           <p:cNvSpPr/>
           <p:nvPr/>
         </p:nvSpPr>
         <p:spPr>
           <a:xfrm>
             <a:off x="623880" y="4589640"/>
-            <a:ext cx="7886160" cy="1499400"/>
+            <a:ext cx="7885800" cy="1499040"/>
           </a:xfrm>
           <a:prstGeom prst="rect">
             <a:avLst/>
@@ -5837,14 +10649,14 @@
       </p:grpSpPr>
       <p:sp>
         <p:nvSpPr>
-          <p:cNvPr id="139" name="TextShape 1"/>
-          <p:cNvSpPr txBox="1"/>
+          <p:cNvPr id="253" name="CustomShape 1"/>
+          <p:cNvSpPr/>
           <p:nvPr/>
         </p:nvSpPr>
         <p:spPr>
           <a:xfrm>
             <a:off x="457200" y="273600"/>
-            <a:ext cx="8229240" cy="1144800"/>
+            <a:ext cx="8228880" cy="1144440"/>
           </a:xfrm>
           <a:prstGeom prst="rect">
             <a:avLst/>
@@ -5854,9 +10666,20 @@
             <a:noFill/>
           </a:ln>
         </p:spPr>
+        <p:style>
+          <a:lnRef idx="0"/>
+          <a:fillRef idx="0"/>
+          <a:effectRef idx="0"/>
+          <a:fontRef idx="minor"/>
+        </p:style>
         <p:txBody>
           <a:bodyPr lIns="0" rIns="0" tIns="0" bIns="0" anchor="ctr"/>
           <a:p>
+            <a:pPr>
+              <a:lnSpc>
+                <a:spcPct val="100000"/>
+              </a:lnSpc>
+            </a:pPr>
             <a:r>
               <a:rPr b="0" lang="en-US" sz="4400" spc="-1" strike="noStrike">
                 <a:latin typeface="Arial"/>
@@ -5871,14 +10694,14 @@
       </p:sp>
       <p:sp>
         <p:nvSpPr>
-          <p:cNvPr id="140" name="TextShape 2"/>
-          <p:cNvSpPr txBox="1"/>
+          <p:cNvPr id="254" name="CustomShape 2"/>
+          <p:cNvSpPr/>
           <p:nvPr/>
         </p:nvSpPr>
         <p:spPr>
           <a:xfrm>
             <a:off x="457200" y="1604520"/>
-            <a:ext cx="8229240" cy="3977280"/>
+            <a:ext cx="8228880" cy="3976920"/>
           </a:xfrm>
           <a:prstGeom prst="rect">
             <a:avLst/>
@@ -5888,12 +10711,21 @@
             <a:noFill/>
           </a:ln>
         </p:spPr>
+        <p:style>
+          <a:lnRef idx="0"/>
+          <a:fillRef idx="0"/>
+          <a:effectRef idx="0"/>
+          <a:fontRef idx="minor"/>
+        </p:style>
         <p:txBody>
           <a:bodyPr lIns="0" rIns="0" tIns="0" bIns="0">
             <a:normAutofit/>
           </a:bodyPr>
           <a:p>
-            <a:pPr marL="432000" indent="-324000">
+            <a:pPr marL="432000" indent="-323640">
+              <a:lnSpc>
+                <a:spcPct val="100000"/>
+              </a:lnSpc>
               <a:spcBef>
                 <a:spcPts val="1417"/>
               </a:spcBef>
@@ -5915,7 +10747,10 @@
             </a:endParaRPr>
           </a:p>
           <a:p>
-            <a:pPr marL="432000" indent="-324000">
+            <a:pPr marL="432000" indent="-323640">
+              <a:lnSpc>
+                <a:spcPct val="100000"/>
+              </a:lnSpc>
               <a:spcBef>
                 <a:spcPts val="1417"/>
               </a:spcBef>
@@ -5937,7 +10772,10 @@
             </a:endParaRPr>
           </a:p>
           <a:p>
-            <a:pPr marL="432000" indent="-324000">
+            <a:pPr marL="432000" indent="-323640">
+              <a:lnSpc>
+                <a:spcPct val="100000"/>
+              </a:lnSpc>
               <a:spcBef>
                 <a:spcPts val="1417"/>
               </a:spcBef>
@@ -5959,7 +10797,10 @@
             </a:endParaRPr>
           </a:p>
           <a:p>
-            <a:pPr marL="432000" indent="-324000">
+            <a:pPr marL="432000" indent="-323640">
+              <a:lnSpc>
+                <a:spcPct val="100000"/>
+              </a:lnSpc>
               <a:spcBef>
                 <a:spcPts val="1417"/>
               </a:spcBef>
@@ -5981,7 +10822,10 @@
             </a:endParaRPr>
           </a:p>
           <a:p>
-            <a:pPr marL="432000" indent="-324000">
+            <a:pPr marL="432000" indent="-323640">
+              <a:lnSpc>
+                <a:spcPct val="100000"/>
+              </a:lnSpc>
               <a:spcBef>
                 <a:spcPts val="1417"/>
               </a:spcBef>
@@ -6055,14 +10899,14 @@
       </p:grpSpPr>
       <p:sp>
         <p:nvSpPr>
-          <p:cNvPr id="141" name="TextShape 1"/>
-          <p:cNvSpPr txBox="1"/>
+          <p:cNvPr id="255" name="CustomShape 1"/>
+          <p:cNvSpPr/>
           <p:nvPr/>
         </p:nvSpPr>
         <p:spPr>
           <a:xfrm>
             <a:off x="457200" y="273600"/>
-            <a:ext cx="8229240" cy="1144800"/>
+            <a:ext cx="8228880" cy="1144440"/>
           </a:xfrm>
           <a:prstGeom prst="rect">
             <a:avLst/>
@@ -6072,9 +10916,20 @@
             <a:noFill/>
           </a:ln>
         </p:spPr>
+        <p:style>
+          <a:lnRef idx="0"/>
+          <a:fillRef idx="0"/>
+          <a:effectRef idx="0"/>
+          <a:fontRef idx="minor"/>
+        </p:style>
         <p:txBody>
           <a:bodyPr lIns="0" rIns="0" tIns="0" bIns="0" anchor="ctr"/>
           <a:p>
+            <a:pPr>
+              <a:lnSpc>
+                <a:spcPct val="100000"/>
+              </a:lnSpc>
+            </a:pPr>
             <a:r>
               <a:rPr b="0" lang="en-US" sz="4400" spc="-1" strike="noStrike">
                 <a:latin typeface="Arial"/>
@@ -6089,14 +10944,14 @@
       </p:sp>
       <p:sp>
         <p:nvSpPr>
-          <p:cNvPr id="142" name="TextShape 2"/>
-          <p:cNvSpPr txBox="1"/>
+          <p:cNvPr id="256" name="CustomShape 2"/>
+          <p:cNvSpPr/>
           <p:nvPr/>
         </p:nvSpPr>
         <p:spPr>
           <a:xfrm>
             <a:off x="457200" y="1604520"/>
-            <a:ext cx="8229240" cy="3977280"/>
+            <a:ext cx="8228880" cy="3976920"/>
           </a:xfrm>
           <a:prstGeom prst="rect">
             <a:avLst/>
@@ -6106,12 +10961,21 @@
             <a:noFill/>
           </a:ln>
         </p:spPr>
+        <p:style>
+          <a:lnRef idx="0"/>
+          <a:fillRef idx="0"/>
+          <a:effectRef idx="0"/>
+          <a:fontRef idx="minor"/>
+        </p:style>
         <p:txBody>
           <a:bodyPr lIns="0" rIns="0" tIns="0" bIns="0">
             <a:normAutofit/>
           </a:bodyPr>
           <a:p>
-            <a:pPr marL="432000" indent="-324000">
+            <a:pPr marL="432000" indent="-323640">
+              <a:lnSpc>
+                <a:spcPct val="100000"/>
+              </a:lnSpc>
               <a:spcBef>
                 <a:spcPts val="1417"/>
               </a:spcBef>
@@ -6133,7 +10997,10 @@
             </a:endParaRPr>
           </a:p>
           <a:p>
-            <a:pPr marL="432000" indent="-324000">
+            <a:pPr marL="432000" indent="-323640">
+              <a:lnSpc>
+                <a:spcPct val="100000"/>
+              </a:lnSpc>
               <a:spcBef>
                 <a:spcPts val="1417"/>
               </a:spcBef>
@@ -6207,14 +11074,14 @@
       </p:grpSpPr>
       <p:sp>
         <p:nvSpPr>
-          <p:cNvPr id="143" name="CustomShape 1"/>
+          <p:cNvPr id="257" name="CustomShape 1"/>
           <p:cNvSpPr/>
           <p:nvPr/>
         </p:nvSpPr>
         <p:spPr>
           <a:xfrm>
             <a:off x="623880" y="1709640"/>
-            <a:ext cx="7886160" cy="2851920"/>
+            <a:ext cx="7885800" cy="2851560"/>
           </a:xfrm>
           <a:prstGeom prst="rect">
             <a:avLst/>
@@ -6244,6 +11111,7 @@
                   <a:srgbClr val="000000"/>
                 </a:solidFill>
                 <a:latin typeface="Noto Sans CJK TC Regular"/>
+                <a:ea typeface="DejaVu Sans"/>
               </a:rPr>
               <a:t>第三天</a:t>
             </a:r>
@@ -6254,6 +11122,7 @@
                   <a:srgbClr val="000000"/>
                 </a:solidFill>
                 <a:latin typeface="Noto Sans CJK TC Regular"/>
+                <a:ea typeface="DejaVu Sans"/>
               </a:rPr>
               <a:t>建立儲存庫</a:t>
             </a:r>
@@ -6265,14 +11134,14 @@
       </p:sp>
       <p:sp>
         <p:nvSpPr>
-          <p:cNvPr id="144" name="CustomShape 2"/>
+          <p:cNvPr id="258" name="CustomShape 2"/>
           <p:cNvSpPr/>
           <p:nvPr/>
         </p:nvSpPr>
         <p:spPr>
           <a:xfrm>
             <a:off x="623880" y="4589640"/>
-            <a:ext cx="7886160" cy="1499400"/>
+            <a:ext cx="7885800" cy="1499040"/>
           </a:xfrm>
           <a:prstGeom prst="rect">
             <a:avLst/>
@@ -6340,14 +11209,14 @@
       </p:grpSpPr>
       <p:sp>
         <p:nvSpPr>
-          <p:cNvPr id="145" name="CustomShape 1"/>
+          <p:cNvPr id="259" name="CustomShape 1"/>
           <p:cNvSpPr/>
           <p:nvPr/>
         </p:nvSpPr>
         <p:spPr>
           <a:xfrm>
             <a:off x="628560" y="365040"/>
-            <a:ext cx="7886160" cy="1324800"/>
+            <a:ext cx="7885800" cy="1324440"/>
           </a:xfrm>
           <a:prstGeom prst="rect">
             <a:avLst/>
@@ -6377,6 +11246,7 @@
                   <a:srgbClr val="000000"/>
                 </a:solidFill>
                 <a:latin typeface="Noto Sans CJK TC Regular"/>
+                <a:ea typeface="DejaVu Sans"/>
               </a:rPr>
               <a:t>建立儲存庫</a:t>
             </a:r>
@@ -6388,14 +11258,14 @@
       </p:sp>
       <p:sp>
         <p:nvSpPr>
-          <p:cNvPr id="146" name="CustomShape 2"/>
+          <p:cNvPr id="260" name="CustomShape 2"/>
           <p:cNvSpPr/>
           <p:nvPr/>
         </p:nvSpPr>
         <p:spPr>
           <a:xfrm>
             <a:off x="628560" y="1825560"/>
-            <a:ext cx="7886160" cy="4350600"/>
+            <a:ext cx="7885800" cy="4350240"/>
           </a:xfrm>
           <a:prstGeom prst="rect">
             <a:avLst/>
@@ -6416,7 +11286,7 @@
             <a:normAutofit/>
           </a:bodyPr>
           <a:p>
-            <a:pPr marL="228600" indent="-227880">
+            <a:pPr marL="228600" indent="-227520">
               <a:lnSpc>
                 <a:spcPct val="90000"/>
               </a:lnSpc>
@@ -6435,6 +11305,7 @@
                   <a:srgbClr val="000000"/>
                 </a:solidFill>
                 <a:latin typeface="Noto Sans CJK TC Regular"/>
+                <a:ea typeface="DejaVu Sans"/>
               </a:rPr>
               <a:t>移動到指定路徑</a:t>
             </a:r>
@@ -6457,6 +11328,7 @@
                   <a:srgbClr val="000000"/>
                 </a:solidFill>
                 <a:latin typeface="Noto Sans CJK TC Regular"/>
+                <a:ea typeface="DejaVu Sans"/>
               </a:rPr>
               <a:t>cd /d/</a:t>
             </a:r>
@@ -6465,7 +11337,7 @@
             </a:endParaRPr>
           </a:p>
           <a:p>
-            <a:pPr marL="228600" indent="-227880">
+            <a:pPr marL="228600" indent="-227520">
               <a:lnSpc>
                 <a:spcPct val="90000"/>
               </a:lnSpc>
@@ -6484,6 +11356,7 @@
                   <a:srgbClr val="000000"/>
                 </a:solidFill>
                 <a:latin typeface="Noto Sans CJK TC Regular"/>
+                <a:ea typeface="DejaVu Sans"/>
               </a:rPr>
               <a:t>創建資料夾</a:t>
             </a:r>
@@ -6506,6 +11379,7 @@
                   <a:srgbClr val="000000"/>
                 </a:solidFill>
                 <a:latin typeface="Noto Sans CJK TC Regular"/>
+                <a:ea typeface="DejaVu Sans"/>
               </a:rPr>
               <a:t>mkdir git-demo</a:t>
             </a:r>
@@ -6514,7 +11388,7 @@
             </a:endParaRPr>
           </a:p>
           <a:p>
-            <a:pPr marL="228600" indent="-227880">
+            <a:pPr marL="228600" indent="-227520">
               <a:lnSpc>
                 <a:spcPct val="90000"/>
               </a:lnSpc>
@@ -6533,6 +11407,7 @@
                   <a:srgbClr val="000000"/>
                 </a:solidFill>
                 <a:latin typeface="Noto Sans CJK TC Regular"/>
+                <a:ea typeface="DejaVu Sans"/>
               </a:rPr>
               <a:t>建立儲存庫</a:t>
             </a:r>
@@ -6555,6 +11430,7 @@
                   <a:srgbClr val="000000"/>
                 </a:solidFill>
                 <a:latin typeface="Noto Sans CJK TC Regular"/>
+                <a:ea typeface="DejaVu Sans"/>
               </a:rPr>
               <a:t>git init</a:t>
             </a:r>
@@ -6615,14 +11491,14 @@
       </p:grpSpPr>
       <p:sp>
         <p:nvSpPr>
-          <p:cNvPr id="147" name="CustomShape 1"/>
+          <p:cNvPr id="261" name="CustomShape 1"/>
           <p:cNvSpPr/>
           <p:nvPr/>
         </p:nvSpPr>
         <p:spPr>
           <a:xfrm>
             <a:off x="628560" y="365040"/>
-            <a:ext cx="7886160" cy="1324800"/>
+            <a:ext cx="7885800" cy="1324440"/>
           </a:xfrm>
           <a:prstGeom prst="rect">
             <a:avLst/>
@@ -6652,6 +11528,7 @@
                   <a:srgbClr val="000000"/>
                 </a:solidFill>
                 <a:latin typeface="Noto Sans CJK TC Regular"/>
+                <a:ea typeface="DejaVu Sans"/>
               </a:rPr>
               <a:t>複製儲存庫</a:t>
             </a:r>
@@ -6663,14 +11540,14 @@
       </p:sp>
       <p:sp>
         <p:nvSpPr>
-          <p:cNvPr id="148" name="CustomShape 2"/>
+          <p:cNvPr id="262" name="CustomShape 2"/>
           <p:cNvSpPr/>
           <p:nvPr/>
         </p:nvSpPr>
         <p:spPr>
           <a:xfrm>
             <a:off x="628560" y="1825560"/>
-            <a:ext cx="7886160" cy="4350600"/>
+            <a:ext cx="7885800" cy="4350240"/>
           </a:xfrm>
           <a:prstGeom prst="rect">
             <a:avLst/>
@@ -6691,7 +11568,7 @@
             <a:normAutofit/>
           </a:bodyPr>
           <a:p>
-            <a:pPr marL="228600" indent="-227880">
+            <a:pPr marL="228600" indent="-227520">
               <a:lnSpc>
                 <a:spcPct val="90000"/>
               </a:lnSpc>
@@ -6710,6 +11587,7 @@
                   <a:srgbClr val="000000"/>
                 </a:solidFill>
                 <a:latin typeface="Noto Sans CJK TC Regular"/>
+                <a:ea typeface="DejaVu Sans"/>
               </a:rPr>
               <a:t>複製儲存庫</a:t>
             </a:r>
@@ -6732,6 +11610,7 @@
                   <a:srgbClr val="000000"/>
                 </a:solidFill>
                 <a:latin typeface="Noto Sans CJK TC Regular"/>
+                <a:ea typeface="DejaVu Sans"/>
               </a:rPr>
               <a:t>git clone [REPOSITORY_URI]</a:t>
             </a:r>
@@ -6792,14 +11671,14 @@
       </p:grpSpPr>
       <p:sp>
         <p:nvSpPr>
-          <p:cNvPr id="149" name="CustomShape 1"/>
+          <p:cNvPr id="263" name="CustomShape 1"/>
           <p:cNvSpPr/>
           <p:nvPr/>
         </p:nvSpPr>
         <p:spPr>
           <a:xfrm>
             <a:off x="628560" y="365040"/>
-            <a:ext cx="7886160" cy="1324800"/>
+            <a:ext cx="7885800" cy="1324440"/>
           </a:xfrm>
           <a:prstGeom prst="rect">
             <a:avLst/>
@@ -6829,6 +11708,7 @@
                   <a:srgbClr val="000000"/>
                 </a:solidFill>
                 <a:latin typeface="Noto Sans CJK TC Regular"/>
+                <a:ea typeface="DejaVu Sans"/>
               </a:rPr>
               <a:t>建立裸儲存庫</a:t>
             </a:r>
@@ -6840,14 +11720,14 @@
       </p:sp>
       <p:sp>
         <p:nvSpPr>
-          <p:cNvPr id="150" name="CustomShape 2"/>
+          <p:cNvPr id="264" name="CustomShape 2"/>
           <p:cNvSpPr/>
           <p:nvPr/>
         </p:nvSpPr>
         <p:spPr>
           <a:xfrm>
             <a:off x="628560" y="1825560"/>
-            <a:ext cx="7886160" cy="4350600"/>
+            <a:ext cx="7885800" cy="4350240"/>
           </a:xfrm>
           <a:prstGeom prst="rect">
             <a:avLst/>
@@ -6868,7 +11748,7 @@
             <a:normAutofit/>
           </a:bodyPr>
           <a:p>
-            <a:pPr marL="228600" indent="-227880">
+            <a:pPr marL="228600" indent="-227520">
               <a:lnSpc>
                 <a:spcPct val="90000"/>
               </a:lnSpc>
@@ -6887,6 +11767,7 @@
                   <a:srgbClr val="000000"/>
                 </a:solidFill>
                 <a:latin typeface="Noto Sans CJK TC Regular"/>
+                <a:ea typeface="DejaVu Sans"/>
               </a:rPr>
               <a:t>建立時會在目前目錄裡面建立</a:t>
             </a:r>
@@ -6895,7 +11776,7 @@
             </a:endParaRPr>
           </a:p>
           <a:p>
-            <a:pPr marL="228600" indent="-227880">
+            <a:pPr marL="228600" indent="-227520">
               <a:lnSpc>
                 <a:spcPct val="90000"/>
               </a:lnSpc>
@@ -6914,6 +11795,7 @@
                   <a:srgbClr val="000000"/>
                 </a:solidFill>
                 <a:latin typeface="Noto Sans CJK TC Regular"/>
+                <a:ea typeface="DejaVu Sans"/>
               </a:rPr>
               <a:t>建立新的裸儲存庫</a:t>
             </a:r>
@@ -6945,7 +11827,7 @@
             </a:endParaRPr>
           </a:p>
           <a:p>
-            <a:pPr marL="228600" indent="-227880">
+            <a:pPr marL="228600" indent="-227520">
               <a:lnSpc>
                 <a:spcPct val="90000"/>
               </a:lnSpc>
@@ -6964,6 +11846,7 @@
                   <a:srgbClr val="000000"/>
                 </a:solidFill>
                 <a:latin typeface="Noto Sans CJK TC Regular"/>
+                <a:ea typeface="DejaVu Sans"/>
               </a:rPr>
               <a:t>使用</a:t>
             </a:r>
@@ -6973,6 +11856,7 @@
                   <a:srgbClr val="000000"/>
                 </a:solidFill>
                 <a:latin typeface="Noto Sans CJK TC Regular"/>
+                <a:ea typeface="DejaVu Sans"/>
               </a:rPr>
               <a:t>Clone</a:t>
             </a:r>
@@ -6982,6 +11866,7 @@
                   <a:srgbClr val="000000"/>
                 </a:solidFill>
                 <a:latin typeface="Noto Sans CJK TC Regular"/>
+                <a:ea typeface="DejaVu Sans"/>
               </a:rPr>
               <a:t>製作裸儲存庫</a:t>
             </a:r>
@@ -7014,6 +11899,7 @@
                   <a:srgbClr val="000000"/>
                 </a:solidFill>
                 <a:latin typeface="Noto Sans CJK TC Regular"/>
+                <a:ea typeface="DejaVu Sans"/>
               </a:rPr>
               <a:t>[REPOSITORY_URI]</a:t>
             </a:r>
@@ -7074,14 +11960,14 @@
       </p:grpSpPr>
       <p:sp>
         <p:nvSpPr>
-          <p:cNvPr id="116" name="CustomShape 1"/>
+          <p:cNvPr id="230" name="CustomShape 1"/>
           <p:cNvSpPr/>
           <p:nvPr/>
         </p:nvSpPr>
         <p:spPr>
           <a:xfrm>
             <a:off x="623880" y="1709640"/>
-            <a:ext cx="7886160" cy="2851920"/>
+            <a:ext cx="7885800" cy="2851560"/>
           </a:xfrm>
           <a:prstGeom prst="rect">
             <a:avLst/>
@@ -7156,14 +12042,14 @@
       </p:sp>
       <p:sp>
         <p:nvSpPr>
-          <p:cNvPr id="117" name="CustomShape 2"/>
+          <p:cNvPr id="231" name="CustomShape 2"/>
           <p:cNvSpPr/>
           <p:nvPr/>
         </p:nvSpPr>
         <p:spPr>
           <a:xfrm>
             <a:off x="623880" y="4589640"/>
-            <a:ext cx="7886160" cy="1499400"/>
+            <a:ext cx="7885800" cy="1499040"/>
           </a:xfrm>
           <a:prstGeom prst="rect">
             <a:avLst/>
@@ -7231,14 +12117,14 @@
       </p:grpSpPr>
       <p:sp>
         <p:nvSpPr>
-          <p:cNvPr id="151" name="CustomShape 1"/>
+          <p:cNvPr id="265" name="CustomShape 1"/>
           <p:cNvSpPr/>
           <p:nvPr/>
         </p:nvSpPr>
         <p:spPr>
           <a:xfrm>
             <a:off x="628560" y="365040"/>
-            <a:ext cx="7886160" cy="1324800"/>
+            <a:ext cx="7885800" cy="1324440"/>
           </a:xfrm>
           <a:prstGeom prst="rect">
             <a:avLst/>
@@ -7268,6 +12154,7 @@
                   <a:srgbClr val="000000"/>
                 </a:solidFill>
                 <a:latin typeface="Noto Sans CJK TC Regular"/>
+                <a:ea typeface="DejaVu Sans"/>
               </a:rPr>
               <a:t>今日小結</a:t>
             </a:r>
@@ -7279,14 +12166,14 @@
       </p:sp>
       <p:sp>
         <p:nvSpPr>
-          <p:cNvPr id="152" name="CustomShape 2"/>
+          <p:cNvPr id="266" name="CustomShape 2"/>
           <p:cNvSpPr/>
           <p:nvPr/>
         </p:nvSpPr>
         <p:spPr>
           <a:xfrm>
             <a:off x="628560" y="1825560"/>
-            <a:ext cx="7886160" cy="4350600"/>
+            <a:ext cx="7885800" cy="4350240"/>
           </a:xfrm>
           <a:prstGeom prst="rect">
             <a:avLst/>
@@ -7307,7 +12194,7 @@
             <a:normAutofit/>
           </a:bodyPr>
           <a:p>
-            <a:pPr marL="228600" indent="-227880">
+            <a:pPr marL="228600" indent="-227520">
               <a:lnSpc>
                 <a:spcPct val="90000"/>
               </a:lnSpc>
@@ -7335,7 +12222,7 @@
             </a:endParaRPr>
           </a:p>
           <a:p>
-            <a:pPr marL="228600" indent="-227880">
+            <a:pPr marL="228600" indent="-227520">
               <a:lnSpc>
                 <a:spcPct val="90000"/>
               </a:lnSpc>
@@ -7363,7 +12250,7 @@
             </a:endParaRPr>
           </a:p>
           <a:p>
-            <a:pPr marL="228600" indent="-227880">
+            <a:pPr marL="228600" indent="-227520">
               <a:lnSpc>
                 <a:spcPct val="90000"/>
               </a:lnSpc>
@@ -7391,7 +12278,7 @@
             </a:endParaRPr>
           </a:p>
           <a:p>
-            <a:pPr marL="228600" indent="-227880">
+            <a:pPr marL="228600" indent="-227520">
               <a:lnSpc>
                 <a:spcPct val="90000"/>
               </a:lnSpc>
@@ -7420,6 +12307,7 @@
                   <a:srgbClr val="000000"/>
                 </a:solidFill>
                 <a:latin typeface="Noto Sans CJK TC Regular"/>
+                <a:ea typeface="DejaVu Sans"/>
               </a:rPr>
               <a:t>[REPOSITORY_URI]</a:t>
             </a:r>
@@ -7428,18 +12316,13 @@
             </a:endParaRPr>
           </a:p>
           <a:p>
-            <a:pPr marL="228600" indent="-227880">
+            <a:pPr>
               <a:lnSpc>
                 <a:spcPct val="90000"/>
               </a:lnSpc>
               <a:spcBef>
                 <a:spcPts val="1001"/>
               </a:spcBef>
-              <a:buClr>
-                <a:srgbClr val="000000"/>
-              </a:buClr>
-              <a:buFont typeface="Arial"/>
-              <a:buChar char="•"/>
             </a:pPr>
             <a:endParaRPr b="0" lang="en-US" sz="3200" spc="-1" strike="noStrike">
               <a:latin typeface="Arial"/>
@@ -7498,14 +12381,14 @@
       </p:grpSpPr>
       <p:sp>
         <p:nvSpPr>
-          <p:cNvPr id="153" name="CustomShape 1"/>
+          <p:cNvPr id="267" name="CustomShape 1"/>
           <p:cNvSpPr/>
           <p:nvPr/>
         </p:nvSpPr>
         <p:spPr>
           <a:xfrm>
             <a:off x="623880" y="1709640"/>
-            <a:ext cx="7886160" cy="2851920"/>
+            <a:ext cx="7885800" cy="2851560"/>
           </a:xfrm>
           <a:prstGeom prst="rect">
             <a:avLst/>
@@ -7537,6 +12420,7 @@
                   <a:srgbClr val="000000"/>
                 </a:solidFill>
                 <a:latin typeface="Noto Sans CJK TC Regular"/>
+                <a:ea typeface="DejaVu Sans"/>
               </a:rPr>
               <a:t>第四天</a:t>
             </a:r>
@@ -7547,6 +12431,7 @@
                   <a:srgbClr val="000000"/>
                 </a:solidFill>
                 <a:latin typeface="Noto Sans CJK TC Regular"/>
+                <a:ea typeface="DejaVu Sans"/>
               </a:rPr>
               <a:t>常用的</a:t>
             </a:r>
@@ -7556,6 +12441,7 @@
                   <a:srgbClr val="000000"/>
                 </a:solidFill>
                 <a:latin typeface="Noto Sans CJK TC Regular"/>
+                <a:ea typeface="DejaVu Sans"/>
               </a:rPr>
               <a:t>Git</a:t>
             </a:r>
@@ -7565,6 +12451,7 @@
                   <a:srgbClr val="000000"/>
                 </a:solidFill>
                 <a:latin typeface="Noto Sans CJK TC Regular"/>
+                <a:ea typeface="DejaVu Sans"/>
               </a:rPr>
               <a:t>版本控管指令</a:t>
             </a:r>
@@ -7576,14 +12463,14 @@
       </p:sp>
       <p:sp>
         <p:nvSpPr>
-          <p:cNvPr id="154" name="CustomShape 2"/>
+          <p:cNvPr id="268" name="CustomShape 2"/>
           <p:cNvSpPr/>
           <p:nvPr/>
         </p:nvSpPr>
         <p:spPr>
           <a:xfrm>
             <a:off x="623880" y="4589640"/>
-            <a:ext cx="7886160" cy="1499400"/>
+            <a:ext cx="7885800" cy="1499040"/>
           </a:xfrm>
           <a:prstGeom prst="rect">
             <a:avLst/>
@@ -7651,14 +12538,14 @@
       </p:grpSpPr>
       <p:sp>
         <p:nvSpPr>
-          <p:cNvPr id="155" name="CustomShape 1"/>
+          <p:cNvPr id="269" name="CustomShape 1"/>
           <p:cNvSpPr/>
           <p:nvPr/>
         </p:nvSpPr>
         <p:spPr>
           <a:xfrm>
             <a:off x="628560" y="365040"/>
-            <a:ext cx="7886160" cy="1324800"/>
+            <a:ext cx="7885800" cy="1324440"/>
           </a:xfrm>
           <a:prstGeom prst="rect">
             <a:avLst/>
@@ -7688,6 +12575,7 @@
                   <a:srgbClr val="000000"/>
                 </a:solidFill>
                 <a:latin typeface="Noto Sans CJK TC Regular"/>
+                <a:ea typeface="DejaVu Sans"/>
               </a:rPr>
               <a:t>複習上次</a:t>
             </a:r>
@@ -7699,14 +12587,14 @@
       </p:sp>
       <p:sp>
         <p:nvSpPr>
-          <p:cNvPr id="156" name="CustomShape 2"/>
+          <p:cNvPr id="270" name="CustomShape 2"/>
           <p:cNvSpPr/>
           <p:nvPr/>
         </p:nvSpPr>
         <p:spPr>
           <a:xfrm>
             <a:off x="628560" y="1825560"/>
-            <a:ext cx="7886160" cy="4350600"/>
+            <a:ext cx="7885800" cy="4350240"/>
           </a:xfrm>
           <a:prstGeom prst="rect">
             <a:avLst/>
@@ -7741,6 +12629,7 @@
                   <a:srgbClr val="000000"/>
                 </a:solidFill>
                 <a:latin typeface="Noto Sans CJK TC Regular"/>
+                <a:ea typeface="DejaVu Sans"/>
               </a:rPr>
               <a:t>mkdir git-demo</a:t>
             </a:r>
@@ -7763,6 +12652,7 @@
                   <a:srgbClr val="000000"/>
                 </a:solidFill>
                 <a:latin typeface="Noto Sans CJK TC Regular"/>
+                <a:ea typeface="DejaVu Sans"/>
               </a:rPr>
               <a:t>cd git-demo</a:t>
             </a:r>
@@ -7785,6 +12675,7 @@
                   <a:srgbClr val="000000"/>
                 </a:solidFill>
                 <a:latin typeface="Noto Sans CJK TC Regular"/>
+                <a:ea typeface="DejaVu Sans"/>
               </a:rPr>
               <a:t>git init</a:t>
             </a:r>
@@ -7845,14 +12736,14 @@
       </p:grpSpPr>
       <p:sp>
         <p:nvSpPr>
-          <p:cNvPr id="157" name="TextShape 1"/>
-          <p:cNvSpPr txBox="1"/>
+          <p:cNvPr id="271" name="CustomShape 1"/>
+          <p:cNvSpPr/>
           <p:nvPr/>
         </p:nvSpPr>
         <p:spPr>
           <a:xfrm>
-            <a:off x="457200" y="273600"/>
-            <a:ext cx="8229240" cy="1144800"/>
+            <a:off x="628560" y="365040"/>
+            <a:ext cx="7885800" cy="1324440"/>
           </a:xfrm>
           <a:prstGeom prst="rect">
             <a:avLst/>
@@ -7862,10 +12753,30 @@
             <a:noFill/>
           </a:ln>
         </p:spPr>
-        <p:txBody>
-          <a:bodyPr lIns="0" rIns="0" tIns="0" bIns="0" anchor="ctr"/>
-          <a:p>
-            <a:pPr algn="ctr"/>
+        <p:style>
+          <a:lnRef idx="0"/>
+          <a:fillRef idx="0"/>
+          <a:effectRef idx="0"/>
+          <a:fontRef idx="minor"/>
+        </p:style>
+        <p:txBody>
+          <a:bodyPr lIns="90000" rIns="90000" tIns="45000" bIns="45000" anchor="ctr"/>
+          <a:p>
+            <a:pPr>
+              <a:lnSpc>
+                <a:spcPct val="90000"/>
+              </a:lnSpc>
+            </a:pPr>
+            <a:r>
+              <a:rPr b="0" lang="en-US" sz="4400" spc="-1" strike="noStrike">
+                <a:solidFill>
+                  <a:srgbClr val="000000"/>
+                </a:solidFill>
+                <a:latin typeface="Noto Sans CJK TC Regular"/>
+                <a:ea typeface="DejaVu Sans"/>
+              </a:rPr>
+              <a:t>複製檔案到目錄</a:t>
+            </a:r>
             <a:endParaRPr b="0" lang="en-US" sz="4400" spc="-1" strike="noStrike">
               <a:latin typeface="Arial"/>
             </a:endParaRPr>
@@ -7874,14 +12785,14 @@
       </p:sp>
       <p:sp>
         <p:nvSpPr>
-          <p:cNvPr id="158" name="TextShape 2"/>
-          <p:cNvSpPr txBox="1"/>
+          <p:cNvPr id="272" name="CustomShape 2"/>
+          <p:cNvSpPr/>
           <p:nvPr/>
         </p:nvSpPr>
         <p:spPr>
           <a:xfrm>
-            <a:off x="457200" y="1604520"/>
-            <a:ext cx="8229240" cy="3977280"/>
+            <a:off x="628560" y="1825560"/>
+            <a:ext cx="7885800" cy="4350240"/>
           </a:xfrm>
           <a:prstGeom prst="rect">
             <a:avLst/>
@@ -7891,11 +12802,144 @@
             <a:noFill/>
           </a:ln>
         </p:spPr>
-        <p:txBody>
-          <a:bodyPr lIns="0" rIns="0" tIns="0" bIns="0">
-            <a:normAutofit/>
-          </a:bodyPr>
-          <a:p>
+        <p:style>
+          <a:lnRef idx="0"/>
+          <a:fillRef idx="0"/>
+          <a:effectRef idx="0"/>
+          <a:fontRef idx="minor"/>
+        </p:style>
+        <p:txBody>
+          <a:bodyPr lIns="90000" rIns="90000" tIns="45000" bIns="45000">
+            <a:normAutofit/>
+          </a:bodyPr>
+          <a:p>
+            <a:pPr marL="228600" indent="-227520">
+              <a:lnSpc>
+                <a:spcPct val="90000"/>
+              </a:lnSpc>
+              <a:spcBef>
+                <a:spcPts val="1001"/>
+              </a:spcBef>
+              <a:buClr>
+                <a:srgbClr val="000000"/>
+              </a:buClr>
+              <a:buFont typeface="Arial"/>
+              <a:buChar char="•"/>
+            </a:pPr>
+            <a:r>
+              <a:rPr b="0" lang="en-US" sz="3200" spc="-1" strike="noStrike">
+                <a:solidFill>
+                  <a:srgbClr val="000000"/>
+                </a:solidFill>
+                <a:latin typeface="Noto Sans CJK TC Regular"/>
+                <a:ea typeface="DejaVu Sans"/>
+              </a:rPr>
+              <a:t>複製</a:t>
+            </a:r>
+            <a:r>
+              <a:rPr b="0" lang="en-US" sz="3200" spc="-1" strike="noStrike">
+                <a:solidFill>
+                  <a:srgbClr val="000000"/>
+                </a:solidFill>
+                <a:latin typeface="Noto Sans CJK TC Regular"/>
+                <a:ea typeface="DejaVu Sans"/>
+              </a:rPr>
+              <a:t>Learn-Git-in-30-days</a:t>
+            </a:r>
+            <a:r>
+              <a:rPr b="0" lang="en-US" sz="3200" spc="-1" strike="noStrike">
+                <a:solidFill>
+                  <a:srgbClr val="000000"/>
+                </a:solidFill>
+                <a:latin typeface="Noto Sans CJK TC Regular"/>
+                <a:ea typeface="DejaVu Sans"/>
+              </a:rPr>
+              <a:t>到</a:t>
+            </a:r>
+            <a:r>
+              <a:rPr b="0" lang="en-US" sz="3200" spc="-1" strike="noStrike">
+                <a:solidFill>
+                  <a:srgbClr val="000000"/>
+                </a:solidFill>
+                <a:latin typeface="Noto Sans CJK TC Regular"/>
+                <a:ea typeface="DejaVu Sans"/>
+              </a:rPr>
+              <a:t>git-demo</a:t>
+            </a:r>
+            <a:endParaRPr b="0" lang="en-US" sz="3200" spc="-1" strike="noStrike">
+              <a:latin typeface="Arial"/>
+            </a:endParaRPr>
+          </a:p>
+          <a:p>
+            <a:pPr>
+              <a:lnSpc>
+                <a:spcPct val="90000"/>
+              </a:lnSpc>
+              <a:spcBef>
+                <a:spcPts val="1001"/>
+              </a:spcBef>
+            </a:pPr>
+            <a:r>
+              <a:rPr b="0" lang="en-US" sz="3200" spc="-1" strike="noStrike">
+                <a:solidFill>
+                  <a:srgbClr val="000000"/>
+                </a:solidFill>
+                <a:latin typeface="Noto Sans CJK TC Regular"/>
+                <a:ea typeface="DejaVu Sans"/>
+              </a:rPr>
+              <a:t>cp ../Learn-Git-in-30-days/ ./</a:t>
+            </a:r>
+            <a:endParaRPr b="0" lang="en-US" sz="3200" spc="-1" strike="noStrike">
+              <a:latin typeface="Arial"/>
+            </a:endParaRPr>
+          </a:p>
+          <a:p>
+            <a:pPr marL="228600" indent="-227520">
+              <a:lnSpc>
+                <a:spcPct val="90000"/>
+              </a:lnSpc>
+              <a:spcBef>
+                <a:spcPts val="1001"/>
+              </a:spcBef>
+              <a:buClr>
+                <a:srgbClr val="000000"/>
+              </a:buClr>
+              <a:buFont typeface="Arial"/>
+              <a:buChar char="•"/>
+            </a:pPr>
+            <a:r>
+              <a:rPr b="0" lang="en-US" sz="3200" spc="-1" strike="noStrike">
+                <a:solidFill>
+                  <a:srgbClr val="000000"/>
+                </a:solidFill>
+                <a:latin typeface="Noto Sans CJK TC Regular"/>
+                <a:ea typeface="DejaVu Sans"/>
+              </a:rPr>
+              <a:t>查看目錄狀態</a:t>
+            </a:r>
+            <a:endParaRPr b="0" lang="en-US" sz="3200" spc="-1" strike="noStrike">
+              <a:latin typeface="Arial"/>
+            </a:endParaRPr>
+          </a:p>
+          <a:p>
+            <a:pPr>
+              <a:lnSpc>
+                <a:spcPct val="90000"/>
+              </a:lnSpc>
+              <a:spcBef>
+                <a:spcPts val="1001"/>
+              </a:spcBef>
+            </a:pPr>
+            <a:r>
+              <a:rPr b="0" lang="en-US" sz="3200" spc="-1" strike="noStrike">
+                <a:solidFill>
+                  <a:srgbClr val="000000"/>
+                </a:solidFill>
+                <a:latin typeface="Noto Sans CJK TC Regular"/>
+                <a:ea typeface="DejaVu Sans"/>
+              </a:rPr>
+              <a:t>ls -ls</a:t>
+            </a:r>
             <a:endParaRPr b="0" lang="en-US" sz="3200" spc="-1" strike="noStrike">
               <a:latin typeface="Arial"/>
             </a:endParaRPr>
@@ -7953,130 +12997,14 @@
       </p:grpSpPr>
       <p:sp>
         <p:nvSpPr>
-          <p:cNvPr id="159" name="TextShape 1"/>
-          <p:cNvSpPr txBox="1"/>
-          <p:nvPr/>
-        </p:nvSpPr>
-        <p:spPr>
-          <a:xfrm>
-            <a:off x="457200" y="273600"/>
-            <a:ext cx="8229240" cy="1144800"/>
-          </a:xfrm>
-          <a:prstGeom prst="rect">
-            <a:avLst/>
-          </a:prstGeom>
-          <a:noFill/>
-          <a:ln>
-            <a:noFill/>
-          </a:ln>
-        </p:spPr>
-        <p:txBody>
-          <a:bodyPr lIns="0" rIns="0" tIns="0" bIns="0" anchor="ctr"/>
-          <a:p>
-            <a:r>
-              <a:rPr b="0" lang="en-US" sz="4400" spc="-1" strike="noStrike">
-                <a:solidFill>
-                  <a:srgbClr val="000000"/>
-                </a:solidFill>
-                <a:latin typeface="Noto Sans CJK TC Regular"/>
-              </a:rPr>
-              <a:t>新增檔案到目錄裡</a:t>
-            </a:r>
-            <a:endParaRPr b="0" lang="en-US" sz="4400" spc="-1" strike="noStrike">
-              <a:latin typeface="Arial"/>
-            </a:endParaRPr>
-          </a:p>
-        </p:txBody>
-      </p:sp>
-      <p:sp>
-        <p:nvSpPr>
-          <p:cNvPr id="160" name="TextShape 2"/>
-          <p:cNvSpPr txBox="1"/>
-          <p:nvPr/>
-        </p:nvSpPr>
-        <p:spPr>
-          <a:xfrm>
-            <a:off x="457200" y="1604520"/>
-            <a:ext cx="8229240" cy="3977280"/>
-          </a:xfrm>
-          <a:prstGeom prst="rect">
-            <a:avLst/>
-          </a:prstGeom>
-          <a:noFill/>
-          <a:ln>
-            <a:noFill/>
-          </a:ln>
-        </p:spPr>
-        <p:txBody>
-          <a:bodyPr lIns="0" rIns="0" tIns="0" bIns="0">
-            <a:normAutofit/>
-          </a:bodyPr>
-          <a:p>
-            <a:endParaRPr b="0" lang="en-US" sz="3200" spc="-1" strike="noStrike">
-              <a:latin typeface="Arial"/>
-            </a:endParaRPr>
-          </a:p>
-        </p:txBody>
-      </p:sp>
-    </p:spTree>
-  </p:cSld>
-  <p:timing>
-    <p:tnLst>
-      <p:par>
-        <p:cTn id="47" dur="indefinite" restart="never" nodeType="tmRoot">
-          <p:childTnLst>
-            <p:seq>
-              <p:cTn id="48" dur="indefinite" nodeType="mainSeq"/>
-              <p:prevCondLst>
-                <p:cond delay="0" evt="onPrev">
-                  <p:tgtEl>
-                    <p:sldTgt/>
-                  </p:tgtEl>
-                </p:cond>
-              </p:prevCondLst>
-              <p:nextCondLst>
-                <p:cond delay="0" evt="onNext">
-                  <p:tgtEl>
-                    <p:sldTgt/>
-                  </p:tgtEl>
-                </p:cond>
-              </p:nextCondLst>
-            </p:seq>
-          </p:childTnLst>
-        </p:cTn>
-      </p:par>
-    </p:tnLst>
-  </p:timing>
-</p:sld>
-</file>
-
-<file path=ppt/slides/slide25.xml><?xml version="1.0" encoding="utf-8"?>
-<p:sld xmlns:a="http://schemas.openxmlformats.org/drawingml/2006/main" xmlns:p="http://schemas.openxmlformats.org/presentationml/2006/main" xmlns:r="http://schemas.openxmlformats.org/officeDocument/2006/relationships" xmlns:p14="http://schemas.microsoft.com/office/powerpoint/2010/main" xmlns:p15="http://schemas.microsoft.com/office/powerpoint/2012/main" xmlns:mc="http://schemas.openxmlformats.org/markup-compatibility/2006">
-  <p:cSld>
-    <p:spTree>
-      <p:nvGrpSpPr>
-        <p:cNvPr id="1" name=""/>
-        <p:cNvGrpSpPr/>
-        <p:nvPr/>
-      </p:nvGrpSpPr>
-      <p:grpSpPr>
-        <a:xfrm>
-          <a:off x="0" y="0"/>
-          <a:ext cx="0" cy="0"/>
-          <a:chOff x="0" y="0"/>
-          <a:chExt cx="0" cy="0"/>
-        </a:xfrm>
-      </p:grpSpPr>
-      <p:sp>
-        <p:nvSpPr>
-          <p:cNvPr id="161" name="CustomShape 1"/>
+          <p:cNvPr id="273" name="CustomShape 1"/>
           <p:cNvSpPr/>
           <p:nvPr/>
         </p:nvSpPr>
         <p:spPr>
           <a:xfrm>
             <a:off x="628560" y="365040"/>
-            <a:ext cx="7886160" cy="1324800"/>
+            <a:ext cx="7885800" cy="1324440"/>
           </a:xfrm>
           <a:prstGeom prst="rect">
             <a:avLst/>
@@ -8106,8 +13034,9 @@
                   <a:srgbClr val="000000"/>
                 </a:solidFill>
                 <a:latin typeface="Noto Sans CJK TC Regular"/>
-              </a:rPr>
-              <a:t>新增檔案</a:t>
+                <a:ea typeface="DejaVu Sans"/>
+              </a:rPr>
+              <a:t>常用的狀態指令</a:t>
             </a:r>
             <a:endParaRPr b="0" lang="en-US" sz="4400" spc="-1" strike="noStrike">
               <a:latin typeface="Arial"/>
@@ -8117,14 +13046,14 @@
       </p:sp>
       <p:sp>
         <p:nvSpPr>
-          <p:cNvPr id="162" name="CustomShape 2"/>
+          <p:cNvPr id="274" name="CustomShape 2"/>
           <p:cNvSpPr/>
           <p:nvPr/>
         </p:nvSpPr>
         <p:spPr>
           <a:xfrm>
             <a:off x="628560" y="1825560"/>
-            <a:ext cx="7886160" cy="4350600"/>
+            <a:ext cx="7885800" cy="4350240"/>
           </a:xfrm>
           <a:prstGeom prst="rect">
             <a:avLst/>
@@ -8145,7 +13074,7 @@
             <a:normAutofit/>
           </a:bodyPr>
           <a:p>
-            <a:pPr marL="228600" indent="-227880">
+            <a:pPr marL="228600" indent="-227520">
               <a:lnSpc>
                 <a:spcPct val="90000"/>
               </a:lnSpc>
@@ -8164,82 +13093,16 @@
                   <a:srgbClr val="000000"/>
                 </a:solidFill>
                 <a:latin typeface="Noto Sans CJK TC Regular"/>
-              </a:rPr>
-              <a:t>複製</a:t>
-            </a:r>
-            <a:r>
-              <a:rPr b="0" lang="en-US" sz="3200" spc="-1" strike="noStrike">
-                <a:solidFill>
-                  <a:srgbClr val="000000"/>
-                </a:solidFill>
-                <a:latin typeface="Noto Sans CJK TC Regular"/>
-              </a:rPr>
-              <a:t>Git</a:t>
-            </a:r>
-            <a:r>
-              <a:rPr b="0" lang="en-US" sz="3200" spc="-1" strike="noStrike">
-                <a:solidFill>
-                  <a:srgbClr val="000000"/>
-                </a:solidFill>
-                <a:latin typeface="Noto Sans CJK TC Regular"/>
-              </a:rPr>
-              <a:t>學習</a:t>
-            </a:r>
-            <a:r>
-              <a:rPr b="0" lang="en-US" sz="3200" spc="-1" strike="noStrike">
-                <a:solidFill>
-                  <a:srgbClr val="000000"/>
-                </a:solidFill>
-                <a:latin typeface="Noto Sans CJK TC Regular"/>
-              </a:rPr>
-              <a:t>30</a:t>
-            </a:r>
-            <a:r>
-              <a:rPr b="0" lang="en-US" sz="3200" spc="-1" strike="noStrike">
-                <a:solidFill>
-                  <a:srgbClr val="000000"/>
-                </a:solidFill>
-                <a:latin typeface="Noto Sans CJK TC Regular"/>
-              </a:rPr>
-              <a:t>天到</a:t>
-            </a:r>
-            <a:r>
-              <a:rPr b="0" lang="en-US" sz="3200" spc="-1" strike="noStrike">
-                <a:solidFill>
-                  <a:srgbClr val="000000"/>
-                </a:solidFill>
-                <a:latin typeface="Noto Sans CJK TC Regular"/>
-              </a:rPr>
-              <a:t>git-demo</a:t>
-            </a:r>
-            <a:endParaRPr b="0" lang="en-US" sz="3200" spc="-1" strike="noStrike">
-              <a:latin typeface="Arial"/>
-            </a:endParaRPr>
-          </a:p>
-          <a:p>
-            <a:pPr>
-              <a:lnSpc>
-                <a:spcPct val="90000"/>
-              </a:lnSpc>
-              <a:spcBef>
-                <a:spcPts val="1001"/>
-              </a:spcBef>
-            </a:pPr>
-            <a:r>
-              <a:rPr b="0" lang="en-US" sz="3200" spc="-1" strike="noStrike">
-                <a:solidFill>
-                  <a:srgbClr val="000000"/>
-                </a:solidFill>
-                <a:latin typeface="Noto Sans CJK TC Regular"/>
-              </a:rPr>
-              <a:t>cp Learn-Git-in-30-days</a:t>
-            </a:r>
-            <a:endParaRPr b="0" lang="en-US" sz="3200" spc="-1" strike="noStrike">
-              <a:latin typeface="Arial"/>
-            </a:endParaRPr>
-          </a:p>
-          <a:p>
-            <a:pPr marL="228600" indent="-227880">
+                <a:ea typeface="DejaVu Sans"/>
+              </a:rPr>
+              <a:t>查看狀態</a:t>
+            </a:r>
+            <a:endParaRPr b="0" lang="en-US" sz="3200" spc="-1" strike="noStrike">
+              <a:latin typeface="Arial"/>
+            </a:endParaRPr>
+          </a:p>
+          <a:p>
+            <a:pPr marL="228600" indent="-227520">
               <a:lnSpc>
                 <a:spcPct val="90000"/>
               </a:lnSpc>
@@ -8258,28 +13121,7 @@
                   <a:srgbClr val="000000"/>
                 </a:solidFill>
                 <a:latin typeface="Noto Sans CJK TC Regular"/>
-              </a:rPr>
-              <a:t>查看狀態</a:t>
-            </a:r>
-            <a:endParaRPr b="0" lang="en-US" sz="3200" spc="-1" strike="noStrike">
-              <a:latin typeface="Arial"/>
-            </a:endParaRPr>
-          </a:p>
-          <a:p>
-            <a:pPr>
-              <a:lnSpc>
-                <a:spcPct val="90000"/>
-              </a:lnSpc>
-              <a:spcBef>
-                <a:spcPts val="1001"/>
-              </a:spcBef>
-            </a:pPr>
-            <a:r>
-              <a:rPr b="0" lang="en-US" sz="3200" spc="-1" strike="noStrike">
-                <a:solidFill>
-                  <a:srgbClr val="000000"/>
-                </a:solidFill>
-                <a:latin typeface="Noto Sans CJK TC Regular"/>
+                <a:ea typeface="DejaVu Sans"/>
               </a:rPr>
               <a:t>git status</a:t>
             </a:r>
@@ -8288,7 +13130,7 @@
             </a:endParaRPr>
           </a:p>
           <a:p>
-            <a:pPr marL="228600" indent="-227880">
+            <a:pPr marL="228600" indent="-227520">
               <a:lnSpc>
                 <a:spcPct val="90000"/>
               </a:lnSpc>
@@ -8307,6 +13149,7 @@
                   <a:srgbClr val="000000"/>
                 </a:solidFill>
                 <a:latin typeface="Noto Sans CJK TC Regular"/>
+                <a:ea typeface="DejaVu Sans"/>
               </a:rPr>
               <a:t>加入到狀態</a:t>
             </a:r>
@@ -8315,7 +13158,7 @@
             </a:endParaRPr>
           </a:p>
           <a:p>
-            <a:pPr marL="228600" indent="-227880">
+            <a:pPr marL="228600" indent="-227520">
               <a:lnSpc>
                 <a:spcPct val="90000"/>
               </a:lnSpc>
@@ -8334,15 +13177,26 @@
                   <a:srgbClr val="000000"/>
                 </a:solidFill>
                 <a:latin typeface="Noto Sans CJK TC Regular"/>
-              </a:rPr>
-              <a:t>git add .</a:t>
-            </a:r>
-            <a:endParaRPr b="0" lang="en-US" sz="3200" spc="-1" strike="noStrike">
-              <a:latin typeface="Arial"/>
-            </a:endParaRPr>
-          </a:p>
-          <a:p>
-            <a:pPr marL="228600" indent="-227880">
+                <a:ea typeface="DejaVu Sans"/>
+              </a:rPr>
+              <a:t>git</a:t>
+            </a:r>
+            <a:r>
+              <a:rPr b="0" lang="en-US" sz="3200" spc="-1" strike="noStrike">
+                <a:solidFill>
+                  <a:srgbClr val="000000"/>
+                </a:solidFill>
+                <a:latin typeface="Noto Sans CJK TC Regular"/>
+                <a:ea typeface="DejaVu Sans"/>
+              </a:rPr>
+              <a:t> add .</a:t>
+            </a:r>
+            <a:endParaRPr b="0" lang="en-US" sz="3200" spc="-1" strike="noStrike">
+              <a:latin typeface="Arial"/>
+            </a:endParaRPr>
+          </a:p>
+          <a:p>
+            <a:pPr marL="228600" indent="-227520">
               <a:lnSpc>
                 <a:spcPct val="90000"/>
               </a:lnSpc>
@@ -8361,6 +13215,7 @@
                   <a:srgbClr val="000000"/>
                 </a:solidFill>
                 <a:latin typeface="Noto Sans CJK TC Regular"/>
+                <a:ea typeface="DejaVu Sans"/>
               </a:rPr>
               <a:t>重設狀態</a:t>
             </a:r>
@@ -8369,13 +13224,18 @@
             </a:endParaRPr>
           </a:p>
           <a:p>
-            <a:pPr>
+            <a:pPr marL="228600" indent="-227520">
               <a:lnSpc>
                 <a:spcPct val="90000"/>
               </a:lnSpc>
               <a:spcBef>
                 <a:spcPts val="1001"/>
               </a:spcBef>
+              <a:buClr>
+                <a:srgbClr val="000000"/>
+              </a:buClr>
+              <a:buFont typeface="Arial"/>
+              <a:buChar char="•"/>
             </a:pPr>
             <a:r>
               <a:rPr b="0" lang="en-US" sz="3200" spc="-1" strike="noStrike">
@@ -8383,6 +13243,7 @@
                   <a:srgbClr val="000000"/>
                 </a:solidFill>
                 <a:latin typeface="Noto Sans CJK TC Regular"/>
+                <a:ea typeface="DejaVu Sans"/>
               </a:rPr>
               <a:t>git reset</a:t>
             </a:r>
@@ -8397,10 +13258,10 @@
   <p:timing>
     <p:tnLst>
       <p:par>
-        <p:cTn id="49" dur="indefinite" restart="never" nodeType="tmRoot">
+        <p:cTn id="47" dur="indefinite" restart="never" nodeType="tmRoot">
           <p:childTnLst>
             <p:seq>
-              <p:cTn id="50" dur="indefinite" nodeType="mainSeq"/>
+              <p:cTn id="48" dur="indefinite" nodeType="mainSeq"/>
               <p:prevCondLst>
                 <p:cond delay="0" evt="onPrev">
                   <p:tgtEl>
@@ -8443,14 +13304,14 @@
       </p:grpSpPr>
       <p:sp>
         <p:nvSpPr>
-          <p:cNvPr id="118" name="CustomShape 1"/>
+          <p:cNvPr id="232" name="CustomShape 1"/>
           <p:cNvSpPr/>
           <p:nvPr/>
         </p:nvSpPr>
         <p:spPr>
           <a:xfrm>
             <a:off x="628560" y="365040"/>
-            <a:ext cx="7886160" cy="1324800"/>
+            <a:ext cx="7885800" cy="1324440"/>
           </a:xfrm>
           <a:prstGeom prst="rect">
             <a:avLst/>
@@ -8492,14 +13353,14 @@
       </p:sp>
       <p:sp>
         <p:nvSpPr>
-          <p:cNvPr id="119" name="CustomShape 2"/>
+          <p:cNvPr id="233" name="CustomShape 2"/>
           <p:cNvSpPr/>
           <p:nvPr/>
         </p:nvSpPr>
         <p:spPr>
           <a:xfrm>
             <a:off x="628560" y="1825560"/>
-            <a:ext cx="7886160" cy="4350600"/>
+            <a:ext cx="7885800" cy="4350240"/>
           </a:xfrm>
           <a:prstGeom prst="rect">
             <a:avLst/>
@@ -8520,7 +13381,7 @@
             <a:normAutofit/>
           </a:bodyPr>
           <a:p>
-            <a:pPr marL="228600" indent="-227880">
+            <a:pPr marL="228600" indent="-227520">
               <a:lnSpc>
                 <a:spcPct val="90000"/>
               </a:lnSpc>
@@ -8588,7 +13449,7 @@
             </a:endParaRPr>
           </a:p>
           <a:p>
-            <a:pPr marL="228600" indent="-227880">
+            <a:pPr marL="228600" indent="-227520">
               <a:lnSpc>
                 <a:spcPct val="90000"/>
               </a:lnSpc>
@@ -8616,7 +13477,7 @@
             </a:endParaRPr>
           </a:p>
           <a:p>
-            <a:pPr marL="228600" indent="-227880">
+            <a:pPr marL="228600" indent="-227520">
               <a:lnSpc>
                 <a:spcPct val="90000"/>
               </a:lnSpc>
@@ -8696,14 +13557,14 @@
       </p:grpSpPr>
       <p:sp>
         <p:nvSpPr>
-          <p:cNvPr id="120" name="TextShape 1"/>
-          <p:cNvSpPr txBox="1"/>
+          <p:cNvPr id="234" name="CustomShape 1"/>
+          <p:cNvSpPr/>
           <p:nvPr/>
         </p:nvSpPr>
         <p:spPr>
           <a:xfrm>
             <a:off x="457200" y="273600"/>
-            <a:ext cx="8229240" cy="5307840"/>
+            <a:ext cx="8228880" cy="5307480"/>
           </a:xfrm>
           <a:prstGeom prst="rect">
             <a:avLst/>
@@ -8713,10 +13574,20 @@
             <a:noFill/>
           </a:ln>
         </p:spPr>
+        <p:style>
+          <a:lnRef idx="0"/>
+          <a:fillRef idx="0"/>
+          <a:effectRef idx="0"/>
+          <a:fontRef idx="minor"/>
+        </p:style>
         <p:txBody>
           <a:bodyPr lIns="0" rIns="0" tIns="0" bIns="0" anchor="ctr"/>
           <a:p>
-            <a:pPr algn="ctr"/>
+            <a:pPr algn="ctr">
+              <a:lnSpc>
+                <a:spcPct val="100000"/>
+              </a:lnSpc>
+            </a:pPr>
             <a:r>
               <a:rPr b="0" lang="en-US" sz="4400" spc="-1" strike="noStrike">
                 <a:solidFill>
@@ -8794,14 +13665,14 @@
       </p:grpSpPr>
       <p:sp>
         <p:nvSpPr>
-          <p:cNvPr id="121" name="TextShape 1"/>
-          <p:cNvSpPr txBox="1"/>
+          <p:cNvPr id="235" name="CustomShape 1"/>
+          <p:cNvSpPr/>
           <p:nvPr/>
         </p:nvSpPr>
         <p:spPr>
           <a:xfrm>
             <a:off x="457200" y="1604520"/>
-            <a:ext cx="8229240" cy="3977280"/>
+            <a:ext cx="8228880" cy="3976920"/>
           </a:xfrm>
           <a:prstGeom prst="rect">
             <a:avLst/>
@@ -8811,12 +13682,21 @@
             <a:noFill/>
           </a:ln>
         </p:spPr>
+        <p:style>
+          <a:lnRef idx="0"/>
+          <a:fillRef idx="0"/>
+          <a:effectRef idx="0"/>
+          <a:fontRef idx="minor"/>
+        </p:style>
         <p:txBody>
           <a:bodyPr lIns="0" rIns="0" tIns="0" bIns="0">
             <a:normAutofit/>
           </a:bodyPr>
           <a:p>
-            <a:pPr marL="432000" indent="-324000">
+            <a:pPr marL="432000" indent="-323640">
+              <a:lnSpc>
+                <a:spcPct val="100000"/>
+              </a:lnSpc>
               <a:spcBef>
                 <a:spcPts val="1417"/>
               </a:spcBef>
@@ -8842,7 +13722,10 @@
             </a:endParaRPr>
           </a:p>
           <a:p>
-            <a:pPr marL="432000" indent="-324000">
+            <a:pPr marL="432000" indent="-323640">
+              <a:lnSpc>
+                <a:spcPct val="100000"/>
+              </a:lnSpc>
               <a:spcBef>
                 <a:spcPts val="1417"/>
               </a:spcBef>
@@ -8868,7 +13751,10 @@
             </a:endParaRPr>
           </a:p>
           <a:p>
-            <a:pPr marL="432000" indent="-324000">
+            <a:pPr marL="432000" indent="-323640">
+              <a:lnSpc>
+                <a:spcPct val="100000"/>
+              </a:lnSpc>
               <a:spcBef>
                 <a:spcPts val="1417"/>
               </a:spcBef>
@@ -8894,7 +13780,10 @@
             </a:endParaRPr>
           </a:p>
           <a:p>
-            <a:pPr marL="432000" indent="-324000">
+            <a:pPr marL="432000" indent="-323640">
+              <a:lnSpc>
+                <a:spcPct val="100000"/>
+              </a:lnSpc>
               <a:spcBef>
                 <a:spcPts val="1417"/>
               </a:spcBef>
@@ -8920,7 +13809,10 @@
             </a:endParaRPr>
           </a:p>
           <a:p>
-            <a:pPr marL="432000" indent="-324000">
+            <a:pPr marL="432000" indent="-323640">
+              <a:lnSpc>
+                <a:spcPct val="100000"/>
+              </a:lnSpc>
               <a:spcBef>
                 <a:spcPts val="1417"/>
               </a:spcBef>
@@ -8949,14 +13841,14 @@
       </p:sp>
       <p:sp>
         <p:nvSpPr>
-          <p:cNvPr id="122" name="TextShape 2"/>
-          <p:cNvSpPr txBox="1"/>
+          <p:cNvPr id="236" name="CustomShape 2"/>
+          <p:cNvSpPr/>
           <p:nvPr/>
         </p:nvSpPr>
         <p:spPr>
           <a:xfrm>
             <a:off x="457200" y="273600"/>
-            <a:ext cx="8229240" cy="1144800"/>
+            <a:ext cx="8228880" cy="1144440"/>
           </a:xfrm>
           <a:prstGeom prst="rect">
             <a:avLst/>
@@ -8966,9 +13858,20 @@
             <a:noFill/>
           </a:ln>
         </p:spPr>
+        <p:style>
+          <a:lnRef idx="0"/>
+          <a:fillRef idx="0"/>
+          <a:effectRef idx="0"/>
+          <a:fontRef idx="minor"/>
+        </p:style>
         <p:txBody>
           <a:bodyPr lIns="0" rIns="0" tIns="0" bIns="0" anchor="ctr"/>
           <a:p>
+            <a:pPr>
+              <a:lnSpc>
+                <a:spcPct val="100000"/>
+              </a:lnSpc>
+            </a:pPr>
             <a:r>
               <a:rPr b="0" lang="en-US" sz="4400" spc="-1" strike="noStrike">
                 <a:latin typeface="Arial"/>
@@ -9032,14 +13935,14 @@
       </p:grpSpPr>
       <p:sp>
         <p:nvSpPr>
-          <p:cNvPr id="123" name="CustomShape 1"/>
+          <p:cNvPr id="237" name="CustomShape 1"/>
           <p:cNvSpPr/>
           <p:nvPr/>
         </p:nvSpPr>
         <p:spPr>
           <a:xfrm>
             <a:off x="628560" y="365040"/>
-            <a:ext cx="7886160" cy="1324800"/>
+            <a:ext cx="7885800" cy="1324440"/>
           </a:xfrm>
           <a:prstGeom prst="rect">
             <a:avLst/>
@@ -9069,6 +13972,7 @@
                   <a:srgbClr val="000000"/>
                 </a:solidFill>
                 <a:latin typeface="Noto Sans CJK TC Regular"/>
+                <a:ea typeface="DejaVu Sans"/>
               </a:rPr>
               <a:t>目的</a:t>
             </a:r>
@@ -9080,14 +13984,14 @@
       </p:sp>
       <p:sp>
         <p:nvSpPr>
-          <p:cNvPr id="124" name="CustomShape 2"/>
+          <p:cNvPr id="238" name="CustomShape 2"/>
           <p:cNvSpPr/>
           <p:nvPr/>
         </p:nvSpPr>
         <p:spPr>
           <a:xfrm>
             <a:off x="628560" y="1825560"/>
-            <a:ext cx="7886160" cy="4350600"/>
+            <a:ext cx="7885800" cy="4350240"/>
           </a:xfrm>
           <a:prstGeom prst="rect">
             <a:avLst/>
@@ -9108,7 +14012,7 @@
             <a:normAutofit/>
           </a:bodyPr>
           <a:p>
-            <a:pPr marL="228600" indent="-227880">
+            <a:pPr marL="228600" indent="-227520">
               <a:lnSpc>
                 <a:spcPct val="90000"/>
               </a:lnSpc>
@@ -9127,6 +14031,7 @@
                   <a:srgbClr val="000000"/>
                 </a:solidFill>
                 <a:latin typeface="Noto Sans CJK TC Regular"/>
+                <a:ea typeface="DejaVu Sans"/>
               </a:rPr>
               <a:t>認識</a:t>
             </a:r>
@@ -9136,6 +14041,7 @@
                   <a:srgbClr val="000000"/>
                 </a:solidFill>
                 <a:latin typeface="Noto Sans CJK TC Regular"/>
+                <a:ea typeface="DejaVu Sans"/>
               </a:rPr>
               <a:t>Git</a:t>
             </a:r>
@@ -9144,7 +14050,7 @@
             </a:endParaRPr>
           </a:p>
           <a:p>
-            <a:pPr marL="228600" indent="-227880">
+            <a:pPr marL="228600" indent="-227520">
               <a:lnSpc>
                 <a:spcPct val="90000"/>
               </a:lnSpc>
@@ -9163,6 +14069,7 @@
                   <a:srgbClr val="000000"/>
                 </a:solidFill>
                 <a:latin typeface="Noto Sans CJK TC Regular"/>
+                <a:ea typeface="DejaVu Sans"/>
               </a:rPr>
               <a:t>學習觀念</a:t>
             </a:r>
@@ -9171,7 +14078,7 @@
             </a:endParaRPr>
           </a:p>
           <a:p>
-            <a:pPr marL="228600" indent="-227880">
+            <a:pPr marL="228600" indent="-227520">
               <a:lnSpc>
                 <a:spcPct val="90000"/>
               </a:lnSpc>
@@ -9190,6 +14097,7 @@
                   <a:srgbClr val="000000"/>
                 </a:solidFill>
                 <a:latin typeface="Noto Sans CJK TC Regular"/>
+                <a:ea typeface="DejaVu Sans"/>
               </a:rPr>
               <a:t>探討概念與細節</a:t>
             </a:r>
@@ -9198,7 +14106,7 @@
             </a:endParaRPr>
           </a:p>
           <a:p>
-            <a:pPr marL="228600" indent="-227880">
+            <a:pPr marL="228600" indent="-227520">
               <a:lnSpc>
                 <a:spcPct val="90000"/>
               </a:lnSpc>
@@ -9226,7 +14134,7 @@
             </a:endParaRPr>
           </a:p>
           <a:p>
-            <a:pPr marL="228600" indent="-227880">
+            <a:pPr marL="228600" indent="-227520">
               <a:lnSpc>
                 <a:spcPct val="90000"/>
               </a:lnSpc>
@@ -9245,6 +14153,7 @@
                   <a:srgbClr val="000000"/>
                 </a:solidFill>
                 <a:latin typeface="Noto Sans CJK TC Regular"/>
+                <a:ea typeface="DejaVu Sans"/>
               </a:rPr>
               <a:t>熟練於實務開發工作</a:t>
             </a:r>
@@ -9318,14 +14227,14 @@
       </p:grpSpPr>
       <p:sp>
         <p:nvSpPr>
-          <p:cNvPr id="125" name="CustomShape 1"/>
+          <p:cNvPr id="239" name="CustomShape 1"/>
           <p:cNvSpPr/>
           <p:nvPr/>
         </p:nvSpPr>
         <p:spPr>
           <a:xfrm>
             <a:off x="628560" y="365040"/>
-            <a:ext cx="7886160" cy="1324800"/>
+            <a:ext cx="7885800" cy="1324440"/>
           </a:xfrm>
           <a:prstGeom prst="rect">
             <a:avLst/>
@@ -9355,6 +14264,7 @@
                   <a:srgbClr val="000000"/>
                 </a:solidFill>
                 <a:latin typeface="Noto Sans CJK TC Regular"/>
+                <a:ea typeface="DejaVu Sans"/>
               </a:rPr>
               <a:t>從</a:t>
             </a:r>
@@ -9364,6 +14274,7 @@
                   <a:srgbClr val="000000"/>
                 </a:solidFill>
                 <a:latin typeface="Noto Sans CJK TC Regular"/>
+                <a:ea typeface="DejaVu Sans"/>
               </a:rPr>
               <a:t>30</a:t>
             </a:r>
@@ -9373,6 +14284,7 @@
                   <a:srgbClr val="000000"/>
                 </a:solidFill>
                 <a:latin typeface="Noto Sans CJK TC Regular"/>
+                <a:ea typeface="DejaVu Sans"/>
               </a:rPr>
               <a:t>天中學到</a:t>
             </a:r>
@@ -9384,14 +14296,14 @@
       </p:sp>
       <p:sp>
         <p:nvSpPr>
-          <p:cNvPr id="126" name="CustomShape 2"/>
+          <p:cNvPr id="240" name="CustomShape 2"/>
           <p:cNvSpPr/>
           <p:nvPr/>
         </p:nvSpPr>
         <p:spPr>
           <a:xfrm>
             <a:off x="628560" y="1825560"/>
-            <a:ext cx="7886160" cy="4350600"/>
+            <a:ext cx="7885800" cy="4350240"/>
           </a:xfrm>
           <a:prstGeom prst="rect">
             <a:avLst/>
@@ -9412,7 +14324,7 @@
             <a:normAutofit/>
           </a:bodyPr>
           <a:p>
-            <a:pPr marL="228600" indent="-227880">
+            <a:pPr marL="228600" indent="-227520">
               <a:lnSpc>
                 <a:spcPct val="90000"/>
               </a:lnSpc>
@@ -9431,6 +14343,7 @@
                   <a:srgbClr val="000000"/>
                 </a:solidFill>
                 <a:latin typeface="Noto Sans CJK TC Regular"/>
+                <a:ea typeface="DejaVu Sans"/>
               </a:rPr>
               <a:t>擁有</a:t>
             </a:r>
@@ -9440,6 +14353,7 @@
                   <a:srgbClr val="000000"/>
                 </a:solidFill>
                 <a:latin typeface="Noto Sans CJK TC Regular"/>
+                <a:ea typeface="DejaVu Sans"/>
               </a:rPr>
               <a:t>Git</a:t>
             </a:r>
@@ -9449,6 +14363,7 @@
                   <a:srgbClr val="000000"/>
                 </a:solidFill>
                 <a:latin typeface="Noto Sans CJK TC Regular"/>
+                <a:ea typeface="DejaVu Sans"/>
               </a:rPr>
               <a:t>觀念</a:t>
             </a:r>
@@ -9457,7 +14372,7 @@
             </a:endParaRPr>
           </a:p>
           <a:p>
-            <a:pPr marL="228600" indent="-227880">
+            <a:pPr marL="228600" indent="-227520">
               <a:lnSpc>
                 <a:spcPct val="90000"/>
               </a:lnSpc>
@@ -9476,6 +14391,7 @@
                   <a:srgbClr val="000000"/>
                 </a:solidFill>
                 <a:latin typeface="Noto Sans CJK TC Regular"/>
+                <a:ea typeface="DejaVu Sans"/>
               </a:rPr>
               <a:t>了解合併與分支</a:t>
             </a:r>
@@ -9484,7 +14400,7 @@
             </a:endParaRPr>
           </a:p>
           <a:p>
-            <a:pPr marL="228600" indent="-227880">
+            <a:pPr marL="228600" indent="-227520">
               <a:lnSpc>
                 <a:spcPct val="90000"/>
               </a:lnSpc>
@@ -9503,6 +14419,7 @@
                   <a:srgbClr val="000000"/>
                 </a:solidFill>
                 <a:latin typeface="Noto Sans CJK TC Regular"/>
+                <a:ea typeface="DejaVu Sans"/>
               </a:rPr>
               <a:t>解決衝突</a:t>
             </a:r>
@@ -9563,14 +14480,14 @@
       </p:grpSpPr>
       <p:sp>
         <p:nvSpPr>
-          <p:cNvPr id="127" name="CustomShape 1"/>
+          <p:cNvPr id="241" name="CustomShape 1"/>
           <p:cNvSpPr/>
           <p:nvPr/>
         </p:nvSpPr>
         <p:spPr>
           <a:xfrm>
             <a:off x="628560" y="365040"/>
-            <a:ext cx="7886160" cy="1324800"/>
+            <a:ext cx="7885800" cy="1324440"/>
           </a:xfrm>
           <a:prstGeom prst="rect">
             <a:avLst/>
@@ -9600,6 +14517,7 @@
                   <a:srgbClr val="000000"/>
                 </a:solidFill>
                 <a:latin typeface="Noto Sans CJK TC Regular"/>
+                <a:ea typeface="DejaVu Sans"/>
               </a:rPr>
               <a:t>如何學習</a:t>
             </a:r>
@@ -9611,14 +14529,14 @@
       </p:sp>
       <p:sp>
         <p:nvSpPr>
-          <p:cNvPr id="128" name="CustomShape 2"/>
+          <p:cNvPr id="242" name="CustomShape 2"/>
           <p:cNvSpPr/>
           <p:nvPr/>
         </p:nvSpPr>
         <p:spPr>
           <a:xfrm>
             <a:off x="628560" y="1825560"/>
-            <a:ext cx="7886160" cy="4350600"/>
+            <a:ext cx="7885800" cy="4350240"/>
           </a:xfrm>
           <a:prstGeom prst="rect">
             <a:avLst/>
@@ -9639,7 +14557,7 @@
             <a:normAutofit/>
           </a:bodyPr>
           <a:p>
-            <a:pPr marL="228600" indent="-227880">
+            <a:pPr marL="228600" indent="-227520">
               <a:lnSpc>
                 <a:spcPct val="90000"/>
               </a:lnSpc>
@@ -9658,6 +14576,7 @@
                   <a:srgbClr val="000000"/>
                 </a:solidFill>
                 <a:latin typeface="Noto Sans CJK TC Regular"/>
+                <a:ea typeface="DejaVu Sans"/>
               </a:rPr>
               <a:t>擁有</a:t>
             </a:r>
@@ -9667,6 +14586,7 @@
                   <a:srgbClr val="000000"/>
                 </a:solidFill>
                 <a:latin typeface="Noto Sans CJK TC Regular"/>
+                <a:ea typeface="DejaVu Sans"/>
               </a:rPr>
               <a:t>Git</a:t>
             </a:r>
@@ -9676,6 +14596,7 @@
                   <a:srgbClr val="000000"/>
                 </a:solidFill>
                 <a:latin typeface="Noto Sans CJK TC Regular"/>
+                <a:ea typeface="DejaVu Sans"/>
               </a:rPr>
               <a:t>觀念</a:t>
             </a:r>
@@ -9685,6 +14606,7 @@
                   <a:srgbClr val="000000"/>
                 </a:solidFill>
                 <a:latin typeface="Noto Sans CJK TC Regular"/>
+                <a:ea typeface="DejaVu Sans"/>
               </a:rPr>
               <a:t>-</a:t>
             </a:r>
@@ -9694,6 +14616,7 @@
                   <a:srgbClr val="000000"/>
                 </a:solidFill>
                 <a:latin typeface="Noto Sans CJK TC Regular"/>
+                <a:ea typeface="DejaVu Sans"/>
               </a:rPr>
               <a:t>透過指令</a:t>
             </a:r>
@@ -9702,7 +14625,7 @@
             </a:endParaRPr>
           </a:p>
           <a:p>
-            <a:pPr marL="228600" indent="-227880">
+            <a:pPr marL="228600" indent="-227520">
               <a:lnSpc>
                 <a:spcPct val="90000"/>
               </a:lnSpc>
@@ -9721,6 +14644,7 @@
                   <a:srgbClr val="000000"/>
                 </a:solidFill>
                 <a:latin typeface="Noto Sans CJK TC Regular"/>
+                <a:ea typeface="DejaVu Sans"/>
               </a:rPr>
               <a:t>使用</a:t>
             </a:r>
@@ -9730,6 +14654,7 @@
                   <a:srgbClr val="000000"/>
                 </a:solidFill>
                 <a:latin typeface="Noto Sans CJK TC Regular"/>
+                <a:ea typeface="DejaVu Sans"/>
               </a:rPr>
               <a:t>GUI</a:t>
             </a:r>
@@ -9739,6 +14664,7 @@
                   <a:srgbClr val="000000"/>
                 </a:solidFill>
                 <a:latin typeface="Noto Sans CJK TC Regular"/>
+                <a:ea typeface="DejaVu Sans"/>
               </a:rPr>
               <a:t>工具</a:t>
             </a:r>
@@ -9747,7 +14673,7 @@
             </a:endParaRPr>
           </a:p>
           <a:p>
-            <a:pPr marL="228600" indent="-227880">
+            <a:pPr marL="228600" indent="-227520">
               <a:lnSpc>
                 <a:spcPct val="90000"/>
               </a:lnSpc>
@@ -9766,6 +14692,7 @@
                   <a:srgbClr val="000000"/>
                 </a:solidFill>
                 <a:latin typeface="Noto Sans CJK TC Regular"/>
+                <a:ea typeface="DejaVu Sans"/>
               </a:rPr>
               <a:t>多人一起學</a:t>
             </a:r>
@@ -9774,7 +14701,7 @@
             </a:endParaRPr>
           </a:p>
           <a:p>
-            <a:pPr marL="228600" indent="-227880">
+            <a:pPr marL="228600" indent="-227520">
               <a:lnSpc>
                 <a:spcPct val="90000"/>
               </a:lnSpc>
@@ -9793,6 +14720,7 @@
                   <a:srgbClr val="000000"/>
                 </a:solidFill>
                 <a:latin typeface="Noto Sans CJK TC Regular"/>
+                <a:ea typeface="DejaVu Sans"/>
               </a:rPr>
               <a:t>實際使用</a:t>
             </a:r>
@@ -9801,7 +14729,7 @@
             </a:endParaRPr>
           </a:p>
           <a:p>
-            <a:pPr marL="228600" indent="-227880">
+            <a:pPr marL="228600" indent="-227520">
               <a:lnSpc>
                 <a:spcPct val="90000"/>
               </a:lnSpc>
@@ -9820,6 +14748,7 @@
                   <a:srgbClr val="000000"/>
                 </a:solidFill>
                 <a:latin typeface="Noto Sans CJK TC Regular"/>
+                <a:ea typeface="DejaVu Sans"/>
               </a:rPr>
               <a:t>有先遣隊</a:t>
             </a:r>
@@ -9880,14 +14809,14 @@
       </p:grpSpPr>
       <p:sp>
         <p:nvSpPr>
-          <p:cNvPr id="129" name="CustomShape 1"/>
+          <p:cNvPr id="243" name="CustomShape 1"/>
           <p:cNvSpPr/>
           <p:nvPr/>
         </p:nvSpPr>
         <p:spPr>
           <a:xfrm>
             <a:off x="628560" y="365040"/>
-            <a:ext cx="7886160" cy="1324800"/>
+            <a:ext cx="7885800" cy="1324440"/>
           </a:xfrm>
           <a:prstGeom prst="rect">
             <a:avLst/>
@@ -9917,6 +14846,7 @@
                   <a:srgbClr val="000000"/>
                 </a:solidFill>
                 <a:latin typeface="Noto Sans CJK TC Regular"/>
+                <a:ea typeface="DejaVu Sans"/>
               </a:rPr>
               <a:t>歷史</a:t>
             </a:r>
@@ -9928,14 +14858,14 @@
       </p:sp>
       <p:sp>
         <p:nvSpPr>
-          <p:cNvPr id="130" name="CustomShape 2"/>
+          <p:cNvPr id="244" name="CustomShape 2"/>
           <p:cNvSpPr/>
           <p:nvPr/>
         </p:nvSpPr>
         <p:spPr>
           <a:xfrm>
             <a:off x="628560" y="1825560"/>
-            <a:ext cx="7886160" cy="4350600"/>
+            <a:ext cx="7885800" cy="4350240"/>
           </a:xfrm>
           <a:prstGeom prst="rect">
             <a:avLst/>
@@ -10651,4 +15581,673 @@
     </a:fmtScheme>
   </a:themeElements>
 </a:theme>
+</file>
+
+<file path=ppt/theme/theme4.xml><?xml version="1.0" encoding="utf-8"?>
+<a:theme xmlns:a="http://schemas.openxmlformats.org/drawingml/2006/main" name="Office Theme">
+  <a:themeElements>
+    <a:clrScheme name="Office">
+      <a:dk1>
+        <a:sysClr val="windowText" lastClr="000000"/>
+      </a:dk1>
+      <a:lt1>
+        <a:sysClr val="window" lastClr="FFFFFF"/>
+      </a:lt1>
+      <a:dk2>
+        <a:srgbClr val="44546a"/>
+      </a:dk2>
+      <a:lt2>
+        <a:srgbClr val="e7e6e6"/>
+      </a:lt2>
+      <a:accent1>
+        <a:srgbClr val="5b9bd5"/>
+      </a:accent1>
+      <a:accent2>
+        <a:srgbClr val="ed7d31"/>
+      </a:accent2>
+      <a:accent3>
+        <a:srgbClr val="a5a5a5"/>
+      </a:accent3>
+      <a:accent4>
+        <a:srgbClr val="ffc000"/>
+      </a:accent4>
+      <a:accent5>
+        <a:srgbClr val="4472c4"/>
+      </a:accent5>
+      <a:accent6>
+        <a:srgbClr val="70ad47"/>
+      </a:accent6>
+      <a:hlink>
+        <a:srgbClr val="0563c1"/>
+      </a:hlink>
+      <a:folHlink>
+        <a:srgbClr val="954f72"/>
+      </a:folHlink>
+    </a:clrScheme>
+    <a:fontScheme name="Office">
+      <a:majorFont>
+        <a:latin typeface="Arial"/>
+        <a:ea typeface="DejaVu Sans"/>
+        <a:cs typeface="DejaVu Sans"/>
+      </a:majorFont>
+      <a:minorFont>
+        <a:latin typeface="Arial"/>
+        <a:ea typeface="DejaVu Sans"/>
+        <a:cs typeface="DejaVu Sans"/>
+      </a:minorFont>
+    </a:fontScheme>
+    <a:fmtScheme name="Office">
+      <a:fillStyleLst>
+        <a:solidFill>
+          <a:schemeClr val="phClr"/>
+        </a:solidFill>
+        <a:gradFill rotWithShape="1">
+          <a:gsLst>
+            <a:gs pos="0">
+              <a:schemeClr val="phClr">
+                <a:tint val="50000"/>
+                <a:satMod val="300000"/>
+              </a:schemeClr>
+            </a:gs>
+            <a:gs pos="35000">
+              <a:schemeClr val="phClr">
+                <a:tint val="37000"/>
+                <a:satMod val="300000"/>
+              </a:schemeClr>
+            </a:gs>
+            <a:gs pos="100000">
+              <a:schemeClr val="phClr">
+                <a:tint val="15000"/>
+                <a:satMod val="350000"/>
+              </a:schemeClr>
+            </a:gs>
+          </a:gsLst>
+          <a:lin ang="16200000" scaled="1"/>
+        </a:gradFill>
+        <a:gradFill rotWithShape="1">
+          <a:gsLst>
+            <a:gs pos="0">
+              <a:schemeClr val="phClr">
+                <a:shade val="51000"/>
+                <a:satMod val="130000"/>
+              </a:schemeClr>
+            </a:gs>
+            <a:gs pos="80000">
+              <a:schemeClr val="phClr">
+                <a:shade val="93000"/>
+                <a:satMod val="130000"/>
+              </a:schemeClr>
+            </a:gs>
+            <a:gs pos="100000">
+              <a:schemeClr val="phClr">
+                <a:shade val="94000"/>
+                <a:satMod val="135000"/>
+              </a:schemeClr>
+            </a:gs>
+          </a:gsLst>
+          <a:lin ang="16200000" scaled="0"/>
+        </a:gradFill>
+      </a:fillStyleLst>
+      <a:lnStyleLst>
+        <a:ln w="9525" cap="flat" cmpd="sng" algn="ctr">
+          <a:solidFill>
+            <a:schemeClr val="phClr">
+              <a:shade val="95000"/>
+              <a:satMod val="105000"/>
+            </a:schemeClr>
+          </a:solidFill>
+          <a:prstDash val="solid"/>
+        </a:ln>
+        <a:ln w="25400" cap="flat" cmpd="sng" algn="ctr">
+          <a:solidFill>
+            <a:schemeClr val="phClr"/>
+          </a:solidFill>
+          <a:prstDash val="solid"/>
+        </a:ln>
+        <a:ln w="38100" cap="flat" cmpd="sng" algn="ctr">
+          <a:solidFill>
+            <a:schemeClr val="phClr"/>
+          </a:solidFill>
+          <a:prstDash val="solid"/>
+        </a:ln>
+      </a:lnStyleLst>
+      <a:effectStyleLst>
+        <a:effectStyle>
+          <a:effectLst>
+            <a:outerShdw blurRad="40000" dist="20000" dir="5400000" rotWithShape="0">
+              <a:srgbClr val="000000">
+                <a:alpha val="38000"/>
+              </a:srgbClr>
+            </a:outerShdw>
+          </a:effectLst>
+        </a:effectStyle>
+        <a:effectStyle>
+          <a:effectLst>
+            <a:outerShdw blurRad="40000" dist="23000" dir="5400000" rotWithShape="0">
+              <a:srgbClr val="000000">
+                <a:alpha val="35000"/>
+              </a:srgbClr>
+            </a:outerShdw>
+          </a:effectLst>
+        </a:effectStyle>
+        <a:effectStyle>
+          <a:effectLst>
+            <a:outerShdw blurRad="40000" dist="23000" dir="5400000" rotWithShape="0">
+              <a:srgbClr val="000000">
+                <a:alpha val="35000"/>
+              </a:srgbClr>
+            </a:outerShdw>
+          </a:effectLst>
+          <a:scene3d>
+            <a:camera prst="orthographicFront">
+              <a:rot lat="0" lon="0" rev="0"/>
+            </a:camera>
+            <a:lightRig rig="threePt" dir="t">
+              <a:rot lat="0" lon="0" rev="1200000"/>
+            </a:lightRig>
+          </a:scene3d>
+          <a:sp3d>
+            <a:bevelT w="63500" h="25400"/>
+          </a:sp3d>
+        </a:effectStyle>
+      </a:effectStyleLst>
+      <a:bgFillStyleLst>
+        <a:solidFill>
+          <a:schemeClr val="phClr"/>
+        </a:solidFill>
+        <a:gradFill rotWithShape="1">
+          <a:gsLst>
+            <a:gs pos="0">
+              <a:schemeClr val="phClr">
+                <a:tint val="40000"/>
+                <a:satMod val="350000"/>
+              </a:schemeClr>
+            </a:gs>
+            <a:gs pos="40000">
+              <a:schemeClr val="phClr">
+                <a:tint val="45000"/>
+                <a:shade val="99000"/>
+                <a:satMod val="350000"/>
+              </a:schemeClr>
+            </a:gs>
+            <a:gs pos="100000">
+              <a:schemeClr val="phClr">
+                <a:shade val="20000"/>
+                <a:satMod val="255000"/>
+              </a:schemeClr>
+            </a:gs>
+          </a:gsLst>
+          <a:path path="circle">
+            <a:fillToRect l="50000" t="-80000" r="50000" b="180000"/>
+          </a:path>
+        </a:gradFill>
+        <a:gradFill rotWithShape="1">
+          <a:gsLst>
+            <a:gs pos="0">
+              <a:schemeClr val="phClr">
+                <a:tint val="80000"/>
+                <a:satMod val="300000"/>
+              </a:schemeClr>
+            </a:gs>
+            <a:gs pos="100000">
+              <a:schemeClr val="phClr">
+                <a:shade val="30000"/>
+                <a:satMod val="200000"/>
+              </a:schemeClr>
+            </a:gs>
+          </a:gsLst>
+          <a:path path="circle">
+            <a:fillToRect l="50000" t="50000" r="50000" b="50000"/>
+          </a:path>
+        </a:gradFill>
+      </a:bgFillStyleLst>
+    </a:fmtScheme>
+  </a:themeElements>
+</a:theme>
+</file>
+
+<file path=ppt/theme/theme5.xml><?xml version="1.0" encoding="utf-8"?>
+<a:theme xmlns:a="http://schemas.openxmlformats.org/drawingml/2006/main" name="Office Theme">
+  <a:themeElements>
+    <a:clrScheme name="Office">
+      <a:dk1>
+        <a:sysClr val="windowText" lastClr="000000"/>
+      </a:dk1>
+      <a:lt1>
+        <a:sysClr val="window" lastClr="FFFFFF"/>
+      </a:lt1>
+      <a:dk2>
+        <a:srgbClr val="44546a"/>
+      </a:dk2>
+      <a:lt2>
+        <a:srgbClr val="e7e6e6"/>
+      </a:lt2>
+      <a:accent1>
+        <a:srgbClr val="5b9bd5"/>
+      </a:accent1>
+      <a:accent2>
+        <a:srgbClr val="ed7d31"/>
+      </a:accent2>
+      <a:accent3>
+        <a:srgbClr val="a5a5a5"/>
+      </a:accent3>
+      <a:accent4>
+        <a:srgbClr val="ffc000"/>
+      </a:accent4>
+      <a:accent5>
+        <a:srgbClr val="4472c4"/>
+      </a:accent5>
+      <a:accent6>
+        <a:srgbClr val="70ad47"/>
+      </a:accent6>
+      <a:hlink>
+        <a:srgbClr val="0563c1"/>
+      </a:hlink>
+      <a:folHlink>
+        <a:srgbClr val="954f72"/>
+      </a:folHlink>
+    </a:clrScheme>
+    <a:fontScheme name="Office">
+      <a:majorFont>
+        <a:latin typeface="Arial"/>
+        <a:ea typeface="DejaVu Sans"/>
+        <a:cs typeface="DejaVu Sans"/>
+      </a:majorFont>
+      <a:minorFont>
+        <a:latin typeface="Arial"/>
+        <a:ea typeface="DejaVu Sans"/>
+        <a:cs typeface="DejaVu Sans"/>
+      </a:minorFont>
+    </a:fontScheme>
+    <a:fmtScheme name="Office">
+      <a:fillStyleLst>
+        <a:solidFill>
+          <a:schemeClr val="phClr"/>
+        </a:solidFill>
+        <a:gradFill rotWithShape="1">
+          <a:gsLst>
+            <a:gs pos="0">
+              <a:schemeClr val="phClr">
+                <a:tint val="50000"/>
+                <a:satMod val="300000"/>
+              </a:schemeClr>
+            </a:gs>
+            <a:gs pos="35000">
+              <a:schemeClr val="phClr">
+                <a:tint val="37000"/>
+                <a:satMod val="300000"/>
+              </a:schemeClr>
+            </a:gs>
+            <a:gs pos="100000">
+              <a:schemeClr val="phClr">
+                <a:tint val="15000"/>
+                <a:satMod val="350000"/>
+              </a:schemeClr>
+            </a:gs>
+          </a:gsLst>
+          <a:lin ang="16200000" scaled="1"/>
+        </a:gradFill>
+        <a:gradFill rotWithShape="1">
+          <a:gsLst>
+            <a:gs pos="0">
+              <a:schemeClr val="phClr">
+                <a:shade val="51000"/>
+                <a:satMod val="130000"/>
+              </a:schemeClr>
+            </a:gs>
+            <a:gs pos="80000">
+              <a:schemeClr val="phClr">
+                <a:shade val="93000"/>
+                <a:satMod val="130000"/>
+              </a:schemeClr>
+            </a:gs>
+            <a:gs pos="100000">
+              <a:schemeClr val="phClr">
+                <a:shade val="94000"/>
+                <a:satMod val="135000"/>
+              </a:schemeClr>
+            </a:gs>
+          </a:gsLst>
+          <a:lin ang="16200000" scaled="0"/>
+        </a:gradFill>
+      </a:fillStyleLst>
+      <a:lnStyleLst>
+        <a:ln w="9525" cap="flat" cmpd="sng" algn="ctr">
+          <a:solidFill>
+            <a:schemeClr val="phClr">
+              <a:shade val="95000"/>
+              <a:satMod val="105000"/>
+            </a:schemeClr>
+          </a:solidFill>
+          <a:prstDash val="solid"/>
+        </a:ln>
+        <a:ln w="25400" cap="flat" cmpd="sng" algn="ctr">
+          <a:solidFill>
+            <a:schemeClr val="phClr"/>
+          </a:solidFill>
+          <a:prstDash val="solid"/>
+        </a:ln>
+        <a:ln w="38100" cap="flat" cmpd="sng" algn="ctr">
+          <a:solidFill>
+            <a:schemeClr val="phClr"/>
+          </a:solidFill>
+          <a:prstDash val="solid"/>
+        </a:ln>
+      </a:lnStyleLst>
+      <a:effectStyleLst>
+        <a:effectStyle>
+          <a:effectLst>
+            <a:outerShdw blurRad="40000" dist="20000" dir="5400000" rotWithShape="0">
+              <a:srgbClr val="000000">
+                <a:alpha val="38000"/>
+              </a:srgbClr>
+            </a:outerShdw>
+          </a:effectLst>
+        </a:effectStyle>
+        <a:effectStyle>
+          <a:effectLst>
+            <a:outerShdw blurRad="40000" dist="23000" dir="5400000" rotWithShape="0">
+              <a:srgbClr val="000000">
+                <a:alpha val="35000"/>
+              </a:srgbClr>
+            </a:outerShdw>
+          </a:effectLst>
+        </a:effectStyle>
+        <a:effectStyle>
+          <a:effectLst>
+            <a:outerShdw blurRad="40000" dist="23000" dir="5400000" rotWithShape="0">
+              <a:srgbClr val="000000">
+                <a:alpha val="35000"/>
+              </a:srgbClr>
+            </a:outerShdw>
+          </a:effectLst>
+          <a:scene3d>
+            <a:camera prst="orthographicFront">
+              <a:rot lat="0" lon="0" rev="0"/>
+            </a:camera>
+            <a:lightRig rig="threePt" dir="t">
+              <a:rot lat="0" lon="0" rev="1200000"/>
+            </a:lightRig>
+          </a:scene3d>
+          <a:sp3d>
+            <a:bevelT w="63500" h="25400"/>
+          </a:sp3d>
+        </a:effectStyle>
+      </a:effectStyleLst>
+      <a:bgFillStyleLst>
+        <a:solidFill>
+          <a:schemeClr val="phClr"/>
+        </a:solidFill>
+        <a:gradFill rotWithShape="1">
+          <a:gsLst>
+            <a:gs pos="0">
+              <a:schemeClr val="phClr">
+                <a:tint val="40000"/>
+                <a:satMod val="350000"/>
+              </a:schemeClr>
+            </a:gs>
+            <a:gs pos="40000">
+              <a:schemeClr val="phClr">
+                <a:tint val="45000"/>
+                <a:shade val="99000"/>
+                <a:satMod val="350000"/>
+              </a:schemeClr>
+            </a:gs>
+            <a:gs pos="100000">
+              <a:schemeClr val="phClr">
+                <a:shade val="20000"/>
+                <a:satMod val="255000"/>
+              </a:schemeClr>
+            </a:gs>
+          </a:gsLst>
+          <a:path path="circle">
+            <a:fillToRect l="50000" t="-80000" r="50000" b="180000"/>
+          </a:path>
+        </a:gradFill>
+        <a:gradFill rotWithShape="1">
+          <a:gsLst>
+            <a:gs pos="0">
+              <a:schemeClr val="phClr">
+                <a:tint val="80000"/>
+                <a:satMod val="300000"/>
+              </a:schemeClr>
+            </a:gs>
+            <a:gs pos="100000">
+              <a:schemeClr val="phClr">
+                <a:shade val="30000"/>
+                <a:satMod val="200000"/>
+              </a:schemeClr>
+            </a:gs>
+          </a:gsLst>
+          <a:path path="circle">
+            <a:fillToRect l="50000" t="50000" r="50000" b="50000"/>
+          </a:path>
+        </a:gradFill>
+      </a:bgFillStyleLst>
+    </a:fmtScheme>
+  </a:themeElements>
+</a:theme>
+</file>
+
+<file path=ppt/theme/theme6.xml><?xml version="1.0" encoding="utf-8"?>
+<a:theme xmlns:a="http://schemas.openxmlformats.org/drawingml/2006/main" name="Office Theme">
+  <a:themeElements>
+    <a:clrScheme name="Office">
+      <a:dk1>
+        <a:sysClr val="windowText" lastClr="000000"/>
+      </a:dk1>
+      <a:lt1>
+        <a:sysClr val="window" lastClr="FFFFFF"/>
+      </a:lt1>
+      <a:dk2>
+        <a:srgbClr val="44546a"/>
+      </a:dk2>
+      <a:lt2>
+        <a:srgbClr val="e7e6e6"/>
+      </a:lt2>
+      <a:accent1>
+        <a:srgbClr val="5b9bd5"/>
+      </a:accent1>
+      <a:accent2>
+        <a:srgbClr val="ed7d31"/>
+      </a:accent2>
+      <a:accent3>
+        <a:srgbClr val="a5a5a5"/>
+      </a:accent3>
+      <a:accent4>
+        <a:srgbClr val="ffc000"/>
+      </a:accent4>
+      <a:accent5>
+        <a:srgbClr val="4472c4"/>
+      </a:accent5>
+      <a:accent6>
+        <a:srgbClr val="70ad47"/>
+      </a:accent6>
+      <a:hlink>
+        <a:srgbClr val="0563c1"/>
+      </a:hlink>
+      <a:folHlink>
+        <a:srgbClr val="954f72"/>
+      </a:folHlink>
+    </a:clrScheme>
+    <a:fontScheme name="Office">
+      <a:majorFont>
+        <a:latin typeface="Arial"/>
+        <a:ea typeface="DejaVu Sans"/>
+        <a:cs typeface="DejaVu Sans"/>
+      </a:majorFont>
+      <a:minorFont>
+        <a:latin typeface="Arial"/>
+        <a:ea typeface="DejaVu Sans"/>
+        <a:cs typeface="DejaVu Sans"/>
+      </a:minorFont>
+    </a:fontScheme>
+    <a:fmtScheme name="Office">
+      <a:fillStyleLst>
+        <a:solidFill>
+          <a:schemeClr val="phClr"/>
+        </a:solidFill>
+        <a:gradFill rotWithShape="1">
+          <a:gsLst>
+            <a:gs pos="0">
+              <a:schemeClr val="phClr">
+                <a:tint val="50000"/>
+                <a:satMod val="300000"/>
+              </a:schemeClr>
+            </a:gs>
+            <a:gs pos="35000">
+              <a:schemeClr val="phClr">
+                <a:tint val="37000"/>
+                <a:satMod val="300000"/>
+              </a:schemeClr>
+            </a:gs>
+            <a:gs pos="100000">
+              <a:schemeClr val="phClr">
+                <a:tint val="15000"/>
+                <a:satMod val="350000"/>
+              </a:schemeClr>
+            </a:gs>
+          </a:gsLst>
+          <a:lin ang="16200000" scaled="1"/>
+        </a:gradFill>
+        <a:gradFill rotWithShape="1">
+          <a:gsLst>
+            <a:gs pos="0">
+              <a:schemeClr val="phClr">
+                <a:shade val="51000"/>
+                <a:satMod val="130000"/>
+              </a:schemeClr>
+            </a:gs>
+            <a:gs pos="80000">
+              <a:schemeClr val="phClr">
+                <a:shade val="93000"/>
+                <a:satMod val="130000"/>
+              </a:schemeClr>
+            </a:gs>
+            <a:gs pos="100000">
+              <a:schemeClr val="phClr">
+                <a:shade val="94000"/>
+                <a:satMod val="135000"/>
+              </a:schemeClr>
+            </a:gs>
+          </a:gsLst>
+          <a:lin ang="16200000" scaled="0"/>
+        </a:gradFill>
+      </a:fillStyleLst>
+      <a:lnStyleLst>
+        <a:ln w="9525" cap="flat" cmpd="sng" algn="ctr">
+          <a:solidFill>
+            <a:schemeClr val="phClr">
+              <a:shade val="95000"/>
+              <a:satMod val="105000"/>
+            </a:schemeClr>
+          </a:solidFill>
+          <a:prstDash val="solid"/>
+        </a:ln>
+        <a:ln w="25400" cap="flat" cmpd="sng" algn="ctr">
+          <a:solidFill>
+            <a:schemeClr val="phClr"/>
+          </a:solidFill>
+          <a:prstDash val="solid"/>
+        </a:ln>
+        <a:ln w="38100" cap="flat" cmpd="sng" algn="ctr">
+          <a:solidFill>
+            <a:schemeClr val="phClr"/>
+          </a:solidFill>
+          <a:prstDash val="solid"/>
+        </a:ln>
+      </a:lnStyleLst>
+      <a:effectStyleLst>
+        <a:effectStyle>
+          <a:effectLst>
+            <a:outerShdw blurRad="40000" dist="20000" dir="5400000" rotWithShape="0">
+              <a:srgbClr val="000000">
+                <a:alpha val="38000"/>
+              </a:srgbClr>
+            </a:outerShdw>
+          </a:effectLst>
+        </a:effectStyle>
+        <a:effectStyle>
+          <a:effectLst>
+            <a:outerShdw blurRad="40000" dist="23000" dir="5400000" rotWithShape="0">
+              <a:srgbClr val="000000">
+                <a:alpha val="35000"/>
+              </a:srgbClr>
+            </a:outerShdw>
+          </a:effectLst>
+        </a:effectStyle>
+        <a:effectStyle>
+          <a:effectLst>
+            <a:outerShdw blurRad="40000" dist="23000" dir="5400000" rotWithShape="0">
+              <a:srgbClr val="000000">
+                <a:alpha val="35000"/>
+              </a:srgbClr>
+            </a:outerShdw>
+          </a:effectLst>
+          <a:scene3d>
+            <a:camera prst="orthographicFront">
+              <a:rot lat="0" lon="0" rev="0"/>
+            </a:camera>
+            <a:lightRig rig="threePt" dir="t">
+              <a:rot lat="0" lon="0" rev="1200000"/>
+            </a:lightRig>
+          </a:scene3d>
+          <a:sp3d>
+            <a:bevelT w="63500" h="25400"/>
+          </a:sp3d>
+        </a:effectStyle>
+      </a:effectStyleLst>
+      <a:bgFillStyleLst>
+        <a:solidFill>
+          <a:schemeClr val="phClr"/>
+        </a:solidFill>
+        <a:gradFill rotWithShape="1">
+          <a:gsLst>
+            <a:gs pos="0">
+              <a:schemeClr val="phClr">
+                <a:tint val="40000"/>
+                <a:satMod val="350000"/>
+              </a:schemeClr>
+            </a:gs>
+            <a:gs pos="40000">
+              <a:schemeClr val="phClr">
+                <a:tint val="45000"/>
+                <a:shade val="99000"/>
+                <a:satMod val="350000"/>
+              </a:schemeClr>
+            </a:gs>
+            <a:gs pos="100000">
+              <a:schemeClr val="phClr">
+                <a:shade val="20000"/>
+                <a:satMod val="255000"/>
+              </a:schemeClr>
+            </a:gs>
+          </a:gsLst>
+          <a:path path="circle">
+            <a:fillToRect l="50000" t="-80000" r="50000" b="180000"/>
+          </a:path>
+        </a:gradFill>
+        <a:gradFill rotWithShape="1">
+          <a:gsLst>
+            <a:gs pos="0">
+              <a:schemeClr val="phClr">
+                <a:tint val="80000"/>
+                <a:satMod val="300000"/>
+              </a:schemeClr>
+            </a:gs>
+            <a:gs pos="100000">
+              <a:schemeClr val="phClr">
+                <a:shade val="30000"/>
+                <a:satMod val="200000"/>
+              </a:schemeClr>
+            </a:gs>
+          </a:gsLst>
+          <a:path path="circle">
+            <a:fillToRect l="50000" t="50000" r="50000" b="50000"/>
+          </a:path>
+        </a:gradFill>
+      </a:bgFillStyleLst>
+    </a:fmtScheme>
+  </a:themeElements>
+</a:theme>
 </file>